--- a/starlab.pptx
+++ b/starlab.pptx
@@ -6,6 +6,15 @@
   </p:sldMasterIdLst>
   <p:sldIdLst>
     <p:sldId id="256" r:id="rId2"/>
+    <p:sldId id="259" r:id="rId3"/>
+    <p:sldId id="261" r:id="rId4"/>
+    <p:sldId id="262" r:id="rId5"/>
+    <p:sldId id="265" r:id="rId6"/>
+    <p:sldId id="263" r:id="rId7"/>
+    <p:sldId id="258" r:id="rId8"/>
+    <p:sldId id="260" r:id="rId9"/>
+    <p:sldId id="264" r:id="rId10"/>
+    <p:sldId id="257" r:id="rId11"/>
   </p:sldIdLst>
   <p:sldSz cx="12192000" cy="6858000"/>
   <p:notesSz cx="6858000" cy="9144000"/>
@@ -104,6 +113,11 @@
       </a:defRPr>
     </a:lvl9pPr>
   </p:defaultTextStyle>
+  <p:extLst>
+    <p:ext uri="{EFAFB233-063F-42B5-8137-9DF3F51BA10A}">
+      <p15:sldGuideLst xmlns:p15="http://schemas.microsoft.com/office/powerpoint/2012/main"/>
+    </p:ext>
+  </p:extLst>
 </p:presentation>
 </file>
 
@@ -254,7 +268,7 @@
           <a:p>
             <a:fld id="{3E82D189-4553-43AE-B806-7A967656CC27}" type="datetimeFigureOut">
               <a:rPr lang="en-US" smtClean="0"/>
-              <a:t>11/13/2021</a:t>
+              <a:t>11/29/2021</a:t>
             </a:fld>
             <a:endParaRPr lang="en-US"/>
           </a:p>
@@ -452,7 +466,7 @@
           <a:p>
             <a:fld id="{3E82D189-4553-43AE-B806-7A967656CC27}" type="datetimeFigureOut">
               <a:rPr lang="en-US" smtClean="0"/>
-              <a:t>11/13/2021</a:t>
+              <a:t>11/29/2021</a:t>
             </a:fld>
             <a:endParaRPr lang="en-US"/>
           </a:p>
@@ -660,7 +674,7 @@
           <a:p>
             <a:fld id="{3E82D189-4553-43AE-B806-7A967656CC27}" type="datetimeFigureOut">
               <a:rPr lang="en-US" smtClean="0"/>
-              <a:t>11/13/2021</a:t>
+              <a:t>11/29/2021</a:t>
             </a:fld>
             <a:endParaRPr lang="en-US"/>
           </a:p>
@@ -858,7 +872,7 @@
           <a:p>
             <a:fld id="{3E82D189-4553-43AE-B806-7A967656CC27}" type="datetimeFigureOut">
               <a:rPr lang="en-US" smtClean="0"/>
-              <a:t>11/13/2021</a:t>
+              <a:t>11/29/2021</a:t>
             </a:fld>
             <a:endParaRPr lang="en-US"/>
           </a:p>
@@ -1133,7 +1147,7 @@
           <a:p>
             <a:fld id="{3E82D189-4553-43AE-B806-7A967656CC27}" type="datetimeFigureOut">
               <a:rPr lang="en-US" smtClean="0"/>
-              <a:t>11/13/2021</a:t>
+              <a:t>11/29/2021</a:t>
             </a:fld>
             <a:endParaRPr lang="en-US"/>
           </a:p>
@@ -1398,7 +1412,7 @@
           <a:p>
             <a:fld id="{3E82D189-4553-43AE-B806-7A967656CC27}" type="datetimeFigureOut">
               <a:rPr lang="en-US" smtClean="0"/>
-              <a:t>11/13/2021</a:t>
+              <a:t>11/29/2021</a:t>
             </a:fld>
             <a:endParaRPr lang="en-US"/>
           </a:p>
@@ -1810,7 +1824,7 @@
           <a:p>
             <a:fld id="{3E82D189-4553-43AE-B806-7A967656CC27}" type="datetimeFigureOut">
               <a:rPr lang="en-US" smtClean="0"/>
-              <a:t>11/13/2021</a:t>
+              <a:t>11/29/2021</a:t>
             </a:fld>
             <a:endParaRPr lang="en-US"/>
           </a:p>
@@ -1951,7 +1965,7 @@
           <a:p>
             <a:fld id="{3E82D189-4553-43AE-B806-7A967656CC27}" type="datetimeFigureOut">
               <a:rPr lang="en-US" smtClean="0"/>
-              <a:t>11/13/2021</a:t>
+              <a:t>11/29/2021</a:t>
             </a:fld>
             <a:endParaRPr lang="en-US"/>
           </a:p>
@@ -2064,7 +2078,7 @@
           <a:p>
             <a:fld id="{3E82D189-4553-43AE-B806-7A967656CC27}" type="datetimeFigureOut">
               <a:rPr lang="en-US" smtClean="0"/>
-              <a:t>11/13/2021</a:t>
+              <a:t>11/29/2021</a:t>
             </a:fld>
             <a:endParaRPr lang="en-US"/>
           </a:p>
@@ -2375,7 +2389,7 @@
           <a:p>
             <a:fld id="{3E82D189-4553-43AE-B806-7A967656CC27}" type="datetimeFigureOut">
               <a:rPr lang="en-US" smtClean="0"/>
-              <a:t>11/13/2021</a:t>
+              <a:t>11/29/2021</a:t>
             </a:fld>
             <a:endParaRPr lang="en-US"/>
           </a:p>
@@ -2663,7 +2677,7 @@
           <a:p>
             <a:fld id="{3E82D189-4553-43AE-B806-7A967656CC27}" type="datetimeFigureOut">
               <a:rPr lang="en-US" smtClean="0"/>
-              <a:t>11/13/2021</a:t>
+              <a:t>11/29/2021</a:t>
             </a:fld>
             <a:endParaRPr lang="en-US"/>
           </a:p>
@@ -2904,7 +2918,7 @@
           <a:p>
             <a:fld id="{3E82D189-4553-43AE-B806-7A967656CC27}" type="datetimeFigureOut">
               <a:rPr lang="en-US" smtClean="0"/>
-              <a:t>11/13/2021</a:t>
+              <a:t>11/29/2021</a:t>
             </a:fld>
             <a:endParaRPr lang="en-US"/>
           </a:p>
@@ -3488,7 +3502,7 @@
         </p:nvSpPr>
         <p:spPr>
           <a:xfrm>
-            <a:off x="6420851" y="1046747"/>
+            <a:off x="9577137" y="913397"/>
             <a:ext cx="5229726" cy="3416320"/>
           </a:xfrm>
           <a:prstGeom prst="rect">
@@ -3953,7 +3967,7 @@
         </p:nvSpPr>
         <p:spPr>
           <a:xfrm>
-            <a:off x="6096000" y="440612"/>
+            <a:off x="6096000" y="421562"/>
             <a:ext cx="1708483" cy="369332"/>
           </a:xfrm>
           <a:prstGeom prst="rect">
@@ -4102,6 +4116,7993 @@
     <p:extLst>
       <p:ext uri="{BB962C8B-B14F-4D97-AF65-F5344CB8AC3E}">
         <p14:creationId xmlns:p14="http://schemas.microsoft.com/office/powerpoint/2010/main" val="3667193259"/>
+      </p:ext>
+    </p:extLst>
+  </p:cSld>
+  <p:clrMapOvr>
+    <a:masterClrMapping/>
+  </p:clrMapOvr>
+</p:sld>
+</file>
+
+<file path=ppt/slides/slide10.xml><?xml version="1.0" encoding="utf-8"?>
+<p:sld xmlns:a="http://schemas.openxmlformats.org/drawingml/2006/main" xmlns:r="http://schemas.openxmlformats.org/officeDocument/2006/relationships" xmlns:p="http://schemas.openxmlformats.org/presentationml/2006/main">
+  <p:cSld>
+    <p:spTree>
+      <p:nvGrpSpPr>
+        <p:cNvPr id="1" name=""/>
+        <p:cNvGrpSpPr/>
+        <p:nvPr/>
+      </p:nvGrpSpPr>
+      <p:grpSpPr>
+        <a:xfrm>
+          <a:off x="0" y="0"/>
+          <a:ext cx="0" cy="0"/>
+          <a:chOff x="0" y="0"/>
+          <a:chExt cx="0" cy="0"/>
+        </a:xfrm>
+      </p:grpSpPr>
+      <p:pic>
+        <p:nvPicPr>
+          <p:cNvPr id="7" name="Picture 6" descr="Chart&#10;&#10;Description automatically generated">
+            <a:extLst>
+              <a:ext uri="{FF2B5EF4-FFF2-40B4-BE49-F238E27FC236}">
+                <a16:creationId xmlns:a16="http://schemas.microsoft.com/office/drawing/2014/main" id="{25C569C5-0C63-4227-AACE-26FDE647DC27}"/>
+              </a:ext>
+            </a:extLst>
+          </p:cNvPr>
+          <p:cNvPicPr>
+            <a:picLocks/>
+          </p:cNvPicPr>
+          <p:nvPr/>
+        </p:nvPicPr>
+        <p:blipFill>
+          <a:blip r:embed="rId2">
+            <a:extLst>
+              <a:ext uri="{BEBA8EAE-BF5A-486C-A8C5-ECC9F3942E4B}">
+                <a14:imgProps xmlns:a14="http://schemas.microsoft.com/office/drawing/2010/main">
+                  <a14:imgLayer r:embed="rId3">
+                    <a14:imgEffect>
+                      <a14:sharpenSoften amount="-23000"/>
+                    </a14:imgEffect>
+                    <a14:imgEffect>
+                      <a14:brightnessContrast contrast="37000"/>
+                    </a14:imgEffect>
+                  </a14:imgLayer>
+                </a14:imgProps>
+              </a:ext>
+              <a:ext uri="{28A0092B-C50C-407E-A947-70E740481C1C}">
+                <a14:useLocalDpi xmlns:a14="http://schemas.microsoft.com/office/drawing/2010/main" val="0"/>
+              </a:ext>
+            </a:extLst>
+          </a:blip>
+          <a:stretch>
+            <a:fillRect/>
+          </a:stretch>
+        </p:blipFill>
+        <p:spPr>
+          <a:xfrm>
+            <a:off x="4732193" y="2315646"/>
+            <a:ext cx="5099098" cy="2683736"/>
+          </a:xfrm>
+          <a:prstGeom prst="rect">
+            <a:avLst/>
+          </a:prstGeom>
+        </p:spPr>
+      </p:pic>
+      <p:pic>
+        <p:nvPicPr>
+          <p:cNvPr id="15" name="Picture 14" descr="A picture containing vector graphics&#10;&#10;Description automatically generated">
+            <a:extLst>
+              <a:ext uri="{FF2B5EF4-FFF2-40B4-BE49-F238E27FC236}">
+                <a16:creationId xmlns:a16="http://schemas.microsoft.com/office/drawing/2014/main" id="{8332E083-F0F0-4FAF-B2E4-7D26684A0A4B}"/>
+              </a:ext>
+            </a:extLst>
+          </p:cNvPr>
+          <p:cNvPicPr>
+            <a:picLocks noChangeAspect="1"/>
+          </p:cNvPicPr>
+          <p:nvPr/>
+        </p:nvPicPr>
+        <p:blipFill>
+          <a:blip r:embed="rId4">
+            <a:extLst>
+              <a:ext uri="{BEBA8EAE-BF5A-486C-A8C5-ECC9F3942E4B}">
+                <a14:imgProps xmlns:a14="http://schemas.microsoft.com/office/drawing/2010/main">
+                  <a14:imgLayer r:embed="rId5">
+                    <a14:imgEffect>
+                      <a14:backgroundRemoval t="3182" b="99091" l="2917" r="95625">
+                        <a14:foregroundMark x1="30000" y1="84697" x2="68333" y2="86970"/>
+                        <a14:foregroundMark x1="73542" y1="81364" x2="76042" y2="81212"/>
+                        <a14:foregroundMark x1="48750" y1="93939" x2="48750" y2="93939"/>
+                        <a14:foregroundMark x1="50625" y1="99242" x2="50625" y2="99242"/>
+                        <a14:foregroundMark x1="12500" y1="52273" x2="12500" y2="52273"/>
+                        <a14:foregroundMark x1="27083" y1="46515" x2="27083" y2="46515"/>
+                        <a14:foregroundMark x1="27083" y1="46515" x2="27500" y2="47273"/>
+                        <a14:foregroundMark x1="27500" y1="45455" x2="27500" y2="45455"/>
+                        <a14:foregroundMark x1="27500" y1="45455" x2="27500" y2="45455"/>
+                        <a14:foregroundMark x1="27500" y1="45455" x2="27500" y2="45455"/>
+                        <a14:foregroundMark x1="15833" y1="25303" x2="13958" y2="23182"/>
+                        <a14:foregroundMark x1="14792" y1="23182" x2="64167" y2="41061"/>
+                        <a14:foregroundMark x1="15833" y1="71061" x2="5447" y2="15521"/>
+                        <a14:foregroundMark x1="11393" y1="13872" x2="81250" y2="9697"/>
+                        <a14:foregroundMark x1="91747" y1="55503" x2="92083" y2="56970"/>
+                        <a14:foregroundMark x1="81250" y1="9697" x2="91197" y2="53103"/>
+                        <a14:foregroundMark x1="87332" y1="65814" x2="18125" y2="72727"/>
+                        <a14:foregroundMark x1="18125" y1="72727" x2="13750" y2="71667"/>
+                        <a14:foregroundMark x1="16042" y1="46667" x2="76667" y2="35606"/>
+                        <a14:foregroundMark x1="30000" y1="43939" x2="33750" y2="42424"/>
+                        <a14:foregroundMark x1="32708" y1="47576" x2="32708" y2="47576"/>
+                        <a14:foregroundMark x1="32708" y1="47576" x2="32708" y2="47576"/>
+                        <a14:foregroundMark x1="32708" y1="47576" x2="29583" y2="46364"/>
+                        <a14:foregroundMark x1="32917" y1="50152" x2="29583" y2="46667"/>
+                        <a14:foregroundMark x1="34792" y1="50455" x2="36042" y2="50909"/>
+                        <a14:foregroundMark x1="56667" y1="55606" x2="71875" y2="48182"/>
+                        <a14:foregroundMark x1="78542" y1="47424" x2="63542" y2="50303"/>
+                        <a14:foregroundMark x1="67708" y1="48636" x2="76667" y2="46364"/>
+                        <a14:foregroundMark x1="76667" y1="46364" x2="74375" y2="45909"/>
+                        <a14:foregroundMark x1="51250" y1="20606" x2="29583" y2="17727"/>
+                        <a14:foregroundMark x1="29583" y1="17727" x2="74792" y2="17576"/>
+                        <a14:foregroundMark x1="74792" y1="17576" x2="32500" y2="21515"/>
+                        <a14:foregroundMark x1="32500" y1="21515" x2="48542" y2="28182"/>
+                        <a14:foregroundMark x1="47292" y1="24242" x2="48125" y2="26970"/>
+                        <a14:foregroundMark x1="49167" y1="30000" x2="87500" y2="34848"/>
+                        <a14:foregroundMark x1="13333" y1="43333" x2="13333" y2="43333"/>
+                        <a14:foregroundMark x1="13333" y1="43333" x2="13333" y2="43333"/>
+                        <a14:foregroundMark x1="13333" y1="43333" x2="13333" y2="43333"/>
+                        <a14:foregroundMark x1="13542" y1="23485" x2="48750" y2="29697"/>
+                        <a14:foregroundMark x1="69167" y1="19697" x2="17917" y2="61364"/>
+                        <a14:foregroundMark x1="17917" y1="61364" x2="90208" y2="43636"/>
+                        <a14:foregroundMark x1="90208" y1="43636" x2="16667" y2="19848"/>
+                        <a14:foregroundMark x1="16667" y1="19848" x2="31667" y2="42727"/>
+                        <a14:foregroundMark x1="27708" y1="20000" x2="34167" y2="15303"/>
+                        <a14:foregroundMark x1="26458" y1="19394" x2="27500" y2="14848"/>
+                        <a14:foregroundMark x1="22292" y1="21364" x2="30417" y2="13182"/>
+                        <a14:foregroundMark x1="26250" y1="15152" x2="22500" y2="20758"/>
+                        <a14:foregroundMark x1="25000" y1="18636" x2="17500" y2="37424"/>
+                        <a14:foregroundMark x1="16875" y1="18485" x2="13333" y2="21364"/>
+                        <a14:foregroundMark x1="13542" y1="19697" x2="8125" y2="20606"/>
+                        <a14:foregroundMark x1="16875" y1="21212" x2="11667" y2="35758"/>
+                        <a14:foregroundMark x1="11667" y1="34091" x2="13750" y2="41970"/>
+                        <a14:foregroundMark x1="11042" y1="32879" x2="6042" y2="29091"/>
+                        <a14:foregroundMark x1="7292" y1="32273" x2="2917" y2="23182"/>
+                        <a14:foregroundMark x1="24375" y1="14697" x2="42292" y2="5000"/>
+                        <a14:foregroundMark x1="18333" y1="16818" x2="36042" y2="6364"/>
+                        <a14:foregroundMark x1="19375" y1="14848" x2="22292" y2="10758"/>
+                        <a14:foregroundMark x1="37917" y1="12273" x2="26667" y2="7727"/>
+                        <a14:foregroundMark x1="23125" y1="10758" x2="58333" y2="6515"/>
+                        <a14:foregroundMark x1="24792" y1="9545" x2="34583" y2="6061"/>
+                        <a14:foregroundMark x1="34583" y1="6061" x2="42292" y2="4242"/>
+                        <a14:foregroundMark x1="42292" y1="4242" x2="48542" y2="3788"/>
+                        <a14:foregroundMark x1="46875" y1="13939" x2="54583" y2="22576"/>
+                        <a14:foregroundMark x1="55833" y1="21818" x2="64792" y2="16061"/>
+                        <a14:foregroundMark x1="58333" y1="14394" x2="77083" y2="14242"/>
+                        <a14:foregroundMark x1="81250" y1="22121" x2="90000" y2="23333"/>
+                        <a14:foregroundMark x1="64375" y1="13788" x2="51458" y2="3182"/>
+                        <a14:foregroundMark x1="80000" y1="13030" x2="86875" y2="40758"/>
+                        <a14:foregroundMark x1="74375" y1="18030" x2="89375" y2="20606"/>
+                        <a14:foregroundMark x1="80417" y1="16970" x2="90625" y2="18485"/>
+                        <a14:foregroundMark x1="85833" y1="24091" x2="91458" y2="23182"/>
+                        <a14:foregroundMark x1="88333" y1="20758" x2="95208" y2="20758"/>
+                        <a14:foregroundMark x1="69167" y1="13939" x2="62083" y2="4091"/>
+                        <a14:foregroundMark x1="79167" y1="48636" x2="95625" y2="26970"/>
+                        <a14:backgroundMark x1="9375" y1="5606" x2="9375" y2="5606"/>
+                        <a14:backgroundMark x1="6250" y1="15152" x2="6250" y2="15152"/>
+                        <a14:backgroundMark x1="6250" y1="15152" x2="6250" y2="15152"/>
+                        <a14:backgroundMark x1="5000" y1="15152" x2="5000" y2="15152"/>
+                        <a14:backgroundMark x1="6667" y1="13030" x2="6667" y2="13030"/>
+                        <a14:backgroundMark x1="6667" y1="13030" x2="6250" y2="14242"/>
+                        <a14:backgroundMark x1="9375" y1="13939" x2="4375" y2="14394"/>
+                        <a14:backgroundMark x1="92083" y1="56970" x2="92708" y2="66667"/>
+                        <a14:backgroundMark x1="95625" y1="56364" x2="92500" y2="56364"/>
+                      </a14:backgroundRemoval>
+                    </a14:imgEffect>
+                  </a14:imgLayer>
+                </a14:imgProps>
+              </a:ext>
+              <a:ext uri="{28A0092B-C50C-407E-A947-70E740481C1C}">
+                <a14:useLocalDpi xmlns:a14="http://schemas.microsoft.com/office/drawing/2010/main" val="0"/>
+              </a:ext>
+            </a:extLst>
+          </a:blip>
+          <a:stretch>
+            <a:fillRect/>
+          </a:stretch>
+        </p:blipFill>
+        <p:spPr>
+          <a:xfrm>
+            <a:off x="7715527" y="2388585"/>
+            <a:ext cx="965485" cy="1327541"/>
+          </a:xfrm>
+          <a:prstGeom prst="rect">
+            <a:avLst/>
+          </a:prstGeom>
+        </p:spPr>
+      </p:pic>
+      <p:pic>
+        <p:nvPicPr>
+          <p:cNvPr id="17" name="Picture 16" descr="Logo&#10;&#10;Description automatically generated">
+            <a:extLst>
+              <a:ext uri="{FF2B5EF4-FFF2-40B4-BE49-F238E27FC236}">
+                <a16:creationId xmlns:a16="http://schemas.microsoft.com/office/drawing/2014/main" id="{9AF4D4AA-FD2E-41FC-9B67-62750805D393}"/>
+              </a:ext>
+            </a:extLst>
+          </p:cNvPr>
+          <p:cNvPicPr>
+            <a:picLocks noChangeAspect="1"/>
+          </p:cNvPicPr>
+          <p:nvPr/>
+        </p:nvPicPr>
+        <p:blipFill>
+          <a:blip r:embed="rId6">
+            <a:extLst>
+              <a:ext uri="{BEBA8EAE-BF5A-486C-A8C5-ECC9F3942E4B}">
+                <a14:imgProps xmlns:a14="http://schemas.microsoft.com/office/drawing/2010/main">
+                  <a14:imgLayer r:embed="rId7">
+                    <a14:imgEffect>
+                      <a14:backgroundRemoval t="10000" b="90000" l="10000" r="90000"/>
+                    </a14:imgEffect>
+                  </a14:imgLayer>
+                </a14:imgProps>
+              </a:ext>
+              <a:ext uri="{28A0092B-C50C-407E-A947-70E740481C1C}">
+                <a14:useLocalDpi xmlns:a14="http://schemas.microsoft.com/office/drawing/2010/main" val="0"/>
+              </a:ext>
+            </a:extLst>
+          </a:blip>
+          <a:stretch>
+            <a:fillRect/>
+          </a:stretch>
+        </p:blipFill>
+        <p:spPr>
+          <a:xfrm>
+            <a:off x="7112588" y="3517510"/>
+            <a:ext cx="1348312" cy="1554811"/>
+          </a:xfrm>
+          <a:prstGeom prst="rect">
+            <a:avLst/>
+          </a:prstGeom>
+        </p:spPr>
+      </p:pic>
+      <p:pic>
+        <p:nvPicPr>
+          <p:cNvPr id="19" name="Picture 18" descr="An elephant walking in the dirt&#10;&#10;Description automatically generated with low confidence">
+            <a:extLst>
+              <a:ext uri="{FF2B5EF4-FFF2-40B4-BE49-F238E27FC236}">
+                <a16:creationId xmlns:a16="http://schemas.microsoft.com/office/drawing/2014/main" id="{0008A0B5-2CD9-4D13-AB2C-5F6D5F4E54EB}"/>
+              </a:ext>
+            </a:extLst>
+          </p:cNvPr>
+          <p:cNvPicPr>
+            <a:picLocks noChangeAspect="1"/>
+          </p:cNvPicPr>
+          <p:nvPr/>
+        </p:nvPicPr>
+        <p:blipFill rotWithShape="1">
+          <a:blip r:embed="rId8">
+            <a:extLst>
+              <a:ext uri="{BEBA8EAE-BF5A-486C-A8C5-ECC9F3942E4B}">
+                <a14:imgProps xmlns:a14="http://schemas.microsoft.com/office/drawing/2010/main">
+                  <a14:imgLayer r:embed="rId9">
+                    <a14:imgEffect>
+                      <a14:backgroundRemoval t="10000" b="90000" l="10000" r="90000"/>
+                    </a14:imgEffect>
+                  </a14:imgLayer>
+                </a14:imgProps>
+              </a:ext>
+              <a:ext uri="{28A0092B-C50C-407E-A947-70E740481C1C}">
+                <a14:useLocalDpi xmlns:a14="http://schemas.microsoft.com/office/drawing/2010/main" val="0"/>
+              </a:ext>
+            </a:extLst>
+          </a:blip>
+          <a:srcRect l="21498" t="23958" r="18930" b="21095"/>
+          <a:stretch/>
+        </p:blipFill>
+        <p:spPr>
+          <a:xfrm>
+            <a:off x="4732193" y="2908515"/>
+            <a:ext cx="1430120" cy="1978617"/>
+          </a:xfrm>
+          <a:prstGeom prst="rect">
+            <a:avLst/>
+          </a:prstGeom>
+        </p:spPr>
+      </p:pic>
+      <p:sp>
+        <p:nvSpPr>
+          <p:cNvPr id="20" name="Arrow: Left 19">
+            <a:extLst>
+              <a:ext uri="{FF2B5EF4-FFF2-40B4-BE49-F238E27FC236}">
+                <a16:creationId xmlns:a16="http://schemas.microsoft.com/office/drawing/2014/main" id="{5697F230-53E1-4FAF-93BC-D4E64C09D8F8}"/>
+              </a:ext>
+            </a:extLst>
+          </p:cNvPr>
+          <p:cNvSpPr/>
+          <p:nvPr/>
+        </p:nvSpPr>
+        <p:spPr>
+          <a:xfrm rot="556621">
+            <a:off x="6196888" y="4117732"/>
+            <a:ext cx="881341" cy="500450"/>
+          </a:xfrm>
+          <a:prstGeom prst="leftArrow">
+            <a:avLst/>
+          </a:prstGeom>
+          <a:solidFill>
+            <a:srgbClr val="03F109"/>
+          </a:solidFill>
+          <a:ln w="34925">
+            <a:solidFill>
+              <a:srgbClr val="03F109"/>
+            </a:solidFill>
+          </a:ln>
+          <a:effectLst>
+            <a:outerShdw blurRad="50800" dist="38100" dir="2700000" algn="tl" rotWithShape="0">
+              <a:prstClr val="black">
+                <a:alpha val="40000"/>
+              </a:prstClr>
+            </a:outerShdw>
+          </a:effectLst>
+        </p:spPr>
+        <p:style>
+          <a:lnRef idx="2">
+            <a:schemeClr val="accent1">
+              <a:shade val="50000"/>
+            </a:schemeClr>
+          </a:lnRef>
+          <a:fillRef idx="1">
+            <a:schemeClr val="accent1"/>
+          </a:fillRef>
+          <a:effectRef idx="0">
+            <a:schemeClr val="accent1"/>
+          </a:effectRef>
+          <a:fontRef idx="minor">
+            <a:schemeClr val="lt1"/>
+          </a:fontRef>
+        </p:style>
+        <p:txBody>
+          <a:bodyPr rtlCol="0" anchor="ctr"/>
+          <a:lstStyle/>
+          <a:p>
+            <a:pPr algn="ctr"/>
+            <a:endParaRPr lang="en-US"/>
+          </a:p>
+        </p:txBody>
+      </p:sp>
+      <p:sp>
+        <p:nvSpPr>
+          <p:cNvPr id="21" name="Arrow: Left 20">
+            <a:extLst>
+              <a:ext uri="{FF2B5EF4-FFF2-40B4-BE49-F238E27FC236}">
+                <a16:creationId xmlns:a16="http://schemas.microsoft.com/office/drawing/2014/main" id="{93D7484D-02CC-4FE6-AFA8-554ED1FD8F83}"/>
+              </a:ext>
+            </a:extLst>
+          </p:cNvPr>
+          <p:cNvSpPr/>
+          <p:nvPr/>
+        </p:nvSpPr>
+        <p:spPr>
+          <a:xfrm rot="20726596">
+            <a:off x="6613993" y="3112951"/>
+            <a:ext cx="881341" cy="500450"/>
+          </a:xfrm>
+          <a:prstGeom prst="leftArrow">
+            <a:avLst/>
+          </a:prstGeom>
+          <a:solidFill>
+            <a:srgbClr val="FF0000"/>
+          </a:solidFill>
+          <a:ln w="34925">
+            <a:solidFill>
+              <a:srgbClr val="FF0000"/>
+            </a:solidFill>
+          </a:ln>
+          <a:effectLst>
+            <a:outerShdw blurRad="50800" dist="38100" dir="2700000" algn="tl" rotWithShape="0">
+              <a:prstClr val="black">
+                <a:alpha val="40000"/>
+              </a:prstClr>
+            </a:outerShdw>
+          </a:effectLst>
+        </p:spPr>
+        <p:style>
+          <a:lnRef idx="2">
+            <a:schemeClr val="accent1">
+              <a:shade val="50000"/>
+            </a:schemeClr>
+          </a:lnRef>
+          <a:fillRef idx="1">
+            <a:schemeClr val="accent1"/>
+          </a:fillRef>
+          <a:effectRef idx="0">
+            <a:schemeClr val="accent1"/>
+          </a:effectRef>
+          <a:fontRef idx="minor">
+            <a:schemeClr val="lt1"/>
+          </a:fontRef>
+        </p:style>
+        <p:txBody>
+          <a:bodyPr rtlCol="0" anchor="ctr"/>
+          <a:lstStyle/>
+          <a:p>
+            <a:pPr algn="ctr"/>
+            <a:endParaRPr lang="en-US"/>
+          </a:p>
+        </p:txBody>
+      </p:sp>
+    </p:spTree>
+    <p:extLst>
+      <p:ext uri="{BB962C8B-B14F-4D97-AF65-F5344CB8AC3E}">
+        <p14:creationId xmlns:p14="http://schemas.microsoft.com/office/powerpoint/2010/main" val="1822592406"/>
+      </p:ext>
+    </p:extLst>
+  </p:cSld>
+  <p:clrMapOvr>
+    <a:masterClrMapping/>
+  </p:clrMapOvr>
+</p:sld>
+</file>
+
+<file path=ppt/slides/slide2.xml><?xml version="1.0" encoding="utf-8"?>
+<p:sld xmlns:a="http://schemas.openxmlformats.org/drawingml/2006/main" xmlns:r="http://schemas.openxmlformats.org/officeDocument/2006/relationships" xmlns:p="http://schemas.openxmlformats.org/presentationml/2006/main">
+  <p:cSld>
+    <p:spTree>
+      <p:nvGrpSpPr>
+        <p:cNvPr id="1" name=""/>
+        <p:cNvGrpSpPr/>
+        <p:nvPr/>
+      </p:nvGrpSpPr>
+      <p:grpSpPr>
+        <a:xfrm>
+          <a:off x="0" y="0"/>
+          <a:ext cx="0" cy="0"/>
+          <a:chOff x="0" y="0"/>
+          <a:chExt cx="0" cy="0"/>
+        </a:xfrm>
+      </p:grpSpPr>
+      <p:sp>
+        <p:nvSpPr>
+          <p:cNvPr id="4" name="Rectangle 3">
+            <a:extLst>
+              <a:ext uri="{FF2B5EF4-FFF2-40B4-BE49-F238E27FC236}">
+                <a16:creationId xmlns:a16="http://schemas.microsoft.com/office/drawing/2014/main" id="{39EE2A28-404B-4142-B3F9-2DA0FD9F6764}"/>
+              </a:ext>
+            </a:extLst>
+          </p:cNvPr>
+          <p:cNvSpPr/>
+          <p:nvPr/>
+        </p:nvSpPr>
+        <p:spPr>
+          <a:xfrm>
+            <a:off x="846394" y="830179"/>
+            <a:ext cx="5229726" cy="5229726"/>
+          </a:xfrm>
+          <a:prstGeom prst="rect">
+            <a:avLst/>
+          </a:prstGeom>
+          <a:solidFill>
+            <a:schemeClr val="accent1">
+              <a:lumMod val="20000"/>
+              <a:lumOff val="80000"/>
+            </a:schemeClr>
+          </a:solidFill>
+          <a:ln w="38100"/>
+        </p:spPr>
+        <p:style>
+          <a:lnRef idx="2">
+            <a:schemeClr val="accent1">
+              <a:shade val="50000"/>
+            </a:schemeClr>
+          </a:lnRef>
+          <a:fillRef idx="1">
+            <a:schemeClr val="accent1"/>
+          </a:fillRef>
+          <a:effectRef idx="0">
+            <a:schemeClr val="accent1"/>
+          </a:effectRef>
+          <a:fontRef idx="minor">
+            <a:schemeClr val="lt1"/>
+          </a:fontRef>
+        </p:style>
+        <p:txBody>
+          <a:bodyPr rtlCol="0" anchor="ctr"/>
+          <a:lstStyle/>
+          <a:p>
+            <a:pPr algn="ctr"/>
+            <a:endParaRPr lang="en-US"/>
+          </a:p>
+        </p:txBody>
+      </p:sp>
+      <p:sp>
+        <p:nvSpPr>
+          <p:cNvPr id="5" name="Rectangle 4">
+            <a:extLst>
+              <a:ext uri="{FF2B5EF4-FFF2-40B4-BE49-F238E27FC236}">
+                <a16:creationId xmlns:a16="http://schemas.microsoft.com/office/drawing/2014/main" id="{64F5CA3A-C0E5-4CC5-8EFE-C335C72A005D}"/>
+              </a:ext>
+            </a:extLst>
+          </p:cNvPr>
+          <p:cNvSpPr/>
+          <p:nvPr/>
+        </p:nvSpPr>
+        <p:spPr>
+          <a:xfrm>
+            <a:off x="2095500" y="2059405"/>
+            <a:ext cx="2771273" cy="2771273"/>
+          </a:xfrm>
+          <a:prstGeom prst="rect">
+            <a:avLst/>
+          </a:prstGeom>
+          <a:solidFill>
+            <a:schemeClr val="accent6">
+              <a:lumMod val="20000"/>
+              <a:lumOff val="80000"/>
+            </a:schemeClr>
+          </a:solidFill>
+          <a:ln w="38100">
+            <a:solidFill>
+              <a:schemeClr val="accent6">
+                <a:lumMod val="50000"/>
+              </a:schemeClr>
+            </a:solidFill>
+          </a:ln>
+        </p:spPr>
+        <p:style>
+          <a:lnRef idx="2">
+            <a:schemeClr val="accent1">
+              <a:shade val="50000"/>
+            </a:schemeClr>
+          </a:lnRef>
+          <a:fillRef idx="1">
+            <a:schemeClr val="accent1"/>
+          </a:fillRef>
+          <a:effectRef idx="0">
+            <a:schemeClr val="accent1"/>
+          </a:effectRef>
+          <a:fontRef idx="minor">
+            <a:schemeClr val="lt1"/>
+          </a:fontRef>
+        </p:style>
+        <p:txBody>
+          <a:bodyPr rtlCol="0" anchor="ctr"/>
+          <a:lstStyle/>
+          <a:p>
+            <a:pPr algn="ctr"/>
+            <a:endParaRPr lang="en-US"/>
+          </a:p>
+        </p:txBody>
+      </p:sp>
+      <p:cxnSp>
+        <p:nvCxnSpPr>
+          <p:cNvPr id="7" name="Straight Connector 6">
+            <a:extLst>
+              <a:ext uri="{FF2B5EF4-FFF2-40B4-BE49-F238E27FC236}">
+                <a16:creationId xmlns:a16="http://schemas.microsoft.com/office/drawing/2014/main" id="{26171733-5BA8-4D84-8B2B-8D0B50E54DE7}"/>
+              </a:ext>
+            </a:extLst>
+          </p:cNvPr>
+          <p:cNvCxnSpPr/>
+          <p:nvPr/>
+        </p:nvCxnSpPr>
+        <p:spPr>
+          <a:xfrm flipV="1">
+            <a:off x="846396" y="830179"/>
+            <a:ext cx="5229726" cy="5229726"/>
+          </a:xfrm>
+          <a:prstGeom prst="line">
+            <a:avLst/>
+          </a:prstGeom>
+          <a:ln w="76200">
+            <a:solidFill>
+              <a:srgbClr val="FF0000"/>
+            </a:solidFill>
+          </a:ln>
+        </p:spPr>
+        <p:style>
+          <a:lnRef idx="1">
+            <a:schemeClr val="accent1"/>
+          </a:lnRef>
+          <a:fillRef idx="0">
+            <a:schemeClr val="accent1"/>
+          </a:fillRef>
+          <a:effectRef idx="0">
+            <a:schemeClr val="accent1"/>
+          </a:effectRef>
+          <a:fontRef idx="minor">
+            <a:schemeClr val="tx1"/>
+          </a:fontRef>
+        </p:style>
+      </p:cxnSp>
+      <p:sp>
+        <p:nvSpPr>
+          <p:cNvPr id="8" name="TextBox 7">
+            <a:extLst>
+              <a:ext uri="{FF2B5EF4-FFF2-40B4-BE49-F238E27FC236}">
+                <a16:creationId xmlns:a16="http://schemas.microsoft.com/office/drawing/2014/main" id="{CC0A3B4A-5D91-4CD4-95E3-7F3EA668A367}"/>
+              </a:ext>
+            </a:extLst>
+          </p:cNvPr>
+          <p:cNvSpPr txBox="1"/>
+          <p:nvPr/>
+        </p:nvSpPr>
+        <p:spPr>
+          <a:xfrm>
+            <a:off x="7336048" y="-705444"/>
+            <a:ext cx="6966362" cy="3416320"/>
+          </a:xfrm>
+          <a:prstGeom prst="rect">
+            <a:avLst/>
+          </a:prstGeom>
+          <a:noFill/>
+        </p:spPr>
+        <p:txBody>
+          <a:bodyPr wrap="square" rtlCol="0">
+            <a:spAutoFit/>
+          </a:bodyPr>
+          <a:lstStyle/>
+          <a:p>
+            <a:r>
+              <a:rPr lang="en-US" dirty="0" err="1"/>
+              <a:t>Adversarially</a:t>
+            </a:r>
+            <a:r>
+              <a:rPr lang="en-US" dirty="0"/>
+              <a:t>, target can move to opposite corner</a:t>
+            </a:r>
+          </a:p>
+          <a:p>
+            <a:endParaRPr lang="en-US" dirty="0"/>
+          </a:p>
+          <a:p>
+            <a:r>
+              <a:rPr lang="en-US" dirty="0"/>
+              <a:t>Want green/red &lt;= </a:t>
+            </a:r>
+            <a:r>
+              <a:rPr lang="en-US" dirty="0" err="1"/>
+              <a:t>rangerMaxV</a:t>
+            </a:r>
+            <a:r>
+              <a:rPr lang="en-US" dirty="0"/>
+              <a:t>/</a:t>
+            </a:r>
+            <a:r>
+              <a:rPr lang="en-US" dirty="0" err="1"/>
+              <a:t>targetMaxV</a:t>
+            </a:r>
+            <a:endParaRPr lang="en-US" dirty="0"/>
+          </a:p>
+          <a:p>
+            <a:r>
+              <a:rPr lang="en-US" dirty="0"/>
+              <a:t>Green/</a:t>
+            </a:r>
+            <a:r>
+              <a:rPr lang="en-US" dirty="0" err="1"/>
+              <a:t>rangerMaxV</a:t>
+            </a:r>
+            <a:r>
+              <a:rPr lang="en-US" dirty="0"/>
+              <a:t> &lt;= red/</a:t>
+            </a:r>
+            <a:r>
+              <a:rPr lang="en-US" dirty="0" err="1"/>
+              <a:t>targetMaxV</a:t>
+            </a:r>
+            <a:endParaRPr lang="en-US" dirty="0"/>
+          </a:p>
+          <a:p>
+            <a:r>
+              <a:rPr lang="en-US" dirty="0"/>
+              <a:t>Time for ranger to travel &lt;= time for target to travel</a:t>
+            </a:r>
+          </a:p>
+          <a:p>
+            <a:endParaRPr lang="en-US" dirty="0"/>
+          </a:p>
+          <a:p>
+            <a:endParaRPr lang="en-US" dirty="0"/>
+          </a:p>
+          <a:p>
+            <a:r>
+              <a:rPr lang="en-US" dirty="0" err="1"/>
+              <a:t>preyr</a:t>
+            </a:r>
+            <a:r>
+              <a:rPr lang="en-US" dirty="0"/>
+              <a:t>(</a:t>
+            </a:r>
+            <a:r>
+              <a:rPr lang="en-US" dirty="0" err="1"/>
+              <a:t>maxVr</a:t>
+            </a:r>
+            <a:r>
+              <a:rPr lang="en-US" dirty="0"/>
+              <a:t>/</a:t>
+            </a:r>
+            <a:r>
+              <a:rPr lang="en-US" dirty="0" err="1"/>
+              <a:t>maxVp</a:t>
+            </a:r>
+            <a:r>
+              <a:rPr lang="en-US" dirty="0"/>
+              <a:t>) = (</a:t>
+            </a:r>
+            <a:r>
+              <a:rPr lang="en-US" dirty="0" err="1"/>
+              <a:t>preyr</a:t>
+            </a:r>
+            <a:r>
+              <a:rPr lang="en-US" dirty="0"/>
+              <a:t>/</a:t>
+            </a:r>
+            <a:r>
+              <a:rPr lang="en-US" dirty="0" err="1"/>
+              <a:t>maxVp</a:t>
+            </a:r>
+            <a:r>
+              <a:rPr lang="en-US" dirty="0"/>
+              <a:t>)*</a:t>
+            </a:r>
+            <a:r>
+              <a:rPr lang="en-US" dirty="0" err="1"/>
+              <a:t>maxVr</a:t>
+            </a:r>
+            <a:endParaRPr lang="en-US" dirty="0"/>
+          </a:p>
+          <a:p>
+            <a:r>
+              <a:rPr lang="en-US" dirty="0"/>
+              <a:t>      = (time for poacher to get to prey) * </a:t>
+            </a:r>
+            <a:r>
+              <a:rPr lang="en-US" dirty="0" err="1"/>
+              <a:t>maxVr</a:t>
+            </a:r>
+            <a:endParaRPr lang="en-US" dirty="0"/>
+          </a:p>
+          <a:p>
+            <a:r>
+              <a:rPr lang="en-US" dirty="0"/>
+              <a:t>      = distance ranger can travel in time it takes for poacher to reach prey</a:t>
+            </a:r>
+          </a:p>
+          <a:p>
+            <a:r>
+              <a:rPr lang="en-US" dirty="0"/>
+              <a:t>(Green – </a:t>
+            </a:r>
+            <a:r>
+              <a:rPr lang="en-US" dirty="0" err="1"/>
+              <a:t>preyr</a:t>
+            </a:r>
+            <a:r>
+              <a:rPr lang="en-US" dirty="0"/>
+              <a:t>(</a:t>
+            </a:r>
+            <a:r>
+              <a:rPr lang="en-US" dirty="0" err="1"/>
+              <a:t>maxVr</a:t>
+            </a:r>
+            <a:r>
+              <a:rPr lang="en-US" dirty="0"/>
+              <a:t>/</a:t>
+            </a:r>
+            <a:r>
+              <a:rPr lang="en-US" dirty="0" err="1"/>
+              <a:t>maxVp</a:t>
+            </a:r>
+            <a:r>
+              <a:rPr lang="en-US" dirty="0"/>
+              <a:t>))/</a:t>
+            </a:r>
+            <a:r>
+              <a:rPr lang="en-US" dirty="0" err="1"/>
+              <a:t>rangerMaxV</a:t>
+            </a:r>
+            <a:r>
+              <a:rPr lang="en-US" dirty="0"/>
+              <a:t> &lt;= red/</a:t>
+            </a:r>
+            <a:r>
+              <a:rPr lang="en-US" dirty="0" err="1"/>
+              <a:t>targetMaxV</a:t>
+            </a:r>
+            <a:endParaRPr lang="en-US" dirty="0"/>
+          </a:p>
+          <a:p>
+            <a:endParaRPr lang="en-US" dirty="0"/>
+          </a:p>
+        </p:txBody>
+      </p:sp>
+      <p:cxnSp>
+        <p:nvCxnSpPr>
+          <p:cNvPr id="10" name="Straight Connector 9">
+            <a:extLst>
+              <a:ext uri="{FF2B5EF4-FFF2-40B4-BE49-F238E27FC236}">
+                <a16:creationId xmlns:a16="http://schemas.microsoft.com/office/drawing/2014/main" id="{8986D81B-5368-4625-9B70-978CA656AB98}"/>
+              </a:ext>
+            </a:extLst>
+          </p:cNvPr>
+          <p:cNvCxnSpPr>
+            <a:cxnSpLocks/>
+          </p:cNvCxnSpPr>
+          <p:nvPr/>
+        </p:nvCxnSpPr>
+        <p:spPr>
+          <a:xfrm>
+            <a:off x="2095500" y="2059405"/>
+            <a:ext cx="2771273" cy="2771273"/>
+          </a:xfrm>
+          <a:prstGeom prst="line">
+            <a:avLst/>
+          </a:prstGeom>
+          <a:ln w="76200">
+            <a:solidFill>
+              <a:schemeClr val="accent6">
+                <a:lumMod val="50000"/>
+              </a:schemeClr>
+            </a:solidFill>
+          </a:ln>
+        </p:spPr>
+        <p:style>
+          <a:lnRef idx="1">
+            <a:schemeClr val="accent1"/>
+          </a:lnRef>
+          <a:fillRef idx="0">
+            <a:schemeClr val="accent1"/>
+          </a:fillRef>
+          <a:effectRef idx="0">
+            <a:schemeClr val="accent1"/>
+          </a:effectRef>
+          <a:fontRef idx="minor">
+            <a:schemeClr val="tx1"/>
+          </a:fontRef>
+        </p:style>
+      </p:cxnSp>
+      <p:sp>
+        <p:nvSpPr>
+          <p:cNvPr id="13" name="TextBox 12">
+            <a:extLst>
+              <a:ext uri="{FF2B5EF4-FFF2-40B4-BE49-F238E27FC236}">
+                <a16:creationId xmlns:a16="http://schemas.microsoft.com/office/drawing/2014/main" id="{7CF133E3-6E66-429A-A45E-B79D3B5EAFE1}"/>
+              </a:ext>
+            </a:extLst>
+          </p:cNvPr>
+          <p:cNvSpPr txBox="1"/>
+          <p:nvPr/>
+        </p:nvSpPr>
+        <p:spPr>
+          <a:xfrm>
+            <a:off x="338088" y="6059905"/>
+            <a:ext cx="1056372" cy="369332"/>
+          </a:xfrm>
+          <a:prstGeom prst="rect">
+            <a:avLst/>
+          </a:prstGeom>
+          <a:noFill/>
+        </p:spPr>
+        <p:txBody>
+          <a:bodyPr wrap="square" rtlCol="0">
+            <a:spAutoFit/>
+          </a:bodyPr>
+          <a:lstStyle/>
+          <a:p>
+            <a:r>
+              <a:rPr lang="en-US" dirty="0"/>
+              <a:t>0,0</a:t>
+            </a:r>
+          </a:p>
+        </p:txBody>
+      </p:sp>
+      <p:cxnSp>
+        <p:nvCxnSpPr>
+          <p:cNvPr id="15" name="Straight Connector 14">
+            <a:extLst>
+              <a:ext uri="{FF2B5EF4-FFF2-40B4-BE49-F238E27FC236}">
+                <a16:creationId xmlns:a16="http://schemas.microsoft.com/office/drawing/2014/main" id="{E8FE2B50-01DC-4CB9-9D34-4A8BCE8A47D2}"/>
+              </a:ext>
+            </a:extLst>
+          </p:cNvPr>
+          <p:cNvCxnSpPr>
+            <a:cxnSpLocks/>
+          </p:cNvCxnSpPr>
+          <p:nvPr/>
+        </p:nvCxnSpPr>
+        <p:spPr>
+          <a:xfrm flipH="1">
+            <a:off x="624595" y="4830678"/>
+            <a:ext cx="1361574" cy="0"/>
+          </a:xfrm>
+          <a:prstGeom prst="line">
+            <a:avLst/>
+          </a:prstGeom>
+          <a:ln w="28575">
+            <a:prstDash val="lgDash"/>
+          </a:ln>
+        </p:spPr>
+        <p:style>
+          <a:lnRef idx="1">
+            <a:schemeClr val="dk1"/>
+          </a:lnRef>
+          <a:fillRef idx="0">
+            <a:schemeClr val="dk1"/>
+          </a:fillRef>
+          <a:effectRef idx="0">
+            <a:schemeClr val="dk1"/>
+          </a:effectRef>
+          <a:fontRef idx="minor">
+            <a:schemeClr val="tx1"/>
+          </a:fontRef>
+        </p:style>
+      </p:cxnSp>
+      <p:sp>
+        <p:nvSpPr>
+          <p:cNvPr id="17" name="TextBox 16">
+            <a:extLst>
+              <a:ext uri="{FF2B5EF4-FFF2-40B4-BE49-F238E27FC236}">
+                <a16:creationId xmlns:a16="http://schemas.microsoft.com/office/drawing/2014/main" id="{3825490F-D6D8-4D04-8275-77AA8CE98ED5}"/>
+              </a:ext>
+            </a:extLst>
+          </p:cNvPr>
+          <p:cNvSpPr txBox="1"/>
+          <p:nvPr/>
+        </p:nvSpPr>
+        <p:spPr>
+          <a:xfrm>
+            <a:off x="-224987" y="4646012"/>
+            <a:ext cx="1708483" cy="369332"/>
+          </a:xfrm>
+          <a:prstGeom prst="rect">
+            <a:avLst/>
+          </a:prstGeom>
+          <a:noFill/>
+        </p:spPr>
+        <p:txBody>
+          <a:bodyPr wrap="square" rtlCol="0">
+            <a:spAutoFit/>
+          </a:bodyPr>
+          <a:lstStyle/>
+          <a:p>
+            <a:r>
+              <a:rPr lang="en-US" dirty="0"/>
+              <a:t>r/sqrt(2)</a:t>
+            </a:r>
+          </a:p>
+        </p:txBody>
+      </p:sp>
+      <p:cxnSp>
+        <p:nvCxnSpPr>
+          <p:cNvPr id="19" name="Straight Connector 18">
+            <a:extLst>
+              <a:ext uri="{FF2B5EF4-FFF2-40B4-BE49-F238E27FC236}">
+                <a16:creationId xmlns:a16="http://schemas.microsoft.com/office/drawing/2014/main" id="{7E138962-7035-4771-9F7D-38A521656B23}"/>
+              </a:ext>
+            </a:extLst>
+          </p:cNvPr>
+          <p:cNvCxnSpPr>
+            <a:cxnSpLocks/>
+            <a:endCxn id="4" idx="1"/>
+          </p:cNvCxnSpPr>
+          <p:nvPr/>
+        </p:nvCxnSpPr>
+        <p:spPr>
+          <a:xfrm flipH="1">
+            <a:off x="846394" y="3443036"/>
+            <a:ext cx="2590800" cy="2006"/>
+          </a:xfrm>
+          <a:prstGeom prst="line">
+            <a:avLst/>
+          </a:prstGeom>
+          <a:ln w="28575">
+            <a:prstDash val="lgDash"/>
+          </a:ln>
+        </p:spPr>
+        <p:style>
+          <a:lnRef idx="1">
+            <a:schemeClr val="dk1"/>
+          </a:lnRef>
+          <a:fillRef idx="0">
+            <a:schemeClr val="dk1"/>
+          </a:fillRef>
+          <a:effectRef idx="0">
+            <a:schemeClr val="dk1"/>
+          </a:effectRef>
+          <a:fontRef idx="minor">
+            <a:schemeClr val="tx1"/>
+          </a:fontRef>
+        </p:style>
+      </p:cxnSp>
+      <p:sp>
+        <p:nvSpPr>
+          <p:cNvPr id="21" name="TextBox 20">
+            <a:extLst>
+              <a:ext uri="{FF2B5EF4-FFF2-40B4-BE49-F238E27FC236}">
+                <a16:creationId xmlns:a16="http://schemas.microsoft.com/office/drawing/2014/main" id="{52688E64-0D2E-4D51-9357-9B5083C162FC}"/>
+              </a:ext>
+            </a:extLst>
+          </p:cNvPr>
+          <p:cNvSpPr txBox="1"/>
+          <p:nvPr/>
+        </p:nvSpPr>
+        <p:spPr>
+          <a:xfrm>
+            <a:off x="-224987" y="3244334"/>
+            <a:ext cx="1708483" cy="369332"/>
+          </a:xfrm>
+          <a:prstGeom prst="rect">
+            <a:avLst/>
+          </a:prstGeom>
+          <a:noFill/>
+        </p:spPr>
+        <p:txBody>
+          <a:bodyPr wrap="square" rtlCol="0">
+            <a:spAutoFit/>
+          </a:bodyPr>
+          <a:lstStyle/>
+          <a:p>
+            <a:r>
+              <a:rPr lang="en-US" dirty="0" err="1"/>
+              <a:t>maxX</a:t>
+            </a:r>
+            <a:r>
+              <a:rPr lang="en-US" dirty="0"/>
+              <a:t>/2</a:t>
+            </a:r>
+          </a:p>
+        </p:txBody>
+      </p:sp>
+      <p:cxnSp>
+        <p:nvCxnSpPr>
+          <p:cNvPr id="22" name="Straight Connector 21">
+            <a:extLst>
+              <a:ext uri="{FF2B5EF4-FFF2-40B4-BE49-F238E27FC236}">
+                <a16:creationId xmlns:a16="http://schemas.microsoft.com/office/drawing/2014/main" id="{28468721-B439-4D40-90B5-E2FFDC601FEA}"/>
+              </a:ext>
+            </a:extLst>
+          </p:cNvPr>
+          <p:cNvCxnSpPr>
+            <a:cxnSpLocks/>
+          </p:cNvCxnSpPr>
+          <p:nvPr/>
+        </p:nvCxnSpPr>
+        <p:spPr>
+          <a:xfrm flipH="1">
+            <a:off x="629254" y="2085472"/>
+            <a:ext cx="1466246" cy="0"/>
+          </a:xfrm>
+          <a:prstGeom prst="line">
+            <a:avLst/>
+          </a:prstGeom>
+          <a:ln w="28575">
+            <a:prstDash val="lgDash"/>
+          </a:ln>
+        </p:spPr>
+        <p:style>
+          <a:lnRef idx="1">
+            <a:schemeClr val="dk1"/>
+          </a:lnRef>
+          <a:fillRef idx="0">
+            <a:schemeClr val="dk1"/>
+          </a:fillRef>
+          <a:effectRef idx="0">
+            <a:schemeClr val="dk1"/>
+          </a:effectRef>
+          <a:fontRef idx="minor">
+            <a:schemeClr val="tx1"/>
+          </a:fontRef>
+        </p:style>
+      </p:cxnSp>
+      <p:sp>
+        <p:nvSpPr>
+          <p:cNvPr id="24" name="TextBox 23">
+            <a:extLst>
+              <a:ext uri="{FF2B5EF4-FFF2-40B4-BE49-F238E27FC236}">
+                <a16:creationId xmlns:a16="http://schemas.microsoft.com/office/drawing/2014/main" id="{D992A7CF-2B9E-46F7-B1BF-5F826E31E575}"/>
+              </a:ext>
+            </a:extLst>
+          </p:cNvPr>
+          <p:cNvSpPr txBox="1"/>
+          <p:nvPr/>
+        </p:nvSpPr>
+        <p:spPr>
+          <a:xfrm>
+            <a:off x="6096000" y="421562"/>
+            <a:ext cx="1708483" cy="369332"/>
+          </a:xfrm>
+          <a:prstGeom prst="rect">
+            <a:avLst/>
+          </a:prstGeom>
+          <a:noFill/>
+        </p:spPr>
+        <p:txBody>
+          <a:bodyPr wrap="square" rtlCol="0">
+            <a:spAutoFit/>
+          </a:bodyPr>
+          <a:lstStyle/>
+          <a:p>
+            <a:r>
+              <a:rPr lang="en-US" dirty="0" err="1"/>
+              <a:t>maxX</a:t>
+            </a:r>
+            <a:r>
+              <a:rPr lang="en-US" dirty="0"/>
+              <a:t>, </a:t>
+            </a:r>
+            <a:r>
+              <a:rPr lang="en-US" dirty="0" err="1"/>
+              <a:t>maxY</a:t>
+            </a:r>
+            <a:endParaRPr lang="en-US" dirty="0"/>
+          </a:p>
+        </p:txBody>
+      </p:sp>
+      <p:sp>
+        <p:nvSpPr>
+          <p:cNvPr id="25" name="TextBox 24">
+            <a:extLst>
+              <a:ext uri="{FF2B5EF4-FFF2-40B4-BE49-F238E27FC236}">
+                <a16:creationId xmlns:a16="http://schemas.microsoft.com/office/drawing/2014/main" id="{189BCDA2-4974-4ACF-8707-EBF63F1EDD1E}"/>
+              </a:ext>
+            </a:extLst>
+          </p:cNvPr>
+          <p:cNvSpPr txBox="1"/>
+          <p:nvPr/>
+        </p:nvSpPr>
+        <p:spPr>
+          <a:xfrm>
+            <a:off x="-908383" y="1874739"/>
+            <a:ext cx="1708483" cy="369332"/>
+          </a:xfrm>
+          <a:prstGeom prst="rect">
+            <a:avLst/>
+          </a:prstGeom>
+          <a:noFill/>
+        </p:spPr>
+        <p:txBody>
+          <a:bodyPr wrap="square" rtlCol="0">
+            <a:spAutoFit/>
+          </a:bodyPr>
+          <a:lstStyle/>
+          <a:p>
+            <a:r>
+              <a:rPr lang="en-US" dirty="0" err="1"/>
+              <a:t>maxX</a:t>
+            </a:r>
+            <a:r>
+              <a:rPr lang="en-US" dirty="0"/>
+              <a:t>-r/sqrt(2)</a:t>
+            </a:r>
+          </a:p>
+        </p:txBody>
+      </p:sp>
+      <p:grpSp>
+        <p:nvGrpSpPr>
+          <p:cNvPr id="3" name="Group 2">
+            <a:extLst>
+              <a:ext uri="{FF2B5EF4-FFF2-40B4-BE49-F238E27FC236}">
+                <a16:creationId xmlns:a16="http://schemas.microsoft.com/office/drawing/2014/main" id="{8DF3BB45-8F95-4A79-8913-2BDB6228F55A}"/>
+              </a:ext>
+            </a:extLst>
+          </p:cNvPr>
+          <p:cNvGrpSpPr/>
+          <p:nvPr/>
+        </p:nvGrpSpPr>
+        <p:grpSpPr>
+          <a:xfrm>
+            <a:off x="4975800" y="-195780"/>
+            <a:ext cx="2171701" cy="2171701"/>
+            <a:chOff x="5015560" y="2202541"/>
+            <a:chExt cx="2171701" cy="2171701"/>
+          </a:xfrm>
+        </p:grpSpPr>
+        <p:sp>
+          <p:nvSpPr>
+            <p:cNvPr id="20" name="Oval 19">
+              <a:extLst>
+                <a:ext uri="{FF2B5EF4-FFF2-40B4-BE49-F238E27FC236}">
+                  <a16:creationId xmlns:a16="http://schemas.microsoft.com/office/drawing/2014/main" id="{821314B7-82F3-4FCB-92DA-2BCB662673EB}"/>
+                </a:ext>
+              </a:extLst>
+            </p:cNvPr>
+            <p:cNvSpPr/>
+            <p:nvPr/>
+          </p:nvSpPr>
+          <p:spPr>
+            <a:xfrm>
+              <a:off x="5015560" y="2202541"/>
+              <a:ext cx="2171701" cy="2171701"/>
+            </a:xfrm>
+            <a:prstGeom prst="ellipse">
+              <a:avLst/>
+            </a:prstGeom>
+            <a:noFill/>
+            <a:ln w="57150">
+              <a:solidFill>
+                <a:schemeClr val="accent6"/>
+              </a:solidFill>
+              <a:prstDash val="sysDot"/>
+            </a:ln>
+          </p:spPr>
+          <p:style>
+            <a:lnRef idx="2">
+              <a:schemeClr val="accent1">
+                <a:shade val="50000"/>
+              </a:schemeClr>
+            </a:lnRef>
+            <a:fillRef idx="1">
+              <a:schemeClr val="accent1"/>
+            </a:fillRef>
+            <a:effectRef idx="0">
+              <a:schemeClr val="accent1"/>
+            </a:effectRef>
+            <a:fontRef idx="minor">
+              <a:schemeClr val="lt1"/>
+            </a:fontRef>
+          </p:style>
+          <p:txBody>
+            <a:bodyPr rtlCol="0" anchor="ctr"/>
+            <a:lstStyle/>
+            <a:p>
+              <a:pPr algn="ctr"/>
+              <a:endParaRPr lang="en-US"/>
+            </a:p>
+          </p:txBody>
+        </p:sp>
+        <p:sp>
+          <p:nvSpPr>
+            <p:cNvPr id="23" name="Oval 22">
+              <a:extLst>
+                <a:ext uri="{FF2B5EF4-FFF2-40B4-BE49-F238E27FC236}">
+                  <a16:creationId xmlns:a16="http://schemas.microsoft.com/office/drawing/2014/main" id="{2B528D38-621C-4DE2-9AE2-72AE8759570E}"/>
+                </a:ext>
+              </a:extLst>
+            </p:cNvPr>
+            <p:cNvSpPr/>
+            <p:nvPr/>
+          </p:nvSpPr>
+          <p:spPr>
+            <a:xfrm>
+              <a:off x="5963848" y="3100957"/>
+              <a:ext cx="310817" cy="310817"/>
+            </a:xfrm>
+            <a:prstGeom prst="ellipse">
+              <a:avLst/>
+            </a:prstGeom>
+            <a:solidFill>
+              <a:schemeClr val="accent6"/>
+            </a:solidFill>
+            <a:ln w="57150">
+              <a:noFill/>
+              <a:prstDash val="sysDot"/>
+            </a:ln>
+          </p:spPr>
+          <p:style>
+            <a:lnRef idx="2">
+              <a:schemeClr val="accent1">
+                <a:shade val="50000"/>
+              </a:schemeClr>
+            </a:lnRef>
+            <a:fillRef idx="1">
+              <a:schemeClr val="accent1"/>
+            </a:fillRef>
+            <a:effectRef idx="0">
+              <a:schemeClr val="accent1"/>
+            </a:effectRef>
+            <a:fontRef idx="minor">
+              <a:schemeClr val="lt1"/>
+            </a:fontRef>
+          </p:style>
+          <p:txBody>
+            <a:bodyPr rtlCol="0" anchor="ctr"/>
+            <a:lstStyle/>
+            <a:p>
+              <a:pPr algn="ctr"/>
+              <a:endParaRPr lang="en-US"/>
+            </a:p>
+          </p:txBody>
+        </p:sp>
+      </p:grpSp>
+      <p:sp>
+        <p:nvSpPr>
+          <p:cNvPr id="30" name="Oval 29">
+            <a:extLst>
+              <a:ext uri="{FF2B5EF4-FFF2-40B4-BE49-F238E27FC236}">
+                <a16:creationId xmlns:a16="http://schemas.microsoft.com/office/drawing/2014/main" id="{D603B500-B3F2-472C-B055-F596106B143A}"/>
+              </a:ext>
+            </a:extLst>
+          </p:cNvPr>
+          <p:cNvSpPr/>
+          <p:nvPr/>
+        </p:nvSpPr>
+        <p:spPr>
+          <a:xfrm>
+            <a:off x="5801258" y="672794"/>
+            <a:ext cx="329922" cy="329922"/>
+          </a:xfrm>
+          <a:prstGeom prst="ellipse">
+            <a:avLst/>
+          </a:prstGeom>
+          <a:solidFill>
+            <a:srgbClr val="FF0000"/>
+          </a:solidFill>
+          <a:ln>
+            <a:solidFill>
+              <a:srgbClr val="FF0000"/>
+            </a:solidFill>
+          </a:ln>
+        </p:spPr>
+        <p:style>
+          <a:lnRef idx="2">
+            <a:schemeClr val="accent1">
+              <a:shade val="50000"/>
+            </a:schemeClr>
+          </a:lnRef>
+          <a:fillRef idx="1">
+            <a:schemeClr val="accent1"/>
+          </a:fillRef>
+          <a:effectRef idx="0">
+            <a:schemeClr val="accent1"/>
+          </a:effectRef>
+          <a:fontRef idx="minor">
+            <a:schemeClr val="lt1"/>
+          </a:fontRef>
+        </p:style>
+        <p:txBody>
+          <a:bodyPr rtlCol="0" anchor="ctr"/>
+          <a:lstStyle/>
+          <a:p>
+            <a:pPr algn="ctr"/>
+            <a:endParaRPr lang="en-US"/>
+          </a:p>
+        </p:txBody>
+      </p:sp>
+      <p:sp>
+        <p:nvSpPr>
+          <p:cNvPr id="31" name="TextBox 30">
+            <a:extLst>
+              <a:ext uri="{FF2B5EF4-FFF2-40B4-BE49-F238E27FC236}">
+                <a16:creationId xmlns:a16="http://schemas.microsoft.com/office/drawing/2014/main" id="{E24CBB8C-5222-4D6C-AE04-7813D6528043}"/>
+              </a:ext>
+            </a:extLst>
+          </p:cNvPr>
+          <p:cNvSpPr txBox="1"/>
+          <p:nvPr/>
+        </p:nvSpPr>
+        <p:spPr>
+          <a:xfrm>
+            <a:off x="6250055" y="3771663"/>
+            <a:ext cx="8231257" cy="2308324"/>
+          </a:xfrm>
+          <a:prstGeom prst="rect">
+            <a:avLst/>
+          </a:prstGeom>
+          <a:noFill/>
+        </p:spPr>
+        <p:txBody>
+          <a:bodyPr wrap="square" rtlCol="0">
+            <a:spAutoFit/>
+          </a:bodyPr>
+          <a:lstStyle/>
+          <a:p>
+            <a:r>
+              <a:rPr lang="en-US" dirty="0"/>
+              <a:t>Prey not moving:  distance(</a:t>
+            </a:r>
+            <a:r>
+              <a:rPr lang="en-US" dirty="0" err="1"/>
+              <a:t>p,t</a:t>
+            </a:r>
+            <a:r>
+              <a:rPr lang="en-US" dirty="0"/>
+              <a:t>)/</a:t>
+            </a:r>
+            <a:r>
+              <a:rPr lang="en-US" dirty="0" err="1"/>
+              <a:t>maxVp</a:t>
+            </a:r>
+            <a:r>
+              <a:rPr lang="en-US" dirty="0"/>
+              <a:t> &gt;= (distance(</a:t>
+            </a:r>
+            <a:r>
+              <a:rPr lang="en-US" dirty="0" err="1"/>
+              <a:t>r,t</a:t>
+            </a:r>
+            <a:r>
+              <a:rPr lang="en-US" dirty="0"/>
+              <a:t>)-</a:t>
+            </a:r>
+            <a:r>
+              <a:rPr lang="en-US" dirty="0" err="1"/>
+              <a:t>capr</a:t>
+            </a:r>
+            <a:r>
+              <a:rPr lang="en-US" dirty="0"/>
+              <a:t>)/</a:t>
+            </a:r>
+            <a:r>
+              <a:rPr lang="en-US" dirty="0" err="1"/>
+              <a:t>maxVr</a:t>
+            </a:r>
+            <a:endParaRPr lang="en-US" dirty="0"/>
+          </a:p>
+          <a:p>
+            <a:r>
+              <a:rPr lang="en-US" dirty="0"/>
+              <a:t>Prey moving: distance(p,(t=p))/(</a:t>
+            </a:r>
+            <a:r>
+              <a:rPr lang="en-US" dirty="0" err="1"/>
+              <a:t>maxVp-maxVt</a:t>
+            </a:r>
+            <a:r>
+              <a:rPr lang="en-US" dirty="0"/>
+              <a:t>) &gt;= (distance(</a:t>
+            </a:r>
+            <a:r>
+              <a:rPr lang="en-US" dirty="0" err="1"/>
+              <a:t>r,proj</a:t>
+            </a:r>
+            <a:r>
+              <a:rPr lang="en-US" dirty="0"/>
+              <a:t>(t=p)))/</a:t>
+            </a:r>
+            <a:r>
+              <a:rPr lang="en-US" dirty="0" err="1"/>
+              <a:t>maxVr</a:t>
+            </a:r>
+            <a:endParaRPr lang="en-US" dirty="0"/>
+          </a:p>
+          <a:p>
+            <a:endParaRPr lang="en-US" dirty="0"/>
+          </a:p>
+          <a:p>
+            <a:r>
+              <a:rPr lang="en-US" dirty="0"/>
+              <a:t>( xR1  −  xT1 ) ^ 2  +  ( yR1  −  yT1 ) ^ 2  ≤ </a:t>
+            </a:r>
+            <a:br>
+              <a:rPr lang="en-US" dirty="0"/>
+            </a:br>
+            <a:r>
+              <a:rPr lang="en-US" dirty="0"/>
+              <a:t>  ( </a:t>
+            </a:r>
+            <a:r>
+              <a:rPr lang="en-US" dirty="0" err="1"/>
+              <a:t>capr</a:t>
+            </a:r>
+            <a:r>
+              <a:rPr lang="en-US" dirty="0"/>
+              <a:t>  +  </a:t>
+            </a:r>
+            <a:r>
+              <a:rPr lang="en-US" dirty="0" err="1"/>
+              <a:t>distancesq</a:t>
+            </a:r>
+            <a:r>
+              <a:rPr lang="en-US" dirty="0"/>
+              <a:t>(xP1,xT1,yP1,yT1) ^ ( 1  /  2 )  /  </a:t>
+            </a:r>
+            <a:r>
+              <a:rPr lang="en-US" dirty="0" err="1"/>
+              <a:t>maxVp</a:t>
+            </a:r>
+            <a:r>
+              <a:rPr lang="en-US" dirty="0"/>
+              <a:t>  *  </a:t>
+            </a:r>
+            <a:r>
+              <a:rPr lang="en-US" dirty="0" err="1"/>
+              <a:t>maxVr</a:t>
+            </a:r>
+            <a:r>
+              <a:rPr lang="en-US" dirty="0"/>
+              <a:t> ) ^ 2</a:t>
+            </a:r>
+          </a:p>
+          <a:p>
+            <a:endParaRPr lang="en-US" dirty="0"/>
+          </a:p>
+          <a:p>
+            <a:r>
+              <a:rPr lang="en-US" dirty="0"/>
+              <a:t>(xR1-xT1)^2 + (yR1-yT1)^2 &lt;= (</a:t>
+            </a:r>
+            <a:r>
+              <a:rPr lang="en-US" dirty="0" err="1"/>
+              <a:t>capr</a:t>
+            </a:r>
+            <a:r>
+              <a:rPr lang="en-US" dirty="0"/>
+              <a:t>+(</a:t>
+            </a:r>
+            <a:r>
+              <a:rPr lang="en-US" dirty="0" err="1"/>
+              <a:t>distancesq</a:t>
+            </a:r>
+            <a:r>
+              <a:rPr lang="en-US" dirty="0"/>
+              <a:t>(xP1,xT1,yP1,yT1))^(1/2)/</a:t>
+            </a:r>
+            <a:r>
+              <a:rPr lang="en-US" dirty="0" err="1"/>
+              <a:t>maxVp</a:t>
+            </a:r>
+            <a:r>
+              <a:rPr lang="en-US" dirty="0"/>
+              <a:t>*</a:t>
+            </a:r>
+            <a:r>
+              <a:rPr lang="en-US" dirty="0" err="1"/>
+              <a:t>maxVr</a:t>
+            </a:r>
+            <a:r>
+              <a:rPr lang="en-US" dirty="0"/>
+              <a:t>)^2</a:t>
+            </a:r>
+          </a:p>
+        </p:txBody>
+      </p:sp>
+      <p:grpSp>
+        <p:nvGrpSpPr>
+          <p:cNvPr id="9" name="Group 8">
+            <a:extLst>
+              <a:ext uri="{FF2B5EF4-FFF2-40B4-BE49-F238E27FC236}">
+                <a16:creationId xmlns:a16="http://schemas.microsoft.com/office/drawing/2014/main" id="{84B44B48-615D-45C2-A303-B59AAA0B5FBC}"/>
+              </a:ext>
+            </a:extLst>
+          </p:cNvPr>
+          <p:cNvGrpSpPr/>
+          <p:nvPr/>
+        </p:nvGrpSpPr>
+        <p:grpSpPr>
+          <a:xfrm>
+            <a:off x="3546525" y="290622"/>
+            <a:ext cx="3356811" cy="3356811"/>
+            <a:chOff x="2886318" y="790894"/>
+            <a:chExt cx="3356811" cy="3356811"/>
+          </a:xfrm>
+        </p:grpSpPr>
+        <p:sp>
+          <p:nvSpPr>
+            <p:cNvPr id="26" name="Oval 25">
+              <a:extLst>
+                <a:ext uri="{FF2B5EF4-FFF2-40B4-BE49-F238E27FC236}">
+                  <a16:creationId xmlns:a16="http://schemas.microsoft.com/office/drawing/2014/main" id="{EB440425-0D59-464A-A160-0E0DF06E7402}"/>
+                </a:ext>
+              </a:extLst>
+            </p:cNvPr>
+            <p:cNvSpPr/>
+            <p:nvPr/>
+          </p:nvSpPr>
+          <p:spPr>
+            <a:xfrm>
+              <a:off x="2886318" y="790894"/>
+              <a:ext cx="3356811" cy="3356811"/>
+            </a:xfrm>
+            <a:prstGeom prst="ellipse">
+              <a:avLst/>
+            </a:prstGeom>
+            <a:noFill/>
+            <a:ln w="57150">
+              <a:solidFill>
+                <a:schemeClr val="accent6">
+                  <a:lumMod val="50000"/>
+                </a:schemeClr>
+              </a:solidFill>
+              <a:prstDash val="sysDot"/>
+            </a:ln>
+          </p:spPr>
+          <p:style>
+            <a:lnRef idx="2">
+              <a:schemeClr val="accent1">
+                <a:shade val="50000"/>
+              </a:schemeClr>
+            </a:lnRef>
+            <a:fillRef idx="1">
+              <a:schemeClr val="accent1"/>
+            </a:fillRef>
+            <a:effectRef idx="0">
+              <a:schemeClr val="accent1"/>
+            </a:effectRef>
+            <a:fontRef idx="minor">
+              <a:schemeClr val="lt1"/>
+            </a:fontRef>
+          </p:style>
+          <p:txBody>
+            <a:bodyPr rtlCol="0" anchor="ctr"/>
+            <a:lstStyle/>
+            <a:p>
+              <a:pPr algn="ctr"/>
+              <a:endParaRPr lang="en-US"/>
+            </a:p>
+          </p:txBody>
+        </p:sp>
+        <p:sp>
+          <p:nvSpPr>
+            <p:cNvPr id="6" name="Oval 5">
+              <a:extLst>
+                <a:ext uri="{FF2B5EF4-FFF2-40B4-BE49-F238E27FC236}">
+                  <a16:creationId xmlns:a16="http://schemas.microsoft.com/office/drawing/2014/main" id="{5099DBA4-FF35-4E69-90D6-61B698602A83}"/>
+                </a:ext>
+              </a:extLst>
+            </p:cNvPr>
+            <p:cNvSpPr/>
+            <p:nvPr/>
+          </p:nvSpPr>
+          <p:spPr>
+            <a:xfrm>
+              <a:off x="4364846" y="2111539"/>
+              <a:ext cx="527585" cy="488763"/>
+            </a:xfrm>
+            <a:prstGeom prst="ellipse">
+              <a:avLst/>
+            </a:prstGeom>
+          </p:spPr>
+          <p:style>
+            <a:lnRef idx="2">
+              <a:schemeClr val="accent1">
+                <a:shade val="50000"/>
+              </a:schemeClr>
+            </a:lnRef>
+            <a:fillRef idx="1">
+              <a:schemeClr val="accent1"/>
+            </a:fillRef>
+            <a:effectRef idx="0">
+              <a:schemeClr val="accent1"/>
+            </a:effectRef>
+            <a:fontRef idx="minor">
+              <a:schemeClr val="lt1"/>
+            </a:fontRef>
+          </p:style>
+          <p:txBody>
+            <a:bodyPr rtlCol="0" anchor="ctr"/>
+            <a:lstStyle/>
+            <a:p>
+              <a:pPr algn="ctr"/>
+              <a:endParaRPr lang="en-US"/>
+            </a:p>
+          </p:txBody>
+        </p:sp>
+      </p:grpSp>
+    </p:spTree>
+    <p:extLst>
+      <p:ext uri="{BB962C8B-B14F-4D97-AF65-F5344CB8AC3E}">
+        <p14:creationId xmlns:p14="http://schemas.microsoft.com/office/powerpoint/2010/main" val="1380146749"/>
+      </p:ext>
+    </p:extLst>
+  </p:cSld>
+  <p:clrMapOvr>
+    <a:masterClrMapping/>
+  </p:clrMapOvr>
+</p:sld>
+</file>
+
+<file path=ppt/slides/slide3.xml><?xml version="1.0" encoding="utf-8"?>
+<p:sld xmlns:a="http://schemas.openxmlformats.org/drawingml/2006/main" xmlns:r="http://schemas.openxmlformats.org/officeDocument/2006/relationships" xmlns:p="http://schemas.openxmlformats.org/presentationml/2006/main">
+  <p:cSld>
+    <p:spTree>
+      <p:nvGrpSpPr>
+        <p:cNvPr id="1" name=""/>
+        <p:cNvGrpSpPr/>
+        <p:nvPr/>
+      </p:nvGrpSpPr>
+      <p:grpSpPr>
+        <a:xfrm>
+          <a:off x="0" y="0"/>
+          <a:ext cx="0" cy="0"/>
+          <a:chOff x="0" y="0"/>
+          <a:chExt cx="0" cy="0"/>
+        </a:xfrm>
+      </p:grpSpPr>
+      <p:sp>
+        <p:nvSpPr>
+          <p:cNvPr id="4" name="Rectangle 3">
+            <a:extLst>
+              <a:ext uri="{FF2B5EF4-FFF2-40B4-BE49-F238E27FC236}">
+                <a16:creationId xmlns:a16="http://schemas.microsoft.com/office/drawing/2014/main" id="{39EE2A28-404B-4142-B3F9-2DA0FD9F6764}"/>
+              </a:ext>
+            </a:extLst>
+          </p:cNvPr>
+          <p:cNvSpPr/>
+          <p:nvPr/>
+        </p:nvSpPr>
+        <p:spPr>
+          <a:xfrm>
+            <a:off x="844112" y="830179"/>
+            <a:ext cx="5229726" cy="5229726"/>
+          </a:xfrm>
+          <a:prstGeom prst="rect">
+            <a:avLst/>
+          </a:prstGeom>
+          <a:solidFill>
+            <a:schemeClr val="accent1">
+              <a:lumMod val="20000"/>
+              <a:lumOff val="80000"/>
+            </a:schemeClr>
+          </a:solidFill>
+          <a:ln w="38100"/>
+        </p:spPr>
+        <p:style>
+          <a:lnRef idx="2">
+            <a:schemeClr val="accent1">
+              <a:shade val="50000"/>
+            </a:schemeClr>
+          </a:lnRef>
+          <a:fillRef idx="1">
+            <a:schemeClr val="accent1"/>
+          </a:fillRef>
+          <a:effectRef idx="0">
+            <a:schemeClr val="accent1"/>
+          </a:effectRef>
+          <a:fontRef idx="minor">
+            <a:schemeClr val="lt1"/>
+          </a:fontRef>
+        </p:style>
+        <p:txBody>
+          <a:bodyPr rtlCol="0" anchor="ctr"/>
+          <a:lstStyle/>
+          <a:p>
+            <a:pPr algn="ctr"/>
+            <a:endParaRPr lang="en-US"/>
+          </a:p>
+        </p:txBody>
+      </p:sp>
+      <p:sp>
+        <p:nvSpPr>
+          <p:cNvPr id="5" name="Rectangle 4">
+            <a:extLst>
+              <a:ext uri="{FF2B5EF4-FFF2-40B4-BE49-F238E27FC236}">
+                <a16:creationId xmlns:a16="http://schemas.microsoft.com/office/drawing/2014/main" id="{64F5CA3A-C0E5-4CC5-8EFE-C335C72A005D}"/>
+              </a:ext>
+            </a:extLst>
+          </p:cNvPr>
+          <p:cNvSpPr/>
+          <p:nvPr/>
+        </p:nvSpPr>
+        <p:spPr>
+          <a:xfrm>
+            <a:off x="2095500" y="2059405"/>
+            <a:ext cx="2771273" cy="2771273"/>
+          </a:xfrm>
+          <a:prstGeom prst="rect">
+            <a:avLst/>
+          </a:prstGeom>
+          <a:solidFill>
+            <a:schemeClr val="accent6">
+              <a:lumMod val="20000"/>
+              <a:lumOff val="80000"/>
+            </a:schemeClr>
+          </a:solidFill>
+          <a:ln w="38100">
+            <a:solidFill>
+              <a:schemeClr val="accent6">
+                <a:lumMod val="50000"/>
+              </a:schemeClr>
+            </a:solidFill>
+          </a:ln>
+        </p:spPr>
+        <p:style>
+          <a:lnRef idx="2">
+            <a:schemeClr val="accent1">
+              <a:shade val="50000"/>
+            </a:schemeClr>
+          </a:lnRef>
+          <a:fillRef idx="1">
+            <a:schemeClr val="accent1"/>
+          </a:fillRef>
+          <a:effectRef idx="0">
+            <a:schemeClr val="accent1"/>
+          </a:effectRef>
+          <a:fontRef idx="minor">
+            <a:schemeClr val="lt1"/>
+          </a:fontRef>
+        </p:style>
+        <p:txBody>
+          <a:bodyPr rtlCol="0" anchor="ctr"/>
+          <a:lstStyle/>
+          <a:p>
+            <a:pPr algn="ctr"/>
+            <a:endParaRPr lang="en-US"/>
+          </a:p>
+        </p:txBody>
+      </p:sp>
+      <p:cxnSp>
+        <p:nvCxnSpPr>
+          <p:cNvPr id="7" name="Straight Connector 6">
+            <a:extLst>
+              <a:ext uri="{FF2B5EF4-FFF2-40B4-BE49-F238E27FC236}">
+                <a16:creationId xmlns:a16="http://schemas.microsoft.com/office/drawing/2014/main" id="{26171733-5BA8-4D84-8B2B-8D0B50E54DE7}"/>
+              </a:ext>
+            </a:extLst>
+          </p:cNvPr>
+          <p:cNvCxnSpPr/>
+          <p:nvPr/>
+        </p:nvCxnSpPr>
+        <p:spPr>
+          <a:xfrm flipV="1">
+            <a:off x="866274" y="830179"/>
+            <a:ext cx="5229726" cy="5229726"/>
+          </a:xfrm>
+          <a:prstGeom prst="line">
+            <a:avLst/>
+          </a:prstGeom>
+          <a:ln w="76200">
+            <a:solidFill>
+              <a:srgbClr val="FF0000"/>
+            </a:solidFill>
+          </a:ln>
+        </p:spPr>
+        <p:style>
+          <a:lnRef idx="1">
+            <a:schemeClr val="accent1"/>
+          </a:lnRef>
+          <a:fillRef idx="0">
+            <a:schemeClr val="accent1"/>
+          </a:fillRef>
+          <a:effectRef idx="0">
+            <a:schemeClr val="accent1"/>
+          </a:effectRef>
+          <a:fontRef idx="minor">
+            <a:schemeClr val="tx1"/>
+          </a:fontRef>
+        </p:style>
+      </p:cxnSp>
+      <p:sp>
+        <p:nvSpPr>
+          <p:cNvPr id="8" name="TextBox 7">
+            <a:extLst>
+              <a:ext uri="{FF2B5EF4-FFF2-40B4-BE49-F238E27FC236}">
+                <a16:creationId xmlns:a16="http://schemas.microsoft.com/office/drawing/2014/main" id="{CC0A3B4A-5D91-4CD4-95E3-7F3EA668A367}"/>
+              </a:ext>
+            </a:extLst>
+          </p:cNvPr>
+          <p:cNvSpPr txBox="1"/>
+          <p:nvPr/>
+        </p:nvSpPr>
+        <p:spPr>
+          <a:xfrm>
+            <a:off x="7824361" y="-1530328"/>
+            <a:ext cx="6966362" cy="3416320"/>
+          </a:xfrm>
+          <a:prstGeom prst="rect">
+            <a:avLst/>
+          </a:prstGeom>
+          <a:noFill/>
+        </p:spPr>
+        <p:txBody>
+          <a:bodyPr wrap="square" rtlCol="0">
+            <a:spAutoFit/>
+          </a:bodyPr>
+          <a:lstStyle/>
+          <a:p>
+            <a:r>
+              <a:rPr lang="en-US" dirty="0" err="1"/>
+              <a:t>Adversarially</a:t>
+            </a:r>
+            <a:r>
+              <a:rPr lang="en-US" dirty="0"/>
+              <a:t>, target can move to opposite corner</a:t>
+            </a:r>
+          </a:p>
+          <a:p>
+            <a:endParaRPr lang="en-US" dirty="0"/>
+          </a:p>
+          <a:p>
+            <a:r>
+              <a:rPr lang="en-US" dirty="0"/>
+              <a:t>Want green/red &lt;= </a:t>
+            </a:r>
+            <a:r>
+              <a:rPr lang="en-US" dirty="0" err="1"/>
+              <a:t>rangerMaxV</a:t>
+            </a:r>
+            <a:r>
+              <a:rPr lang="en-US" dirty="0"/>
+              <a:t>/</a:t>
+            </a:r>
+            <a:r>
+              <a:rPr lang="en-US" dirty="0" err="1"/>
+              <a:t>targetMaxV</a:t>
+            </a:r>
+            <a:endParaRPr lang="en-US" dirty="0"/>
+          </a:p>
+          <a:p>
+            <a:r>
+              <a:rPr lang="en-US" dirty="0"/>
+              <a:t>Green/</a:t>
+            </a:r>
+            <a:r>
+              <a:rPr lang="en-US" dirty="0" err="1"/>
+              <a:t>rangerMaxV</a:t>
+            </a:r>
+            <a:r>
+              <a:rPr lang="en-US" dirty="0"/>
+              <a:t> &lt;= red/</a:t>
+            </a:r>
+            <a:r>
+              <a:rPr lang="en-US" dirty="0" err="1"/>
+              <a:t>targetMaxV</a:t>
+            </a:r>
+            <a:endParaRPr lang="en-US" dirty="0"/>
+          </a:p>
+          <a:p>
+            <a:r>
+              <a:rPr lang="en-US" dirty="0"/>
+              <a:t>Time for ranger to travel &lt;= time for target to travel</a:t>
+            </a:r>
+          </a:p>
+          <a:p>
+            <a:endParaRPr lang="en-US" dirty="0"/>
+          </a:p>
+          <a:p>
+            <a:endParaRPr lang="en-US" dirty="0"/>
+          </a:p>
+          <a:p>
+            <a:r>
+              <a:rPr lang="en-US" dirty="0" err="1"/>
+              <a:t>preyr</a:t>
+            </a:r>
+            <a:r>
+              <a:rPr lang="en-US" dirty="0"/>
+              <a:t>(</a:t>
+            </a:r>
+            <a:r>
+              <a:rPr lang="en-US" dirty="0" err="1"/>
+              <a:t>maxVr</a:t>
+            </a:r>
+            <a:r>
+              <a:rPr lang="en-US" dirty="0"/>
+              <a:t>/</a:t>
+            </a:r>
+            <a:r>
+              <a:rPr lang="en-US" dirty="0" err="1"/>
+              <a:t>maxVp</a:t>
+            </a:r>
+            <a:r>
+              <a:rPr lang="en-US" dirty="0"/>
+              <a:t>) = (</a:t>
+            </a:r>
+            <a:r>
+              <a:rPr lang="en-US" dirty="0" err="1"/>
+              <a:t>preyr</a:t>
+            </a:r>
+            <a:r>
+              <a:rPr lang="en-US" dirty="0"/>
+              <a:t>/</a:t>
+            </a:r>
+            <a:r>
+              <a:rPr lang="en-US" dirty="0" err="1"/>
+              <a:t>maxVp</a:t>
+            </a:r>
+            <a:r>
+              <a:rPr lang="en-US" dirty="0"/>
+              <a:t>)*</a:t>
+            </a:r>
+            <a:r>
+              <a:rPr lang="en-US" dirty="0" err="1"/>
+              <a:t>maxVr</a:t>
+            </a:r>
+            <a:endParaRPr lang="en-US" dirty="0"/>
+          </a:p>
+          <a:p>
+            <a:r>
+              <a:rPr lang="en-US" dirty="0"/>
+              <a:t>      = (time for poacher to get to prey) * </a:t>
+            </a:r>
+            <a:r>
+              <a:rPr lang="en-US" dirty="0" err="1"/>
+              <a:t>maxVr</a:t>
+            </a:r>
+            <a:endParaRPr lang="en-US" dirty="0"/>
+          </a:p>
+          <a:p>
+            <a:r>
+              <a:rPr lang="en-US" dirty="0"/>
+              <a:t>      = distance ranger can travel in time it takes for poacher to reach prey</a:t>
+            </a:r>
+          </a:p>
+          <a:p>
+            <a:r>
+              <a:rPr lang="en-US" dirty="0"/>
+              <a:t>(Green – </a:t>
+            </a:r>
+            <a:r>
+              <a:rPr lang="en-US" dirty="0" err="1"/>
+              <a:t>preyr</a:t>
+            </a:r>
+            <a:r>
+              <a:rPr lang="en-US" dirty="0"/>
+              <a:t>(</a:t>
+            </a:r>
+            <a:r>
+              <a:rPr lang="en-US" dirty="0" err="1"/>
+              <a:t>maxVr</a:t>
+            </a:r>
+            <a:r>
+              <a:rPr lang="en-US" dirty="0"/>
+              <a:t>/</a:t>
+            </a:r>
+            <a:r>
+              <a:rPr lang="en-US" dirty="0" err="1"/>
+              <a:t>maxVp</a:t>
+            </a:r>
+            <a:r>
+              <a:rPr lang="en-US" dirty="0"/>
+              <a:t>))/</a:t>
+            </a:r>
+            <a:r>
+              <a:rPr lang="en-US" dirty="0" err="1"/>
+              <a:t>rangerMaxV</a:t>
+            </a:r>
+            <a:r>
+              <a:rPr lang="en-US" dirty="0"/>
+              <a:t> &lt;= red/</a:t>
+            </a:r>
+            <a:r>
+              <a:rPr lang="en-US" dirty="0" err="1"/>
+              <a:t>targetMaxV</a:t>
+            </a:r>
+            <a:endParaRPr lang="en-US" dirty="0"/>
+          </a:p>
+          <a:p>
+            <a:endParaRPr lang="en-US" dirty="0"/>
+          </a:p>
+        </p:txBody>
+      </p:sp>
+      <p:cxnSp>
+        <p:nvCxnSpPr>
+          <p:cNvPr id="10" name="Straight Connector 9">
+            <a:extLst>
+              <a:ext uri="{FF2B5EF4-FFF2-40B4-BE49-F238E27FC236}">
+                <a16:creationId xmlns:a16="http://schemas.microsoft.com/office/drawing/2014/main" id="{8986D81B-5368-4625-9B70-978CA656AB98}"/>
+              </a:ext>
+            </a:extLst>
+          </p:cNvPr>
+          <p:cNvCxnSpPr>
+            <a:cxnSpLocks/>
+          </p:cNvCxnSpPr>
+          <p:nvPr/>
+        </p:nvCxnSpPr>
+        <p:spPr>
+          <a:xfrm>
+            <a:off x="2095500" y="2059405"/>
+            <a:ext cx="2771273" cy="2771273"/>
+          </a:xfrm>
+          <a:prstGeom prst="line">
+            <a:avLst/>
+          </a:prstGeom>
+          <a:ln w="76200">
+            <a:solidFill>
+              <a:schemeClr val="accent6">
+                <a:lumMod val="50000"/>
+              </a:schemeClr>
+            </a:solidFill>
+          </a:ln>
+        </p:spPr>
+        <p:style>
+          <a:lnRef idx="1">
+            <a:schemeClr val="accent1"/>
+          </a:lnRef>
+          <a:fillRef idx="0">
+            <a:schemeClr val="accent1"/>
+          </a:fillRef>
+          <a:effectRef idx="0">
+            <a:schemeClr val="accent1"/>
+          </a:effectRef>
+          <a:fontRef idx="minor">
+            <a:schemeClr val="tx1"/>
+          </a:fontRef>
+        </p:style>
+      </p:cxnSp>
+      <p:sp>
+        <p:nvSpPr>
+          <p:cNvPr id="13" name="TextBox 12">
+            <a:extLst>
+              <a:ext uri="{FF2B5EF4-FFF2-40B4-BE49-F238E27FC236}">
+                <a16:creationId xmlns:a16="http://schemas.microsoft.com/office/drawing/2014/main" id="{7CF133E3-6E66-429A-A45E-B79D3B5EAFE1}"/>
+              </a:ext>
+            </a:extLst>
+          </p:cNvPr>
+          <p:cNvSpPr txBox="1"/>
+          <p:nvPr/>
+        </p:nvSpPr>
+        <p:spPr>
+          <a:xfrm>
+            <a:off x="338088" y="6059905"/>
+            <a:ext cx="1056372" cy="369332"/>
+          </a:xfrm>
+          <a:prstGeom prst="rect">
+            <a:avLst/>
+          </a:prstGeom>
+          <a:noFill/>
+        </p:spPr>
+        <p:txBody>
+          <a:bodyPr wrap="square" rtlCol="0">
+            <a:spAutoFit/>
+          </a:bodyPr>
+          <a:lstStyle/>
+          <a:p>
+            <a:r>
+              <a:rPr lang="en-US" dirty="0"/>
+              <a:t>0,0</a:t>
+            </a:r>
+          </a:p>
+        </p:txBody>
+      </p:sp>
+      <p:cxnSp>
+        <p:nvCxnSpPr>
+          <p:cNvPr id="15" name="Straight Connector 14">
+            <a:extLst>
+              <a:ext uri="{FF2B5EF4-FFF2-40B4-BE49-F238E27FC236}">
+                <a16:creationId xmlns:a16="http://schemas.microsoft.com/office/drawing/2014/main" id="{E8FE2B50-01DC-4CB9-9D34-4A8BCE8A47D2}"/>
+              </a:ext>
+            </a:extLst>
+          </p:cNvPr>
+          <p:cNvCxnSpPr>
+            <a:cxnSpLocks/>
+          </p:cNvCxnSpPr>
+          <p:nvPr/>
+        </p:nvCxnSpPr>
+        <p:spPr>
+          <a:xfrm flipH="1">
+            <a:off x="624595" y="4830678"/>
+            <a:ext cx="1361574" cy="0"/>
+          </a:xfrm>
+          <a:prstGeom prst="line">
+            <a:avLst/>
+          </a:prstGeom>
+          <a:ln w="28575">
+            <a:prstDash val="lgDash"/>
+          </a:ln>
+        </p:spPr>
+        <p:style>
+          <a:lnRef idx="1">
+            <a:schemeClr val="dk1"/>
+          </a:lnRef>
+          <a:fillRef idx="0">
+            <a:schemeClr val="dk1"/>
+          </a:fillRef>
+          <a:effectRef idx="0">
+            <a:schemeClr val="dk1"/>
+          </a:effectRef>
+          <a:fontRef idx="minor">
+            <a:schemeClr val="tx1"/>
+          </a:fontRef>
+        </p:style>
+      </p:cxnSp>
+      <p:sp>
+        <p:nvSpPr>
+          <p:cNvPr id="17" name="TextBox 16">
+            <a:extLst>
+              <a:ext uri="{FF2B5EF4-FFF2-40B4-BE49-F238E27FC236}">
+                <a16:creationId xmlns:a16="http://schemas.microsoft.com/office/drawing/2014/main" id="{3825490F-D6D8-4D04-8275-77AA8CE98ED5}"/>
+              </a:ext>
+            </a:extLst>
+          </p:cNvPr>
+          <p:cNvSpPr txBox="1"/>
+          <p:nvPr/>
+        </p:nvSpPr>
+        <p:spPr>
+          <a:xfrm>
+            <a:off x="-224987" y="4646012"/>
+            <a:ext cx="1708483" cy="369332"/>
+          </a:xfrm>
+          <a:prstGeom prst="rect">
+            <a:avLst/>
+          </a:prstGeom>
+          <a:noFill/>
+        </p:spPr>
+        <p:txBody>
+          <a:bodyPr wrap="square" rtlCol="0">
+            <a:spAutoFit/>
+          </a:bodyPr>
+          <a:lstStyle/>
+          <a:p>
+            <a:r>
+              <a:rPr lang="en-US" dirty="0"/>
+              <a:t>r/sqrt(2)</a:t>
+            </a:r>
+          </a:p>
+        </p:txBody>
+      </p:sp>
+      <p:cxnSp>
+        <p:nvCxnSpPr>
+          <p:cNvPr id="19" name="Straight Connector 18">
+            <a:extLst>
+              <a:ext uri="{FF2B5EF4-FFF2-40B4-BE49-F238E27FC236}">
+                <a16:creationId xmlns:a16="http://schemas.microsoft.com/office/drawing/2014/main" id="{7E138962-7035-4771-9F7D-38A521656B23}"/>
+              </a:ext>
+            </a:extLst>
+          </p:cNvPr>
+          <p:cNvCxnSpPr>
+            <a:cxnSpLocks/>
+            <a:endCxn id="4" idx="1"/>
+          </p:cNvCxnSpPr>
+          <p:nvPr/>
+        </p:nvCxnSpPr>
+        <p:spPr>
+          <a:xfrm flipH="1">
+            <a:off x="844112" y="3443036"/>
+            <a:ext cx="2590800" cy="2006"/>
+          </a:xfrm>
+          <a:prstGeom prst="line">
+            <a:avLst/>
+          </a:prstGeom>
+          <a:ln w="28575">
+            <a:prstDash val="lgDash"/>
+          </a:ln>
+        </p:spPr>
+        <p:style>
+          <a:lnRef idx="1">
+            <a:schemeClr val="dk1"/>
+          </a:lnRef>
+          <a:fillRef idx="0">
+            <a:schemeClr val="dk1"/>
+          </a:fillRef>
+          <a:effectRef idx="0">
+            <a:schemeClr val="dk1"/>
+          </a:effectRef>
+          <a:fontRef idx="minor">
+            <a:schemeClr val="tx1"/>
+          </a:fontRef>
+        </p:style>
+      </p:cxnSp>
+      <p:sp>
+        <p:nvSpPr>
+          <p:cNvPr id="21" name="TextBox 20">
+            <a:extLst>
+              <a:ext uri="{FF2B5EF4-FFF2-40B4-BE49-F238E27FC236}">
+                <a16:creationId xmlns:a16="http://schemas.microsoft.com/office/drawing/2014/main" id="{52688E64-0D2E-4D51-9357-9B5083C162FC}"/>
+              </a:ext>
+            </a:extLst>
+          </p:cNvPr>
+          <p:cNvSpPr txBox="1"/>
+          <p:nvPr/>
+        </p:nvSpPr>
+        <p:spPr>
+          <a:xfrm>
+            <a:off x="-224987" y="3244334"/>
+            <a:ext cx="1708483" cy="369332"/>
+          </a:xfrm>
+          <a:prstGeom prst="rect">
+            <a:avLst/>
+          </a:prstGeom>
+          <a:noFill/>
+        </p:spPr>
+        <p:txBody>
+          <a:bodyPr wrap="square" rtlCol="0">
+            <a:spAutoFit/>
+          </a:bodyPr>
+          <a:lstStyle/>
+          <a:p>
+            <a:r>
+              <a:rPr lang="en-US" dirty="0" err="1"/>
+              <a:t>maxX</a:t>
+            </a:r>
+            <a:r>
+              <a:rPr lang="en-US" dirty="0"/>
+              <a:t>/2</a:t>
+            </a:r>
+          </a:p>
+        </p:txBody>
+      </p:sp>
+      <p:cxnSp>
+        <p:nvCxnSpPr>
+          <p:cNvPr id="22" name="Straight Connector 21">
+            <a:extLst>
+              <a:ext uri="{FF2B5EF4-FFF2-40B4-BE49-F238E27FC236}">
+                <a16:creationId xmlns:a16="http://schemas.microsoft.com/office/drawing/2014/main" id="{28468721-B439-4D40-90B5-E2FFDC601FEA}"/>
+              </a:ext>
+            </a:extLst>
+          </p:cNvPr>
+          <p:cNvCxnSpPr>
+            <a:cxnSpLocks/>
+          </p:cNvCxnSpPr>
+          <p:nvPr/>
+        </p:nvCxnSpPr>
+        <p:spPr>
+          <a:xfrm flipH="1">
+            <a:off x="629254" y="2085472"/>
+            <a:ext cx="1466246" cy="0"/>
+          </a:xfrm>
+          <a:prstGeom prst="line">
+            <a:avLst/>
+          </a:prstGeom>
+          <a:ln w="28575">
+            <a:prstDash val="lgDash"/>
+          </a:ln>
+        </p:spPr>
+        <p:style>
+          <a:lnRef idx="1">
+            <a:schemeClr val="dk1"/>
+          </a:lnRef>
+          <a:fillRef idx="0">
+            <a:schemeClr val="dk1"/>
+          </a:fillRef>
+          <a:effectRef idx="0">
+            <a:schemeClr val="dk1"/>
+          </a:effectRef>
+          <a:fontRef idx="minor">
+            <a:schemeClr val="tx1"/>
+          </a:fontRef>
+        </p:style>
+      </p:cxnSp>
+      <p:sp>
+        <p:nvSpPr>
+          <p:cNvPr id="24" name="TextBox 23">
+            <a:extLst>
+              <a:ext uri="{FF2B5EF4-FFF2-40B4-BE49-F238E27FC236}">
+                <a16:creationId xmlns:a16="http://schemas.microsoft.com/office/drawing/2014/main" id="{D992A7CF-2B9E-46F7-B1BF-5F826E31E575}"/>
+              </a:ext>
+            </a:extLst>
+          </p:cNvPr>
+          <p:cNvSpPr txBox="1"/>
+          <p:nvPr/>
+        </p:nvSpPr>
+        <p:spPr>
+          <a:xfrm>
+            <a:off x="6096000" y="421562"/>
+            <a:ext cx="1708483" cy="369332"/>
+          </a:xfrm>
+          <a:prstGeom prst="rect">
+            <a:avLst/>
+          </a:prstGeom>
+          <a:noFill/>
+        </p:spPr>
+        <p:txBody>
+          <a:bodyPr wrap="square" rtlCol="0">
+            <a:spAutoFit/>
+          </a:bodyPr>
+          <a:lstStyle/>
+          <a:p>
+            <a:r>
+              <a:rPr lang="en-US" dirty="0" err="1"/>
+              <a:t>maxX</a:t>
+            </a:r>
+            <a:r>
+              <a:rPr lang="en-US" dirty="0"/>
+              <a:t>, </a:t>
+            </a:r>
+            <a:r>
+              <a:rPr lang="en-US" dirty="0" err="1"/>
+              <a:t>maxY</a:t>
+            </a:r>
+            <a:endParaRPr lang="en-US" dirty="0"/>
+          </a:p>
+        </p:txBody>
+      </p:sp>
+      <p:sp>
+        <p:nvSpPr>
+          <p:cNvPr id="25" name="TextBox 24">
+            <a:extLst>
+              <a:ext uri="{FF2B5EF4-FFF2-40B4-BE49-F238E27FC236}">
+                <a16:creationId xmlns:a16="http://schemas.microsoft.com/office/drawing/2014/main" id="{189BCDA2-4974-4ACF-8707-EBF63F1EDD1E}"/>
+              </a:ext>
+            </a:extLst>
+          </p:cNvPr>
+          <p:cNvSpPr txBox="1"/>
+          <p:nvPr/>
+        </p:nvSpPr>
+        <p:spPr>
+          <a:xfrm>
+            <a:off x="-908383" y="1874739"/>
+            <a:ext cx="1708483" cy="369332"/>
+          </a:xfrm>
+          <a:prstGeom prst="rect">
+            <a:avLst/>
+          </a:prstGeom>
+          <a:noFill/>
+        </p:spPr>
+        <p:txBody>
+          <a:bodyPr wrap="square" rtlCol="0">
+            <a:spAutoFit/>
+          </a:bodyPr>
+          <a:lstStyle/>
+          <a:p>
+            <a:r>
+              <a:rPr lang="en-US" dirty="0" err="1"/>
+              <a:t>maxX</a:t>
+            </a:r>
+            <a:r>
+              <a:rPr lang="en-US" dirty="0"/>
+              <a:t>-r/sqrt(2)</a:t>
+            </a:r>
+          </a:p>
+        </p:txBody>
+      </p:sp>
+      <p:grpSp>
+        <p:nvGrpSpPr>
+          <p:cNvPr id="6" name="Group 5">
+            <a:extLst>
+              <a:ext uri="{FF2B5EF4-FFF2-40B4-BE49-F238E27FC236}">
+                <a16:creationId xmlns:a16="http://schemas.microsoft.com/office/drawing/2014/main" id="{C2241BE6-E8F8-40FA-B5B8-4060636D9AAE}"/>
+              </a:ext>
+            </a:extLst>
+          </p:cNvPr>
+          <p:cNvGrpSpPr/>
+          <p:nvPr/>
+        </p:nvGrpSpPr>
+        <p:grpSpPr>
+          <a:xfrm>
+            <a:off x="1411345" y="1685138"/>
+            <a:ext cx="3356811" cy="3356811"/>
+            <a:chOff x="3152272" y="2478497"/>
+            <a:chExt cx="3356811" cy="3356811"/>
+          </a:xfrm>
+        </p:grpSpPr>
+        <p:sp>
+          <p:nvSpPr>
+            <p:cNvPr id="12" name="Oval 11">
+              <a:extLst>
+                <a:ext uri="{FF2B5EF4-FFF2-40B4-BE49-F238E27FC236}">
+                  <a16:creationId xmlns:a16="http://schemas.microsoft.com/office/drawing/2014/main" id="{5B78EF13-D1C8-48A1-9DD0-7D7256440FBA}"/>
+                </a:ext>
+              </a:extLst>
+            </p:cNvPr>
+            <p:cNvSpPr/>
+            <p:nvPr/>
+          </p:nvSpPr>
+          <p:spPr>
+            <a:xfrm>
+              <a:off x="3152272" y="2478497"/>
+              <a:ext cx="3356811" cy="3356811"/>
+            </a:xfrm>
+            <a:prstGeom prst="ellipse">
+              <a:avLst/>
+            </a:prstGeom>
+            <a:noFill/>
+            <a:ln w="57150">
+              <a:solidFill>
+                <a:schemeClr val="accent6">
+                  <a:lumMod val="50000"/>
+                </a:schemeClr>
+              </a:solidFill>
+              <a:prstDash val="sysDot"/>
+            </a:ln>
+          </p:spPr>
+          <p:style>
+            <a:lnRef idx="2">
+              <a:schemeClr val="accent1">
+                <a:shade val="50000"/>
+              </a:schemeClr>
+            </a:lnRef>
+            <a:fillRef idx="1">
+              <a:schemeClr val="accent1"/>
+            </a:fillRef>
+            <a:effectRef idx="0">
+              <a:schemeClr val="accent1"/>
+            </a:effectRef>
+            <a:fontRef idx="minor">
+              <a:schemeClr val="lt1"/>
+            </a:fontRef>
+          </p:style>
+          <p:txBody>
+            <a:bodyPr rtlCol="0" anchor="ctr"/>
+            <a:lstStyle/>
+            <a:p>
+              <a:pPr algn="ctr"/>
+              <a:endParaRPr lang="en-US" dirty="0"/>
+            </a:p>
+          </p:txBody>
+        </p:sp>
+        <p:cxnSp>
+          <p:nvCxnSpPr>
+            <p:cNvPr id="27" name="Straight Connector 26">
+              <a:extLst>
+                <a:ext uri="{FF2B5EF4-FFF2-40B4-BE49-F238E27FC236}">
+                  <a16:creationId xmlns:a16="http://schemas.microsoft.com/office/drawing/2014/main" id="{C791E714-5472-4995-82F7-06DF1FECCBE5}"/>
+                </a:ext>
+              </a:extLst>
+            </p:cNvPr>
+            <p:cNvCxnSpPr/>
+            <p:nvPr/>
+          </p:nvCxnSpPr>
+          <p:spPr>
+            <a:xfrm>
+              <a:off x="4890837" y="4096748"/>
+              <a:ext cx="1598194" cy="0"/>
+            </a:xfrm>
+            <a:prstGeom prst="line">
+              <a:avLst/>
+            </a:prstGeom>
+            <a:ln w="38100">
+              <a:solidFill>
+                <a:schemeClr val="tx1"/>
+              </a:solidFill>
+            </a:ln>
+          </p:spPr>
+          <p:style>
+            <a:lnRef idx="1">
+              <a:schemeClr val="accent1"/>
+            </a:lnRef>
+            <a:fillRef idx="0">
+              <a:schemeClr val="accent1"/>
+            </a:fillRef>
+            <a:effectRef idx="0">
+              <a:schemeClr val="accent1"/>
+            </a:effectRef>
+            <a:fontRef idx="minor">
+              <a:schemeClr val="tx1"/>
+            </a:fontRef>
+          </p:style>
+        </p:cxnSp>
+        <p:sp>
+          <p:nvSpPr>
+            <p:cNvPr id="28" name="TextBox 27">
+              <a:extLst>
+                <a:ext uri="{FF2B5EF4-FFF2-40B4-BE49-F238E27FC236}">
+                  <a16:creationId xmlns:a16="http://schemas.microsoft.com/office/drawing/2014/main" id="{8CE2D5AC-8999-4A2A-87FB-0174A5F04D45}"/>
+                </a:ext>
+              </a:extLst>
+            </p:cNvPr>
+            <p:cNvSpPr txBox="1"/>
+            <p:nvPr/>
+          </p:nvSpPr>
+          <p:spPr>
+            <a:xfrm>
+              <a:off x="5466345" y="3656945"/>
+              <a:ext cx="914400" cy="369332"/>
+            </a:xfrm>
+            <a:prstGeom prst="rect">
+              <a:avLst/>
+            </a:prstGeom>
+            <a:noFill/>
+          </p:spPr>
+          <p:txBody>
+            <a:bodyPr wrap="square" rtlCol="0">
+              <a:spAutoFit/>
+            </a:bodyPr>
+            <a:lstStyle/>
+            <a:p>
+              <a:r>
+                <a:rPr lang="en-US" dirty="0"/>
+                <a:t>r</a:t>
+              </a:r>
+            </a:p>
+          </p:txBody>
+        </p:sp>
+      </p:grpSp>
+      <p:sp>
+        <p:nvSpPr>
+          <p:cNvPr id="26" name="TextBox 25">
+            <a:extLst>
+              <a:ext uri="{FF2B5EF4-FFF2-40B4-BE49-F238E27FC236}">
+                <a16:creationId xmlns:a16="http://schemas.microsoft.com/office/drawing/2014/main" id="{C2A7AD2C-ED69-4077-9351-A316E5961B85}"/>
+              </a:ext>
+            </a:extLst>
+          </p:cNvPr>
+          <p:cNvSpPr txBox="1"/>
+          <p:nvPr/>
+        </p:nvSpPr>
+        <p:spPr>
+          <a:xfrm>
+            <a:off x="6712210" y="5965483"/>
+            <a:ext cx="5229726" cy="2585323"/>
+          </a:xfrm>
+          <a:prstGeom prst="rect">
+            <a:avLst/>
+          </a:prstGeom>
+          <a:noFill/>
+        </p:spPr>
+        <p:txBody>
+          <a:bodyPr wrap="square" rtlCol="0">
+            <a:spAutoFit/>
+          </a:bodyPr>
+          <a:lstStyle/>
+          <a:p>
+            <a:r>
+              <a:rPr lang="en-US" dirty="0"/>
+              <a:t>On edge:  we have leeway because we protect more space</a:t>
+            </a:r>
+          </a:p>
+          <a:p>
+            <a:r>
+              <a:rPr lang="en-US" dirty="0"/>
+              <a:t>In middle:  we have leeway because of prey moving away</a:t>
+            </a:r>
+          </a:p>
+          <a:p>
+            <a:endParaRPr lang="en-US" dirty="0"/>
+          </a:p>
+          <a:p>
+            <a:r>
+              <a:rPr lang="en-US" dirty="0"/>
+              <a:t>Edge -&gt; Edge</a:t>
+            </a:r>
+          </a:p>
+          <a:p>
+            <a:r>
+              <a:rPr lang="en-US" dirty="0"/>
+              <a:t>Edge -&gt; Middle</a:t>
+            </a:r>
+          </a:p>
+          <a:p>
+            <a:r>
+              <a:rPr lang="en-US" dirty="0"/>
+              <a:t>Middle -&gt; Middle</a:t>
+            </a:r>
+          </a:p>
+          <a:p>
+            <a:r>
+              <a:rPr lang="en-US" dirty="0"/>
+              <a:t>Middle -&gt; Edge</a:t>
+            </a:r>
+          </a:p>
+        </p:txBody>
+      </p:sp>
+      <p:sp>
+        <p:nvSpPr>
+          <p:cNvPr id="29" name="TextBox 28">
+            <a:extLst>
+              <a:ext uri="{FF2B5EF4-FFF2-40B4-BE49-F238E27FC236}">
+                <a16:creationId xmlns:a16="http://schemas.microsoft.com/office/drawing/2014/main" id="{20D77118-D9BE-4869-B339-72FF50C6211D}"/>
+              </a:ext>
+            </a:extLst>
+          </p:cNvPr>
+          <p:cNvSpPr txBox="1"/>
+          <p:nvPr/>
+        </p:nvSpPr>
+        <p:spPr>
+          <a:xfrm>
+            <a:off x="6906322" y="4591574"/>
+            <a:ext cx="5229726" cy="923330"/>
+          </a:xfrm>
+          <a:prstGeom prst="rect">
+            <a:avLst/>
+          </a:prstGeom>
+          <a:noFill/>
+        </p:spPr>
+        <p:txBody>
+          <a:bodyPr wrap="square" rtlCol="0">
+            <a:spAutoFit/>
+          </a:bodyPr>
+          <a:lstStyle/>
+          <a:p>
+            <a:r>
+              <a:rPr lang="en-US" dirty="0"/>
+              <a:t>How far can the target get?</a:t>
+            </a:r>
+          </a:p>
+          <a:p>
+            <a:r>
+              <a:rPr lang="en-US" dirty="0"/>
+              <a:t>Assume target stays still:  we have time until poacher travels </a:t>
+            </a:r>
+            <a:r>
+              <a:rPr lang="en-US" dirty="0" err="1"/>
+              <a:t>preyr</a:t>
+            </a:r>
+            <a:endParaRPr lang="en-US" dirty="0"/>
+          </a:p>
+        </p:txBody>
+      </p:sp>
+      <p:sp>
+        <p:nvSpPr>
+          <p:cNvPr id="30" name="Oval 29">
+            <a:extLst>
+              <a:ext uri="{FF2B5EF4-FFF2-40B4-BE49-F238E27FC236}">
+                <a16:creationId xmlns:a16="http://schemas.microsoft.com/office/drawing/2014/main" id="{D603B500-B3F2-472C-B055-F596106B143A}"/>
+              </a:ext>
+            </a:extLst>
+          </p:cNvPr>
+          <p:cNvSpPr/>
+          <p:nvPr/>
+        </p:nvSpPr>
+        <p:spPr>
+          <a:xfrm>
+            <a:off x="3577698" y="1601841"/>
+            <a:ext cx="166594" cy="166594"/>
+          </a:xfrm>
+          <a:prstGeom prst="ellipse">
+            <a:avLst/>
+          </a:prstGeom>
+          <a:solidFill>
+            <a:srgbClr val="FF0000"/>
+          </a:solidFill>
+          <a:ln>
+            <a:solidFill>
+              <a:srgbClr val="FF0000"/>
+            </a:solidFill>
+          </a:ln>
+        </p:spPr>
+        <p:style>
+          <a:lnRef idx="2">
+            <a:schemeClr val="accent1">
+              <a:shade val="50000"/>
+            </a:schemeClr>
+          </a:lnRef>
+          <a:fillRef idx="1">
+            <a:schemeClr val="accent1"/>
+          </a:fillRef>
+          <a:effectRef idx="0">
+            <a:schemeClr val="accent1"/>
+          </a:effectRef>
+          <a:fontRef idx="minor">
+            <a:schemeClr val="lt1"/>
+          </a:fontRef>
+        </p:style>
+        <p:txBody>
+          <a:bodyPr rtlCol="0" anchor="ctr"/>
+          <a:lstStyle/>
+          <a:p>
+            <a:pPr algn="ctr"/>
+            <a:endParaRPr lang="en-US"/>
+          </a:p>
+        </p:txBody>
+      </p:sp>
+      <p:sp>
+        <p:nvSpPr>
+          <p:cNvPr id="31" name="TextBox 30">
+            <a:extLst>
+              <a:ext uri="{FF2B5EF4-FFF2-40B4-BE49-F238E27FC236}">
+                <a16:creationId xmlns:a16="http://schemas.microsoft.com/office/drawing/2014/main" id="{BED4D475-A1A4-47AD-8A4A-524AFB3F1C1E}"/>
+              </a:ext>
+            </a:extLst>
+          </p:cNvPr>
+          <p:cNvSpPr txBox="1"/>
+          <p:nvPr/>
+        </p:nvSpPr>
+        <p:spPr>
+          <a:xfrm>
+            <a:off x="6183169" y="3991409"/>
+            <a:ext cx="8231257" cy="1200329"/>
+          </a:xfrm>
+          <a:prstGeom prst="rect">
+            <a:avLst/>
+          </a:prstGeom>
+          <a:noFill/>
+        </p:spPr>
+        <p:txBody>
+          <a:bodyPr wrap="square" rtlCol="0">
+            <a:spAutoFit/>
+          </a:bodyPr>
+          <a:lstStyle/>
+          <a:p>
+            <a:r>
+              <a:rPr lang="en-US" dirty="0"/>
+              <a:t>Prey not moving:  distance(</a:t>
+            </a:r>
+            <a:r>
+              <a:rPr lang="en-US" dirty="0" err="1"/>
+              <a:t>p,t</a:t>
+            </a:r>
+            <a:r>
+              <a:rPr lang="en-US" dirty="0"/>
+              <a:t>)/</a:t>
+            </a:r>
+            <a:r>
+              <a:rPr lang="en-US" dirty="0" err="1"/>
+              <a:t>maxVp</a:t>
+            </a:r>
+            <a:r>
+              <a:rPr lang="en-US" dirty="0"/>
+              <a:t> &gt;= (distance(</a:t>
+            </a:r>
+            <a:r>
+              <a:rPr lang="en-US" dirty="0" err="1"/>
+              <a:t>r,t</a:t>
+            </a:r>
+            <a:r>
+              <a:rPr lang="en-US" dirty="0"/>
+              <a:t>)-</a:t>
+            </a:r>
+            <a:r>
+              <a:rPr lang="en-US" dirty="0" err="1"/>
+              <a:t>capr</a:t>
+            </a:r>
+            <a:r>
+              <a:rPr lang="en-US" dirty="0"/>
+              <a:t>)/</a:t>
+            </a:r>
+            <a:r>
+              <a:rPr lang="en-US" dirty="0" err="1"/>
+              <a:t>maxVr</a:t>
+            </a:r>
+            <a:endParaRPr lang="en-US" dirty="0"/>
+          </a:p>
+          <a:p>
+            <a:r>
+              <a:rPr lang="en-US" dirty="0"/>
+              <a:t>Prey moving: distance(p,(t=p))/(</a:t>
+            </a:r>
+            <a:r>
+              <a:rPr lang="en-US" dirty="0" err="1"/>
+              <a:t>maxVp-maxVt</a:t>
+            </a:r>
+            <a:r>
+              <a:rPr lang="en-US" dirty="0"/>
+              <a:t>) &gt;= (distance(</a:t>
+            </a:r>
+            <a:r>
+              <a:rPr lang="en-US" dirty="0" err="1"/>
+              <a:t>r,proj</a:t>
+            </a:r>
+            <a:r>
+              <a:rPr lang="en-US" dirty="0"/>
+              <a:t>(t=p)))/</a:t>
+            </a:r>
+            <a:r>
+              <a:rPr lang="en-US" dirty="0" err="1"/>
+              <a:t>maxVr</a:t>
+            </a:r>
+            <a:endParaRPr lang="en-US" dirty="0"/>
+          </a:p>
+          <a:p>
+            <a:endParaRPr lang="en-US" dirty="0"/>
+          </a:p>
+          <a:p>
+            <a:endParaRPr lang="en-US" dirty="0"/>
+          </a:p>
+        </p:txBody>
+      </p:sp>
+      <p:grpSp>
+        <p:nvGrpSpPr>
+          <p:cNvPr id="9" name="Group 8">
+            <a:extLst>
+              <a:ext uri="{FF2B5EF4-FFF2-40B4-BE49-F238E27FC236}">
+                <a16:creationId xmlns:a16="http://schemas.microsoft.com/office/drawing/2014/main" id="{2D589636-38C1-4DCF-80CA-EBAF6D96F908}"/>
+              </a:ext>
+            </a:extLst>
+          </p:cNvPr>
+          <p:cNvGrpSpPr/>
+          <p:nvPr/>
+        </p:nvGrpSpPr>
+        <p:grpSpPr>
+          <a:xfrm>
+            <a:off x="2681518" y="943508"/>
+            <a:ext cx="896180" cy="896180"/>
+            <a:chOff x="1666877" y="1108409"/>
+            <a:chExt cx="896180" cy="896180"/>
+          </a:xfrm>
+        </p:grpSpPr>
+        <p:grpSp>
+          <p:nvGrpSpPr>
+            <p:cNvPr id="3" name="Group 2">
+              <a:extLst>
+                <a:ext uri="{FF2B5EF4-FFF2-40B4-BE49-F238E27FC236}">
+                  <a16:creationId xmlns:a16="http://schemas.microsoft.com/office/drawing/2014/main" id="{8DF3BB45-8F95-4A79-8913-2BDB6228F55A}"/>
+                </a:ext>
+              </a:extLst>
+            </p:cNvPr>
+            <p:cNvGrpSpPr/>
+            <p:nvPr/>
+          </p:nvGrpSpPr>
+          <p:grpSpPr>
+            <a:xfrm>
+              <a:off x="1666877" y="1108409"/>
+              <a:ext cx="896180" cy="896180"/>
+              <a:chOff x="5015560" y="2202541"/>
+              <a:chExt cx="2171701" cy="2171701"/>
+            </a:xfrm>
+          </p:grpSpPr>
+          <p:sp>
+            <p:nvSpPr>
+              <p:cNvPr id="20" name="Oval 19">
+                <a:extLst>
+                  <a:ext uri="{FF2B5EF4-FFF2-40B4-BE49-F238E27FC236}">
+                    <a16:creationId xmlns:a16="http://schemas.microsoft.com/office/drawing/2014/main" id="{821314B7-82F3-4FCB-92DA-2BCB662673EB}"/>
+                  </a:ext>
+                </a:extLst>
+              </p:cNvPr>
+              <p:cNvSpPr/>
+              <p:nvPr/>
+            </p:nvSpPr>
+            <p:spPr>
+              <a:xfrm>
+                <a:off x="5015560" y="2202541"/>
+                <a:ext cx="2171701" cy="2171701"/>
+              </a:xfrm>
+              <a:prstGeom prst="ellipse">
+                <a:avLst/>
+              </a:prstGeom>
+              <a:noFill/>
+              <a:ln w="57150">
+                <a:solidFill>
+                  <a:schemeClr val="accent6"/>
+                </a:solidFill>
+                <a:prstDash val="sysDot"/>
+              </a:ln>
+            </p:spPr>
+            <p:style>
+              <a:lnRef idx="2">
+                <a:schemeClr val="accent1">
+                  <a:shade val="50000"/>
+                </a:schemeClr>
+              </a:lnRef>
+              <a:fillRef idx="1">
+                <a:schemeClr val="accent1"/>
+              </a:fillRef>
+              <a:effectRef idx="0">
+                <a:schemeClr val="accent1"/>
+              </a:effectRef>
+              <a:fontRef idx="minor">
+                <a:schemeClr val="lt1"/>
+              </a:fontRef>
+            </p:style>
+            <p:txBody>
+              <a:bodyPr rtlCol="0" anchor="ctr"/>
+              <a:lstStyle/>
+              <a:p>
+                <a:pPr algn="ctr"/>
+                <a:endParaRPr lang="en-US"/>
+              </a:p>
+            </p:txBody>
+          </p:sp>
+          <p:sp>
+            <p:nvSpPr>
+              <p:cNvPr id="23" name="Oval 22">
+                <a:extLst>
+                  <a:ext uri="{FF2B5EF4-FFF2-40B4-BE49-F238E27FC236}">
+                    <a16:creationId xmlns:a16="http://schemas.microsoft.com/office/drawing/2014/main" id="{2B528D38-621C-4DE2-9AE2-72AE8759570E}"/>
+                  </a:ext>
+                </a:extLst>
+              </p:cNvPr>
+              <p:cNvSpPr/>
+              <p:nvPr/>
+            </p:nvSpPr>
+            <p:spPr>
+              <a:xfrm>
+                <a:off x="5963848" y="3100957"/>
+                <a:ext cx="310817" cy="310817"/>
+              </a:xfrm>
+              <a:prstGeom prst="ellipse">
+                <a:avLst/>
+              </a:prstGeom>
+              <a:solidFill>
+                <a:schemeClr val="accent6"/>
+              </a:solidFill>
+              <a:ln w="57150">
+                <a:noFill/>
+                <a:prstDash val="sysDot"/>
+              </a:ln>
+            </p:spPr>
+            <p:style>
+              <a:lnRef idx="2">
+                <a:schemeClr val="accent1">
+                  <a:shade val="50000"/>
+                </a:schemeClr>
+              </a:lnRef>
+              <a:fillRef idx="1">
+                <a:schemeClr val="accent1"/>
+              </a:fillRef>
+              <a:effectRef idx="0">
+                <a:schemeClr val="accent1"/>
+              </a:effectRef>
+              <a:fontRef idx="minor">
+                <a:schemeClr val="lt1"/>
+              </a:fontRef>
+            </p:style>
+            <p:txBody>
+              <a:bodyPr rtlCol="0" anchor="ctr"/>
+              <a:lstStyle/>
+              <a:p>
+                <a:pPr algn="ctr"/>
+                <a:endParaRPr lang="en-US"/>
+              </a:p>
+            </p:txBody>
+          </p:sp>
+        </p:grpSp>
+        <p:sp>
+          <p:nvSpPr>
+            <p:cNvPr id="34" name="Oval 33">
+              <a:extLst>
+                <a:ext uri="{FF2B5EF4-FFF2-40B4-BE49-F238E27FC236}">
+                  <a16:creationId xmlns:a16="http://schemas.microsoft.com/office/drawing/2014/main" id="{E6152DB9-5A20-42B7-AC01-8FCA93C5782B}"/>
+                </a:ext>
+              </a:extLst>
+            </p:cNvPr>
+            <p:cNvSpPr/>
+            <p:nvPr/>
+          </p:nvSpPr>
+          <p:spPr>
+            <a:xfrm>
+              <a:off x="1945433" y="1386965"/>
+              <a:ext cx="339069" cy="339069"/>
+            </a:xfrm>
+            <a:prstGeom prst="ellipse">
+              <a:avLst/>
+            </a:prstGeom>
+            <a:solidFill>
+              <a:schemeClr val="accent6"/>
+            </a:solidFill>
+            <a:ln w="57150">
+              <a:noFill/>
+              <a:prstDash val="sysDot"/>
+            </a:ln>
+          </p:spPr>
+          <p:style>
+            <a:lnRef idx="2">
+              <a:schemeClr val="accent1">
+                <a:shade val="50000"/>
+              </a:schemeClr>
+            </a:lnRef>
+            <a:fillRef idx="1">
+              <a:schemeClr val="accent1"/>
+            </a:fillRef>
+            <a:effectRef idx="0">
+              <a:schemeClr val="accent1"/>
+            </a:effectRef>
+            <a:fontRef idx="minor">
+              <a:schemeClr val="lt1"/>
+            </a:fontRef>
+          </p:style>
+          <p:txBody>
+            <a:bodyPr rtlCol="0" anchor="ctr"/>
+            <a:lstStyle/>
+            <a:p>
+              <a:pPr algn="ctr"/>
+              <a:endParaRPr lang="en-US"/>
+            </a:p>
+          </p:txBody>
+        </p:sp>
+      </p:grpSp>
+      <p:sp>
+        <p:nvSpPr>
+          <p:cNvPr id="35" name="TextBox 34">
+            <a:extLst>
+              <a:ext uri="{FF2B5EF4-FFF2-40B4-BE49-F238E27FC236}">
+                <a16:creationId xmlns:a16="http://schemas.microsoft.com/office/drawing/2014/main" id="{AADB29CB-19D2-4660-8F93-5534C1B236A1}"/>
+              </a:ext>
+            </a:extLst>
+          </p:cNvPr>
+          <p:cNvSpPr txBox="1"/>
+          <p:nvPr/>
+        </p:nvSpPr>
+        <p:spPr>
+          <a:xfrm>
+            <a:off x="6378022" y="1901009"/>
+            <a:ext cx="8231257" cy="1754326"/>
+          </a:xfrm>
+          <a:prstGeom prst="rect">
+            <a:avLst/>
+          </a:prstGeom>
+          <a:noFill/>
+        </p:spPr>
+        <p:txBody>
+          <a:bodyPr wrap="square" rtlCol="0">
+            <a:spAutoFit/>
+          </a:bodyPr>
+          <a:lstStyle/>
+          <a:p>
+            <a:r>
+              <a:rPr lang="en-US" dirty="0"/>
+              <a:t>Time poacher catches prey &gt;= time ranger protects prey</a:t>
+            </a:r>
+          </a:p>
+          <a:p>
+            <a:r>
+              <a:rPr lang="en-US" dirty="0"/>
+              <a:t>time poacher catches prey &gt;= {prey moving/prey not moving}</a:t>
+            </a:r>
+          </a:p>
+          <a:p>
+            <a:r>
+              <a:rPr lang="en-US" dirty="0"/>
+              <a:t>The intersection case &gt;= Time ranger protects prey </a:t>
+            </a:r>
+          </a:p>
+          <a:p>
+            <a:r>
+              <a:rPr lang="en-US" dirty="0"/>
+              <a:t>------------------------------------------------</a:t>
+            </a:r>
+          </a:p>
+          <a:p>
+            <a:r>
+              <a:rPr lang="en-US" dirty="0"/>
+              <a:t>{prey moving/prey not moving} &gt;= The intersection case</a:t>
+            </a:r>
+          </a:p>
+          <a:p>
+            <a:endParaRPr lang="en-US" dirty="0"/>
+          </a:p>
+        </p:txBody>
+      </p:sp>
+    </p:spTree>
+    <p:extLst>
+      <p:ext uri="{BB962C8B-B14F-4D97-AF65-F5344CB8AC3E}">
+        <p14:creationId xmlns:p14="http://schemas.microsoft.com/office/powerpoint/2010/main" val="1011169736"/>
+      </p:ext>
+    </p:extLst>
+  </p:cSld>
+  <p:clrMapOvr>
+    <a:masterClrMapping/>
+  </p:clrMapOvr>
+</p:sld>
+</file>
+
+<file path=ppt/slides/slide4.xml><?xml version="1.0" encoding="utf-8"?>
+<p:sld xmlns:a="http://schemas.openxmlformats.org/drawingml/2006/main" xmlns:r="http://schemas.openxmlformats.org/officeDocument/2006/relationships" xmlns:p="http://schemas.openxmlformats.org/presentationml/2006/main">
+  <p:cSld>
+    <p:spTree>
+      <p:nvGrpSpPr>
+        <p:cNvPr id="1" name=""/>
+        <p:cNvGrpSpPr/>
+        <p:nvPr/>
+      </p:nvGrpSpPr>
+      <p:grpSpPr>
+        <a:xfrm>
+          <a:off x="0" y="0"/>
+          <a:ext cx="0" cy="0"/>
+          <a:chOff x="0" y="0"/>
+          <a:chExt cx="0" cy="0"/>
+        </a:xfrm>
+      </p:grpSpPr>
+      <p:sp>
+        <p:nvSpPr>
+          <p:cNvPr id="4" name="Rectangle 3">
+            <a:extLst>
+              <a:ext uri="{FF2B5EF4-FFF2-40B4-BE49-F238E27FC236}">
+                <a16:creationId xmlns:a16="http://schemas.microsoft.com/office/drawing/2014/main" id="{39EE2A28-404B-4142-B3F9-2DA0FD9F6764}"/>
+              </a:ext>
+            </a:extLst>
+          </p:cNvPr>
+          <p:cNvSpPr/>
+          <p:nvPr/>
+        </p:nvSpPr>
+        <p:spPr>
+          <a:xfrm>
+            <a:off x="844112" y="830179"/>
+            <a:ext cx="5229726" cy="5229726"/>
+          </a:xfrm>
+          <a:prstGeom prst="rect">
+            <a:avLst/>
+          </a:prstGeom>
+          <a:solidFill>
+            <a:schemeClr val="accent1">
+              <a:lumMod val="20000"/>
+              <a:lumOff val="80000"/>
+            </a:schemeClr>
+          </a:solidFill>
+          <a:ln w="38100"/>
+        </p:spPr>
+        <p:style>
+          <a:lnRef idx="2">
+            <a:schemeClr val="accent1">
+              <a:shade val="50000"/>
+            </a:schemeClr>
+          </a:lnRef>
+          <a:fillRef idx="1">
+            <a:schemeClr val="accent1"/>
+          </a:fillRef>
+          <a:effectRef idx="0">
+            <a:schemeClr val="accent1"/>
+          </a:effectRef>
+          <a:fontRef idx="minor">
+            <a:schemeClr val="lt1"/>
+          </a:fontRef>
+        </p:style>
+        <p:txBody>
+          <a:bodyPr rtlCol="0" anchor="ctr"/>
+          <a:lstStyle/>
+          <a:p>
+            <a:pPr algn="ctr"/>
+            <a:endParaRPr lang="en-US"/>
+          </a:p>
+        </p:txBody>
+      </p:sp>
+      <p:sp>
+        <p:nvSpPr>
+          <p:cNvPr id="5" name="Rectangle 4">
+            <a:extLst>
+              <a:ext uri="{FF2B5EF4-FFF2-40B4-BE49-F238E27FC236}">
+                <a16:creationId xmlns:a16="http://schemas.microsoft.com/office/drawing/2014/main" id="{64F5CA3A-C0E5-4CC5-8EFE-C335C72A005D}"/>
+              </a:ext>
+            </a:extLst>
+          </p:cNvPr>
+          <p:cNvSpPr/>
+          <p:nvPr/>
+        </p:nvSpPr>
+        <p:spPr>
+          <a:xfrm>
+            <a:off x="2095500" y="2059405"/>
+            <a:ext cx="2771273" cy="2771273"/>
+          </a:xfrm>
+          <a:prstGeom prst="rect">
+            <a:avLst/>
+          </a:prstGeom>
+          <a:solidFill>
+            <a:schemeClr val="accent6">
+              <a:lumMod val="20000"/>
+              <a:lumOff val="80000"/>
+            </a:schemeClr>
+          </a:solidFill>
+          <a:ln w="38100">
+            <a:solidFill>
+              <a:schemeClr val="accent6">
+                <a:lumMod val="50000"/>
+              </a:schemeClr>
+            </a:solidFill>
+          </a:ln>
+        </p:spPr>
+        <p:style>
+          <a:lnRef idx="2">
+            <a:schemeClr val="accent1">
+              <a:shade val="50000"/>
+            </a:schemeClr>
+          </a:lnRef>
+          <a:fillRef idx="1">
+            <a:schemeClr val="accent1"/>
+          </a:fillRef>
+          <a:effectRef idx="0">
+            <a:schemeClr val="accent1"/>
+          </a:effectRef>
+          <a:fontRef idx="minor">
+            <a:schemeClr val="lt1"/>
+          </a:fontRef>
+        </p:style>
+        <p:txBody>
+          <a:bodyPr rtlCol="0" anchor="ctr"/>
+          <a:lstStyle/>
+          <a:p>
+            <a:pPr algn="ctr"/>
+            <a:endParaRPr lang="en-US"/>
+          </a:p>
+        </p:txBody>
+      </p:sp>
+      <p:cxnSp>
+        <p:nvCxnSpPr>
+          <p:cNvPr id="7" name="Straight Connector 6">
+            <a:extLst>
+              <a:ext uri="{FF2B5EF4-FFF2-40B4-BE49-F238E27FC236}">
+                <a16:creationId xmlns:a16="http://schemas.microsoft.com/office/drawing/2014/main" id="{26171733-5BA8-4D84-8B2B-8D0B50E54DE7}"/>
+              </a:ext>
+            </a:extLst>
+          </p:cNvPr>
+          <p:cNvCxnSpPr/>
+          <p:nvPr/>
+        </p:nvCxnSpPr>
+        <p:spPr>
+          <a:xfrm flipV="1">
+            <a:off x="866274" y="830179"/>
+            <a:ext cx="5229726" cy="5229726"/>
+          </a:xfrm>
+          <a:prstGeom prst="line">
+            <a:avLst/>
+          </a:prstGeom>
+          <a:ln w="76200">
+            <a:solidFill>
+              <a:srgbClr val="FF0000"/>
+            </a:solidFill>
+          </a:ln>
+        </p:spPr>
+        <p:style>
+          <a:lnRef idx="1">
+            <a:schemeClr val="accent1"/>
+          </a:lnRef>
+          <a:fillRef idx="0">
+            <a:schemeClr val="accent1"/>
+          </a:fillRef>
+          <a:effectRef idx="0">
+            <a:schemeClr val="accent1"/>
+          </a:effectRef>
+          <a:fontRef idx="minor">
+            <a:schemeClr val="tx1"/>
+          </a:fontRef>
+        </p:style>
+      </p:cxnSp>
+      <p:cxnSp>
+        <p:nvCxnSpPr>
+          <p:cNvPr id="10" name="Straight Connector 9">
+            <a:extLst>
+              <a:ext uri="{FF2B5EF4-FFF2-40B4-BE49-F238E27FC236}">
+                <a16:creationId xmlns:a16="http://schemas.microsoft.com/office/drawing/2014/main" id="{8986D81B-5368-4625-9B70-978CA656AB98}"/>
+              </a:ext>
+            </a:extLst>
+          </p:cNvPr>
+          <p:cNvCxnSpPr>
+            <a:cxnSpLocks/>
+          </p:cNvCxnSpPr>
+          <p:nvPr/>
+        </p:nvCxnSpPr>
+        <p:spPr>
+          <a:xfrm>
+            <a:off x="2095500" y="2059405"/>
+            <a:ext cx="2771273" cy="2771273"/>
+          </a:xfrm>
+          <a:prstGeom prst="line">
+            <a:avLst/>
+          </a:prstGeom>
+          <a:ln w="76200">
+            <a:solidFill>
+              <a:schemeClr val="accent6">
+                <a:lumMod val="50000"/>
+              </a:schemeClr>
+            </a:solidFill>
+          </a:ln>
+        </p:spPr>
+        <p:style>
+          <a:lnRef idx="1">
+            <a:schemeClr val="accent1"/>
+          </a:lnRef>
+          <a:fillRef idx="0">
+            <a:schemeClr val="accent1"/>
+          </a:fillRef>
+          <a:effectRef idx="0">
+            <a:schemeClr val="accent1"/>
+          </a:effectRef>
+          <a:fontRef idx="minor">
+            <a:schemeClr val="tx1"/>
+          </a:fontRef>
+        </p:style>
+      </p:cxnSp>
+      <p:sp>
+        <p:nvSpPr>
+          <p:cNvPr id="13" name="TextBox 12">
+            <a:extLst>
+              <a:ext uri="{FF2B5EF4-FFF2-40B4-BE49-F238E27FC236}">
+                <a16:creationId xmlns:a16="http://schemas.microsoft.com/office/drawing/2014/main" id="{7CF133E3-6E66-429A-A45E-B79D3B5EAFE1}"/>
+              </a:ext>
+            </a:extLst>
+          </p:cNvPr>
+          <p:cNvSpPr txBox="1"/>
+          <p:nvPr/>
+        </p:nvSpPr>
+        <p:spPr>
+          <a:xfrm>
+            <a:off x="338088" y="6059905"/>
+            <a:ext cx="1056372" cy="369332"/>
+          </a:xfrm>
+          <a:prstGeom prst="rect">
+            <a:avLst/>
+          </a:prstGeom>
+          <a:noFill/>
+        </p:spPr>
+        <p:txBody>
+          <a:bodyPr wrap="square" rtlCol="0">
+            <a:spAutoFit/>
+          </a:bodyPr>
+          <a:lstStyle/>
+          <a:p>
+            <a:r>
+              <a:rPr lang="en-US" dirty="0"/>
+              <a:t>0,0</a:t>
+            </a:r>
+          </a:p>
+        </p:txBody>
+      </p:sp>
+      <p:cxnSp>
+        <p:nvCxnSpPr>
+          <p:cNvPr id="15" name="Straight Connector 14">
+            <a:extLst>
+              <a:ext uri="{FF2B5EF4-FFF2-40B4-BE49-F238E27FC236}">
+                <a16:creationId xmlns:a16="http://schemas.microsoft.com/office/drawing/2014/main" id="{E8FE2B50-01DC-4CB9-9D34-4A8BCE8A47D2}"/>
+              </a:ext>
+            </a:extLst>
+          </p:cNvPr>
+          <p:cNvCxnSpPr>
+            <a:cxnSpLocks/>
+          </p:cNvCxnSpPr>
+          <p:nvPr/>
+        </p:nvCxnSpPr>
+        <p:spPr>
+          <a:xfrm flipH="1">
+            <a:off x="624595" y="4830678"/>
+            <a:ext cx="1361574" cy="0"/>
+          </a:xfrm>
+          <a:prstGeom prst="line">
+            <a:avLst/>
+          </a:prstGeom>
+          <a:ln w="28575">
+            <a:prstDash val="lgDash"/>
+          </a:ln>
+        </p:spPr>
+        <p:style>
+          <a:lnRef idx="1">
+            <a:schemeClr val="dk1"/>
+          </a:lnRef>
+          <a:fillRef idx="0">
+            <a:schemeClr val="dk1"/>
+          </a:fillRef>
+          <a:effectRef idx="0">
+            <a:schemeClr val="dk1"/>
+          </a:effectRef>
+          <a:fontRef idx="minor">
+            <a:schemeClr val="tx1"/>
+          </a:fontRef>
+        </p:style>
+      </p:cxnSp>
+      <p:sp>
+        <p:nvSpPr>
+          <p:cNvPr id="17" name="TextBox 16">
+            <a:extLst>
+              <a:ext uri="{FF2B5EF4-FFF2-40B4-BE49-F238E27FC236}">
+                <a16:creationId xmlns:a16="http://schemas.microsoft.com/office/drawing/2014/main" id="{3825490F-D6D8-4D04-8275-77AA8CE98ED5}"/>
+              </a:ext>
+            </a:extLst>
+          </p:cNvPr>
+          <p:cNvSpPr txBox="1"/>
+          <p:nvPr/>
+        </p:nvSpPr>
+        <p:spPr>
+          <a:xfrm>
+            <a:off x="-224987" y="4646012"/>
+            <a:ext cx="1708483" cy="369332"/>
+          </a:xfrm>
+          <a:prstGeom prst="rect">
+            <a:avLst/>
+          </a:prstGeom>
+          <a:noFill/>
+        </p:spPr>
+        <p:txBody>
+          <a:bodyPr wrap="square" rtlCol="0">
+            <a:spAutoFit/>
+          </a:bodyPr>
+          <a:lstStyle/>
+          <a:p>
+            <a:r>
+              <a:rPr lang="en-US" dirty="0"/>
+              <a:t>r/sqrt(2)</a:t>
+            </a:r>
+          </a:p>
+        </p:txBody>
+      </p:sp>
+      <p:cxnSp>
+        <p:nvCxnSpPr>
+          <p:cNvPr id="19" name="Straight Connector 18">
+            <a:extLst>
+              <a:ext uri="{FF2B5EF4-FFF2-40B4-BE49-F238E27FC236}">
+                <a16:creationId xmlns:a16="http://schemas.microsoft.com/office/drawing/2014/main" id="{7E138962-7035-4771-9F7D-38A521656B23}"/>
+              </a:ext>
+            </a:extLst>
+          </p:cNvPr>
+          <p:cNvCxnSpPr>
+            <a:cxnSpLocks/>
+            <a:endCxn id="4" idx="1"/>
+          </p:cNvCxnSpPr>
+          <p:nvPr/>
+        </p:nvCxnSpPr>
+        <p:spPr>
+          <a:xfrm flipH="1">
+            <a:off x="844112" y="3443036"/>
+            <a:ext cx="2590800" cy="2006"/>
+          </a:xfrm>
+          <a:prstGeom prst="line">
+            <a:avLst/>
+          </a:prstGeom>
+          <a:ln w="28575">
+            <a:prstDash val="lgDash"/>
+          </a:ln>
+        </p:spPr>
+        <p:style>
+          <a:lnRef idx="1">
+            <a:schemeClr val="dk1"/>
+          </a:lnRef>
+          <a:fillRef idx="0">
+            <a:schemeClr val="dk1"/>
+          </a:fillRef>
+          <a:effectRef idx="0">
+            <a:schemeClr val="dk1"/>
+          </a:effectRef>
+          <a:fontRef idx="minor">
+            <a:schemeClr val="tx1"/>
+          </a:fontRef>
+        </p:style>
+      </p:cxnSp>
+      <p:sp>
+        <p:nvSpPr>
+          <p:cNvPr id="21" name="TextBox 20">
+            <a:extLst>
+              <a:ext uri="{FF2B5EF4-FFF2-40B4-BE49-F238E27FC236}">
+                <a16:creationId xmlns:a16="http://schemas.microsoft.com/office/drawing/2014/main" id="{52688E64-0D2E-4D51-9357-9B5083C162FC}"/>
+              </a:ext>
+            </a:extLst>
+          </p:cNvPr>
+          <p:cNvSpPr txBox="1"/>
+          <p:nvPr/>
+        </p:nvSpPr>
+        <p:spPr>
+          <a:xfrm>
+            <a:off x="-224987" y="3244334"/>
+            <a:ext cx="1708483" cy="369332"/>
+          </a:xfrm>
+          <a:prstGeom prst="rect">
+            <a:avLst/>
+          </a:prstGeom>
+          <a:noFill/>
+        </p:spPr>
+        <p:txBody>
+          <a:bodyPr wrap="square" rtlCol="0">
+            <a:spAutoFit/>
+          </a:bodyPr>
+          <a:lstStyle/>
+          <a:p>
+            <a:r>
+              <a:rPr lang="en-US" dirty="0" err="1"/>
+              <a:t>maxX</a:t>
+            </a:r>
+            <a:r>
+              <a:rPr lang="en-US" dirty="0"/>
+              <a:t>/2</a:t>
+            </a:r>
+          </a:p>
+        </p:txBody>
+      </p:sp>
+      <p:cxnSp>
+        <p:nvCxnSpPr>
+          <p:cNvPr id="22" name="Straight Connector 21">
+            <a:extLst>
+              <a:ext uri="{FF2B5EF4-FFF2-40B4-BE49-F238E27FC236}">
+                <a16:creationId xmlns:a16="http://schemas.microsoft.com/office/drawing/2014/main" id="{28468721-B439-4D40-90B5-E2FFDC601FEA}"/>
+              </a:ext>
+            </a:extLst>
+          </p:cNvPr>
+          <p:cNvCxnSpPr>
+            <a:cxnSpLocks/>
+          </p:cNvCxnSpPr>
+          <p:nvPr/>
+        </p:nvCxnSpPr>
+        <p:spPr>
+          <a:xfrm flipH="1">
+            <a:off x="629254" y="2085472"/>
+            <a:ext cx="1466246" cy="0"/>
+          </a:xfrm>
+          <a:prstGeom prst="line">
+            <a:avLst/>
+          </a:prstGeom>
+          <a:ln w="28575">
+            <a:prstDash val="lgDash"/>
+          </a:ln>
+        </p:spPr>
+        <p:style>
+          <a:lnRef idx="1">
+            <a:schemeClr val="dk1"/>
+          </a:lnRef>
+          <a:fillRef idx="0">
+            <a:schemeClr val="dk1"/>
+          </a:fillRef>
+          <a:effectRef idx="0">
+            <a:schemeClr val="dk1"/>
+          </a:effectRef>
+          <a:fontRef idx="minor">
+            <a:schemeClr val="tx1"/>
+          </a:fontRef>
+        </p:style>
+      </p:cxnSp>
+      <p:sp>
+        <p:nvSpPr>
+          <p:cNvPr id="24" name="TextBox 23">
+            <a:extLst>
+              <a:ext uri="{FF2B5EF4-FFF2-40B4-BE49-F238E27FC236}">
+                <a16:creationId xmlns:a16="http://schemas.microsoft.com/office/drawing/2014/main" id="{D992A7CF-2B9E-46F7-B1BF-5F826E31E575}"/>
+              </a:ext>
+            </a:extLst>
+          </p:cNvPr>
+          <p:cNvSpPr txBox="1"/>
+          <p:nvPr/>
+        </p:nvSpPr>
+        <p:spPr>
+          <a:xfrm>
+            <a:off x="6096000" y="421562"/>
+            <a:ext cx="1708483" cy="369332"/>
+          </a:xfrm>
+          <a:prstGeom prst="rect">
+            <a:avLst/>
+          </a:prstGeom>
+          <a:noFill/>
+        </p:spPr>
+        <p:txBody>
+          <a:bodyPr wrap="square" rtlCol="0">
+            <a:spAutoFit/>
+          </a:bodyPr>
+          <a:lstStyle/>
+          <a:p>
+            <a:r>
+              <a:rPr lang="en-US" dirty="0" err="1"/>
+              <a:t>maxX</a:t>
+            </a:r>
+            <a:r>
+              <a:rPr lang="en-US" dirty="0"/>
+              <a:t>, </a:t>
+            </a:r>
+            <a:r>
+              <a:rPr lang="en-US" dirty="0" err="1"/>
+              <a:t>maxY</a:t>
+            </a:r>
+            <a:endParaRPr lang="en-US" dirty="0"/>
+          </a:p>
+        </p:txBody>
+      </p:sp>
+      <p:sp>
+        <p:nvSpPr>
+          <p:cNvPr id="25" name="TextBox 24">
+            <a:extLst>
+              <a:ext uri="{FF2B5EF4-FFF2-40B4-BE49-F238E27FC236}">
+                <a16:creationId xmlns:a16="http://schemas.microsoft.com/office/drawing/2014/main" id="{189BCDA2-4974-4ACF-8707-EBF63F1EDD1E}"/>
+              </a:ext>
+            </a:extLst>
+          </p:cNvPr>
+          <p:cNvSpPr txBox="1"/>
+          <p:nvPr/>
+        </p:nvSpPr>
+        <p:spPr>
+          <a:xfrm>
+            <a:off x="-908383" y="1874739"/>
+            <a:ext cx="1708483" cy="369332"/>
+          </a:xfrm>
+          <a:prstGeom prst="rect">
+            <a:avLst/>
+          </a:prstGeom>
+          <a:noFill/>
+        </p:spPr>
+        <p:txBody>
+          <a:bodyPr wrap="square" rtlCol="0">
+            <a:spAutoFit/>
+          </a:bodyPr>
+          <a:lstStyle/>
+          <a:p>
+            <a:r>
+              <a:rPr lang="en-US" dirty="0" err="1"/>
+              <a:t>maxX</a:t>
+            </a:r>
+            <a:r>
+              <a:rPr lang="en-US" dirty="0"/>
+              <a:t>-r/sqrt(2)</a:t>
+            </a:r>
+          </a:p>
+        </p:txBody>
+      </p:sp>
+      <p:grpSp>
+        <p:nvGrpSpPr>
+          <p:cNvPr id="6" name="Group 5">
+            <a:extLst>
+              <a:ext uri="{FF2B5EF4-FFF2-40B4-BE49-F238E27FC236}">
+                <a16:creationId xmlns:a16="http://schemas.microsoft.com/office/drawing/2014/main" id="{C2241BE6-E8F8-40FA-B5B8-4060636D9AAE}"/>
+              </a:ext>
+            </a:extLst>
+          </p:cNvPr>
+          <p:cNvGrpSpPr/>
+          <p:nvPr/>
+        </p:nvGrpSpPr>
+        <p:grpSpPr>
+          <a:xfrm>
+            <a:off x="3073382" y="3157943"/>
+            <a:ext cx="3405396" cy="3476820"/>
+            <a:chOff x="3152272" y="2478497"/>
+            <a:chExt cx="3356811" cy="3356811"/>
+          </a:xfrm>
+        </p:grpSpPr>
+        <p:sp>
+          <p:nvSpPr>
+            <p:cNvPr id="12" name="Oval 11">
+              <a:extLst>
+                <a:ext uri="{FF2B5EF4-FFF2-40B4-BE49-F238E27FC236}">
+                  <a16:creationId xmlns:a16="http://schemas.microsoft.com/office/drawing/2014/main" id="{5B78EF13-D1C8-48A1-9DD0-7D7256440FBA}"/>
+                </a:ext>
+              </a:extLst>
+            </p:cNvPr>
+            <p:cNvSpPr/>
+            <p:nvPr/>
+          </p:nvSpPr>
+          <p:spPr>
+            <a:xfrm>
+              <a:off x="3152272" y="2478497"/>
+              <a:ext cx="3356811" cy="3356811"/>
+            </a:xfrm>
+            <a:prstGeom prst="ellipse">
+              <a:avLst/>
+            </a:prstGeom>
+            <a:noFill/>
+            <a:ln w="57150">
+              <a:solidFill>
+                <a:schemeClr val="accent6">
+                  <a:lumMod val="50000"/>
+                </a:schemeClr>
+              </a:solidFill>
+              <a:prstDash val="sysDot"/>
+            </a:ln>
+          </p:spPr>
+          <p:style>
+            <a:lnRef idx="2">
+              <a:schemeClr val="accent1">
+                <a:shade val="50000"/>
+              </a:schemeClr>
+            </a:lnRef>
+            <a:fillRef idx="1">
+              <a:schemeClr val="accent1"/>
+            </a:fillRef>
+            <a:effectRef idx="0">
+              <a:schemeClr val="accent1"/>
+            </a:effectRef>
+            <a:fontRef idx="minor">
+              <a:schemeClr val="lt1"/>
+            </a:fontRef>
+          </p:style>
+          <p:txBody>
+            <a:bodyPr rtlCol="0" anchor="ctr"/>
+            <a:lstStyle/>
+            <a:p>
+              <a:pPr algn="ctr"/>
+              <a:endParaRPr lang="en-US" dirty="0"/>
+            </a:p>
+          </p:txBody>
+        </p:sp>
+        <p:cxnSp>
+          <p:nvCxnSpPr>
+            <p:cNvPr id="27" name="Straight Connector 26">
+              <a:extLst>
+                <a:ext uri="{FF2B5EF4-FFF2-40B4-BE49-F238E27FC236}">
+                  <a16:creationId xmlns:a16="http://schemas.microsoft.com/office/drawing/2014/main" id="{C791E714-5472-4995-82F7-06DF1FECCBE5}"/>
+                </a:ext>
+              </a:extLst>
+            </p:cNvPr>
+            <p:cNvCxnSpPr/>
+            <p:nvPr/>
+          </p:nvCxnSpPr>
+          <p:spPr>
+            <a:xfrm>
+              <a:off x="4890837" y="4096748"/>
+              <a:ext cx="1598194" cy="0"/>
+            </a:xfrm>
+            <a:prstGeom prst="line">
+              <a:avLst/>
+            </a:prstGeom>
+            <a:ln w="38100">
+              <a:solidFill>
+                <a:schemeClr val="tx1"/>
+              </a:solidFill>
+            </a:ln>
+          </p:spPr>
+          <p:style>
+            <a:lnRef idx="1">
+              <a:schemeClr val="accent1"/>
+            </a:lnRef>
+            <a:fillRef idx="0">
+              <a:schemeClr val="accent1"/>
+            </a:fillRef>
+            <a:effectRef idx="0">
+              <a:schemeClr val="accent1"/>
+            </a:effectRef>
+            <a:fontRef idx="minor">
+              <a:schemeClr val="tx1"/>
+            </a:fontRef>
+          </p:style>
+        </p:cxnSp>
+        <p:sp>
+          <p:nvSpPr>
+            <p:cNvPr id="28" name="TextBox 27">
+              <a:extLst>
+                <a:ext uri="{FF2B5EF4-FFF2-40B4-BE49-F238E27FC236}">
+                  <a16:creationId xmlns:a16="http://schemas.microsoft.com/office/drawing/2014/main" id="{8CE2D5AC-8999-4A2A-87FB-0174A5F04D45}"/>
+                </a:ext>
+              </a:extLst>
+            </p:cNvPr>
+            <p:cNvSpPr txBox="1"/>
+            <p:nvPr/>
+          </p:nvSpPr>
+          <p:spPr>
+            <a:xfrm>
+              <a:off x="5466345" y="3656945"/>
+              <a:ext cx="914400" cy="369332"/>
+            </a:xfrm>
+            <a:prstGeom prst="rect">
+              <a:avLst/>
+            </a:prstGeom>
+            <a:noFill/>
+          </p:spPr>
+          <p:txBody>
+            <a:bodyPr wrap="square" rtlCol="0">
+              <a:spAutoFit/>
+            </a:bodyPr>
+            <a:lstStyle/>
+            <a:p>
+              <a:r>
+                <a:rPr lang="en-US" dirty="0"/>
+                <a:t>r</a:t>
+              </a:r>
+            </a:p>
+          </p:txBody>
+        </p:sp>
+      </p:grpSp>
+      <p:sp>
+        <p:nvSpPr>
+          <p:cNvPr id="30" name="Oval 29">
+            <a:extLst>
+              <a:ext uri="{FF2B5EF4-FFF2-40B4-BE49-F238E27FC236}">
+                <a16:creationId xmlns:a16="http://schemas.microsoft.com/office/drawing/2014/main" id="{D603B500-B3F2-472C-B055-F596106B143A}"/>
+              </a:ext>
+            </a:extLst>
+          </p:cNvPr>
+          <p:cNvSpPr/>
+          <p:nvPr/>
+        </p:nvSpPr>
+        <p:spPr>
+          <a:xfrm>
+            <a:off x="3740471" y="805786"/>
+            <a:ext cx="166594" cy="166594"/>
+          </a:xfrm>
+          <a:prstGeom prst="ellipse">
+            <a:avLst/>
+          </a:prstGeom>
+          <a:solidFill>
+            <a:srgbClr val="FF0000"/>
+          </a:solidFill>
+          <a:ln>
+            <a:solidFill>
+              <a:srgbClr val="FF0000"/>
+            </a:solidFill>
+          </a:ln>
+        </p:spPr>
+        <p:style>
+          <a:lnRef idx="2">
+            <a:schemeClr val="accent1">
+              <a:shade val="50000"/>
+            </a:schemeClr>
+          </a:lnRef>
+          <a:fillRef idx="1">
+            <a:schemeClr val="accent1"/>
+          </a:fillRef>
+          <a:effectRef idx="0">
+            <a:schemeClr val="accent1"/>
+          </a:effectRef>
+          <a:fontRef idx="minor">
+            <a:schemeClr val="lt1"/>
+          </a:fontRef>
+        </p:style>
+        <p:txBody>
+          <a:bodyPr rtlCol="0" anchor="ctr"/>
+          <a:lstStyle/>
+          <a:p>
+            <a:pPr algn="ctr"/>
+            <a:endParaRPr lang="en-US"/>
+          </a:p>
+        </p:txBody>
+      </p:sp>
+      <p:grpSp>
+        <p:nvGrpSpPr>
+          <p:cNvPr id="9" name="Group 8">
+            <a:extLst>
+              <a:ext uri="{FF2B5EF4-FFF2-40B4-BE49-F238E27FC236}">
+                <a16:creationId xmlns:a16="http://schemas.microsoft.com/office/drawing/2014/main" id="{2D589636-38C1-4DCF-80CA-EBAF6D96F908}"/>
+              </a:ext>
+            </a:extLst>
+          </p:cNvPr>
+          <p:cNvGrpSpPr/>
+          <p:nvPr/>
+        </p:nvGrpSpPr>
+        <p:grpSpPr>
+          <a:xfrm>
+            <a:off x="5550696" y="5600306"/>
+            <a:ext cx="896180" cy="896180"/>
+            <a:chOff x="1666877" y="1108409"/>
+            <a:chExt cx="896180" cy="896180"/>
+          </a:xfrm>
+        </p:grpSpPr>
+        <p:grpSp>
+          <p:nvGrpSpPr>
+            <p:cNvPr id="3" name="Group 2">
+              <a:extLst>
+                <a:ext uri="{FF2B5EF4-FFF2-40B4-BE49-F238E27FC236}">
+                  <a16:creationId xmlns:a16="http://schemas.microsoft.com/office/drawing/2014/main" id="{8DF3BB45-8F95-4A79-8913-2BDB6228F55A}"/>
+                </a:ext>
+              </a:extLst>
+            </p:cNvPr>
+            <p:cNvGrpSpPr/>
+            <p:nvPr/>
+          </p:nvGrpSpPr>
+          <p:grpSpPr>
+            <a:xfrm>
+              <a:off x="1666877" y="1108409"/>
+              <a:ext cx="896180" cy="896180"/>
+              <a:chOff x="5015560" y="2202541"/>
+              <a:chExt cx="2171701" cy="2171701"/>
+            </a:xfrm>
+          </p:grpSpPr>
+          <p:sp>
+            <p:nvSpPr>
+              <p:cNvPr id="20" name="Oval 19">
+                <a:extLst>
+                  <a:ext uri="{FF2B5EF4-FFF2-40B4-BE49-F238E27FC236}">
+                    <a16:creationId xmlns:a16="http://schemas.microsoft.com/office/drawing/2014/main" id="{821314B7-82F3-4FCB-92DA-2BCB662673EB}"/>
+                  </a:ext>
+                </a:extLst>
+              </p:cNvPr>
+              <p:cNvSpPr/>
+              <p:nvPr/>
+            </p:nvSpPr>
+            <p:spPr>
+              <a:xfrm>
+                <a:off x="5015560" y="2202541"/>
+                <a:ext cx="2171701" cy="2171701"/>
+              </a:xfrm>
+              <a:prstGeom prst="ellipse">
+                <a:avLst/>
+              </a:prstGeom>
+              <a:noFill/>
+              <a:ln w="57150">
+                <a:solidFill>
+                  <a:schemeClr val="accent6"/>
+                </a:solidFill>
+                <a:prstDash val="sysDot"/>
+              </a:ln>
+            </p:spPr>
+            <p:style>
+              <a:lnRef idx="2">
+                <a:schemeClr val="accent1">
+                  <a:shade val="50000"/>
+                </a:schemeClr>
+              </a:lnRef>
+              <a:fillRef idx="1">
+                <a:schemeClr val="accent1"/>
+              </a:fillRef>
+              <a:effectRef idx="0">
+                <a:schemeClr val="accent1"/>
+              </a:effectRef>
+              <a:fontRef idx="minor">
+                <a:schemeClr val="lt1"/>
+              </a:fontRef>
+            </p:style>
+            <p:txBody>
+              <a:bodyPr rtlCol="0" anchor="ctr"/>
+              <a:lstStyle/>
+              <a:p>
+                <a:pPr algn="ctr"/>
+                <a:endParaRPr lang="en-US"/>
+              </a:p>
+            </p:txBody>
+          </p:sp>
+          <p:sp>
+            <p:nvSpPr>
+              <p:cNvPr id="23" name="Oval 22">
+                <a:extLst>
+                  <a:ext uri="{FF2B5EF4-FFF2-40B4-BE49-F238E27FC236}">
+                    <a16:creationId xmlns:a16="http://schemas.microsoft.com/office/drawing/2014/main" id="{2B528D38-621C-4DE2-9AE2-72AE8759570E}"/>
+                  </a:ext>
+                </a:extLst>
+              </p:cNvPr>
+              <p:cNvSpPr/>
+              <p:nvPr/>
+            </p:nvSpPr>
+            <p:spPr>
+              <a:xfrm>
+                <a:off x="5963848" y="3100957"/>
+                <a:ext cx="310817" cy="310817"/>
+              </a:xfrm>
+              <a:prstGeom prst="ellipse">
+                <a:avLst/>
+              </a:prstGeom>
+              <a:solidFill>
+                <a:schemeClr val="accent6"/>
+              </a:solidFill>
+              <a:ln w="57150">
+                <a:noFill/>
+                <a:prstDash val="sysDot"/>
+              </a:ln>
+            </p:spPr>
+            <p:style>
+              <a:lnRef idx="2">
+                <a:schemeClr val="accent1">
+                  <a:shade val="50000"/>
+                </a:schemeClr>
+              </a:lnRef>
+              <a:fillRef idx="1">
+                <a:schemeClr val="accent1"/>
+              </a:fillRef>
+              <a:effectRef idx="0">
+                <a:schemeClr val="accent1"/>
+              </a:effectRef>
+              <a:fontRef idx="minor">
+                <a:schemeClr val="lt1"/>
+              </a:fontRef>
+            </p:style>
+            <p:txBody>
+              <a:bodyPr rtlCol="0" anchor="ctr"/>
+              <a:lstStyle/>
+              <a:p>
+                <a:pPr algn="ctr"/>
+                <a:endParaRPr lang="en-US"/>
+              </a:p>
+            </p:txBody>
+          </p:sp>
+        </p:grpSp>
+        <p:sp>
+          <p:nvSpPr>
+            <p:cNvPr id="34" name="Oval 33">
+              <a:extLst>
+                <a:ext uri="{FF2B5EF4-FFF2-40B4-BE49-F238E27FC236}">
+                  <a16:creationId xmlns:a16="http://schemas.microsoft.com/office/drawing/2014/main" id="{E6152DB9-5A20-42B7-AC01-8FCA93C5782B}"/>
+                </a:ext>
+              </a:extLst>
+            </p:cNvPr>
+            <p:cNvSpPr/>
+            <p:nvPr/>
+          </p:nvSpPr>
+          <p:spPr>
+            <a:xfrm>
+              <a:off x="1945433" y="1386965"/>
+              <a:ext cx="339069" cy="339069"/>
+            </a:xfrm>
+            <a:prstGeom prst="ellipse">
+              <a:avLst/>
+            </a:prstGeom>
+            <a:solidFill>
+              <a:schemeClr val="accent6"/>
+            </a:solidFill>
+            <a:ln w="57150">
+              <a:noFill/>
+              <a:prstDash val="sysDot"/>
+            </a:ln>
+          </p:spPr>
+          <p:style>
+            <a:lnRef idx="2">
+              <a:schemeClr val="accent1">
+                <a:shade val="50000"/>
+              </a:schemeClr>
+            </a:lnRef>
+            <a:fillRef idx="1">
+              <a:schemeClr val="accent1"/>
+            </a:fillRef>
+            <a:effectRef idx="0">
+              <a:schemeClr val="accent1"/>
+            </a:effectRef>
+            <a:fontRef idx="minor">
+              <a:schemeClr val="lt1"/>
+            </a:fontRef>
+          </p:style>
+          <p:txBody>
+            <a:bodyPr rtlCol="0" anchor="ctr"/>
+            <a:lstStyle/>
+            <a:p>
+              <a:pPr algn="ctr"/>
+              <a:endParaRPr lang="en-US"/>
+            </a:p>
+          </p:txBody>
+        </p:sp>
+      </p:grpSp>
+    </p:spTree>
+    <p:extLst>
+      <p:ext uri="{BB962C8B-B14F-4D97-AF65-F5344CB8AC3E}">
+        <p14:creationId xmlns:p14="http://schemas.microsoft.com/office/powerpoint/2010/main" val="1523856985"/>
+      </p:ext>
+    </p:extLst>
+  </p:cSld>
+  <p:clrMapOvr>
+    <a:masterClrMapping/>
+  </p:clrMapOvr>
+</p:sld>
+</file>
+
+<file path=ppt/slides/slide5.xml><?xml version="1.0" encoding="utf-8"?>
+<p:sld xmlns:a="http://schemas.openxmlformats.org/drawingml/2006/main" xmlns:r="http://schemas.openxmlformats.org/officeDocument/2006/relationships" xmlns:p="http://schemas.openxmlformats.org/presentationml/2006/main">
+  <p:cSld>
+    <p:spTree>
+      <p:nvGrpSpPr>
+        <p:cNvPr id="1" name=""/>
+        <p:cNvGrpSpPr/>
+        <p:nvPr/>
+      </p:nvGrpSpPr>
+      <p:grpSpPr>
+        <a:xfrm>
+          <a:off x="0" y="0"/>
+          <a:ext cx="0" cy="0"/>
+          <a:chOff x="0" y="0"/>
+          <a:chExt cx="0" cy="0"/>
+        </a:xfrm>
+      </p:grpSpPr>
+      <p:sp>
+        <p:nvSpPr>
+          <p:cNvPr id="4" name="Rectangle 3">
+            <a:extLst>
+              <a:ext uri="{FF2B5EF4-FFF2-40B4-BE49-F238E27FC236}">
+                <a16:creationId xmlns:a16="http://schemas.microsoft.com/office/drawing/2014/main" id="{39EE2A28-404B-4142-B3F9-2DA0FD9F6764}"/>
+              </a:ext>
+            </a:extLst>
+          </p:cNvPr>
+          <p:cNvSpPr/>
+          <p:nvPr/>
+        </p:nvSpPr>
+        <p:spPr>
+          <a:xfrm>
+            <a:off x="844112" y="830179"/>
+            <a:ext cx="5229726" cy="5229726"/>
+          </a:xfrm>
+          <a:prstGeom prst="rect">
+            <a:avLst/>
+          </a:prstGeom>
+          <a:solidFill>
+            <a:schemeClr val="accent1">
+              <a:lumMod val="20000"/>
+              <a:lumOff val="80000"/>
+            </a:schemeClr>
+          </a:solidFill>
+          <a:ln w="38100"/>
+        </p:spPr>
+        <p:style>
+          <a:lnRef idx="2">
+            <a:schemeClr val="accent1">
+              <a:shade val="50000"/>
+            </a:schemeClr>
+          </a:lnRef>
+          <a:fillRef idx="1">
+            <a:schemeClr val="accent1"/>
+          </a:fillRef>
+          <a:effectRef idx="0">
+            <a:schemeClr val="accent1"/>
+          </a:effectRef>
+          <a:fontRef idx="minor">
+            <a:schemeClr val="lt1"/>
+          </a:fontRef>
+        </p:style>
+        <p:txBody>
+          <a:bodyPr rtlCol="0" anchor="ctr"/>
+          <a:lstStyle/>
+          <a:p>
+            <a:pPr algn="ctr"/>
+            <a:endParaRPr lang="en-US"/>
+          </a:p>
+        </p:txBody>
+      </p:sp>
+      <p:sp>
+        <p:nvSpPr>
+          <p:cNvPr id="5" name="Rectangle 4">
+            <a:extLst>
+              <a:ext uri="{FF2B5EF4-FFF2-40B4-BE49-F238E27FC236}">
+                <a16:creationId xmlns:a16="http://schemas.microsoft.com/office/drawing/2014/main" id="{64F5CA3A-C0E5-4CC5-8EFE-C335C72A005D}"/>
+              </a:ext>
+            </a:extLst>
+          </p:cNvPr>
+          <p:cNvSpPr/>
+          <p:nvPr/>
+        </p:nvSpPr>
+        <p:spPr>
+          <a:xfrm>
+            <a:off x="1381540" y="1452852"/>
+            <a:ext cx="4151067" cy="3980368"/>
+          </a:xfrm>
+          <a:prstGeom prst="rect">
+            <a:avLst/>
+          </a:prstGeom>
+          <a:solidFill>
+            <a:schemeClr val="accent6">
+              <a:lumMod val="20000"/>
+              <a:lumOff val="80000"/>
+            </a:schemeClr>
+          </a:solidFill>
+          <a:ln w="38100">
+            <a:solidFill>
+              <a:schemeClr val="accent6">
+                <a:lumMod val="50000"/>
+              </a:schemeClr>
+            </a:solidFill>
+          </a:ln>
+        </p:spPr>
+        <p:style>
+          <a:lnRef idx="2">
+            <a:schemeClr val="accent1">
+              <a:shade val="50000"/>
+            </a:schemeClr>
+          </a:lnRef>
+          <a:fillRef idx="1">
+            <a:schemeClr val="accent1"/>
+          </a:fillRef>
+          <a:effectRef idx="0">
+            <a:schemeClr val="accent1"/>
+          </a:effectRef>
+          <a:fontRef idx="minor">
+            <a:schemeClr val="lt1"/>
+          </a:fontRef>
+        </p:style>
+        <p:txBody>
+          <a:bodyPr rtlCol="0" anchor="ctr"/>
+          <a:lstStyle/>
+          <a:p>
+            <a:pPr algn="ctr"/>
+            <a:endParaRPr lang="en-US"/>
+          </a:p>
+        </p:txBody>
+      </p:sp>
+      <p:sp>
+        <p:nvSpPr>
+          <p:cNvPr id="26" name="Rectangle 25">
+            <a:extLst>
+              <a:ext uri="{FF2B5EF4-FFF2-40B4-BE49-F238E27FC236}">
+                <a16:creationId xmlns:a16="http://schemas.microsoft.com/office/drawing/2014/main" id="{91C403EC-C1CE-421F-A68E-CFB0A1811225}"/>
+              </a:ext>
+            </a:extLst>
+          </p:cNvPr>
+          <p:cNvSpPr/>
+          <p:nvPr/>
+        </p:nvSpPr>
+        <p:spPr>
+          <a:xfrm>
+            <a:off x="1743634" y="1810680"/>
+            <a:ext cx="3404719" cy="3264711"/>
+          </a:xfrm>
+          <a:prstGeom prst="rect">
+            <a:avLst/>
+          </a:prstGeom>
+          <a:solidFill>
+            <a:schemeClr val="accent4">
+              <a:lumMod val="20000"/>
+              <a:lumOff val="80000"/>
+            </a:schemeClr>
+          </a:solidFill>
+          <a:ln w="38100">
+            <a:solidFill>
+              <a:schemeClr val="accent6">
+                <a:lumMod val="50000"/>
+              </a:schemeClr>
+            </a:solidFill>
+          </a:ln>
+        </p:spPr>
+        <p:style>
+          <a:lnRef idx="2">
+            <a:schemeClr val="accent1">
+              <a:shade val="50000"/>
+            </a:schemeClr>
+          </a:lnRef>
+          <a:fillRef idx="1">
+            <a:schemeClr val="accent1"/>
+          </a:fillRef>
+          <a:effectRef idx="0">
+            <a:schemeClr val="accent1"/>
+          </a:effectRef>
+          <a:fontRef idx="minor">
+            <a:schemeClr val="lt1"/>
+          </a:fontRef>
+        </p:style>
+        <p:txBody>
+          <a:bodyPr rtlCol="0" anchor="ctr"/>
+          <a:lstStyle/>
+          <a:p>
+            <a:pPr algn="ctr"/>
+            <a:endParaRPr lang="en-US"/>
+          </a:p>
+        </p:txBody>
+      </p:sp>
+      <p:cxnSp>
+        <p:nvCxnSpPr>
+          <p:cNvPr id="7" name="Straight Connector 6">
+            <a:extLst>
+              <a:ext uri="{FF2B5EF4-FFF2-40B4-BE49-F238E27FC236}">
+                <a16:creationId xmlns:a16="http://schemas.microsoft.com/office/drawing/2014/main" id="{26171733-5BA8-4D84-8B2B-8D0B50E54DE7}"/>
+              </a:ext>
+            </a:extLst>
+          </p:cNvPr>
+          <p:cNvCxnSpPr/>
+          <p:nvPr/>
+        </p:nvCxnSpPr>
+        <p:spPr>
+          <a:xfrm flipV="1">
+            <a:off x="866274" y="830179"/>
+            <a:ext cx="5229726" cy="5229726"/>
+          </a:xfrm>
+          <a:prstGeom prst="line">
+            <a:avLst/>
+          </a:prstGeom>
+          <a:ln w="76200">
+            <a:solidFill>
+              <a:srgbClr val="FF0000"/>
+            </a:solidFill>
+          </a:ln>
+        </p:spPr>
+        <p:style>
+          <a:lnRef idx="1">
+            <a:schemeClr val="accent1"/>
+          </a:lnRef>
+          <a:fillRef idx="0">
+            <a:schemeClr val="accent1"/>
+          </a:fillRef>
+          <a:effectRef idx="0">
+            <a:schemeClr val="accent1"/>
+          </a:effectRef>
+          <a:fontRef idx="minor">
+            <a:schemeClr val="tx1"/>
+          </a:fontRef>
+        </p:style>
+      </p:cxnSp>
+      <p:cxnSp>
+        <p:nvCxnSpPr>
+          <p:cNvPr id="10" name="Straight Connector 9">
+            <a:extLst>
+              <a:ext uri="{FF2B5EF4-FFF2-40B4-BE49-F238E27FC236}">
+                <a16:creationId xmlns:a16="http://schemas.microsoft.com/office/drawing/2014/main" id="{8986D81B-5368-4625-9B70-978CA656AB98}"/>
+              </a:ext>
+            </a:extLst>
+          </p:cNvPr>
+          <p:cNvCxnSpPr>
+            <a:cxnSpLocks/>
+          </p:cNvCxnSpPr>
+          <p:nvPr/>
+        </p:nvCxnSpPr>
+        <p:spPr>
+          <a:xfrm>
+            <a:off x="1386779" y="1485144"/>
+            <a:ext cx="4091998" cy="3916818"/>
+          </a:xfrm>
+          <a:prstGeom prst="line">
+            <a:avLst/>
+          </a:prstGeom>
+          <a:ln w="76200">
+            <a:solidFill>
+              <a:schemeClr val="accent6">
+                <a:lumMod val="50000"/>
+              </a:schemeClr>
+            </a:solidFill>
+          </a:ln>
+        </p:spPr>
+        <p:style>
+          <a:lnRef idx="1">
+            <a:schemeClr val="accent1"/>
+          </a:lnRef>
+          <a:fillRef idx="0">
+            <a:schemeClr val="accent1"/>
+          </a:fillRef>
+          <a:effectRef idx="0">
+            <a:schemeClr val="accent1"/>
+          </a:effectRef>
+          <a:fontRef idx="minor">
+            <a:schemeClr val="tx1"/>
+          </a:fontRef>
+        </p:style>
+      </p:cxnSp>
+      <p:sp>
+        <p:nvSpPr>
+          <p:cNvPr id="13" name="TextBox 12">
+            <a:extLst>
+              <a:ext uri="{FF2B5EF4-FFF2-40B4-BE49-F238E27FC236}">
+                <a16:creationId xmlns:a16="http://schemas.microsoft.com/office/drawing/2014/main" id="{7CF133E3-6E66-429A-A45E-B79D3B5EAFE1}"/>
+              </a:ext>
+            </a:extLst>
+          </p:cNvPr>
+          <p:cNvSpPr txBox="1"/>
+          <p:nvPr/>
+        </p:nvSpPr>
+        <p:spPr>
+          <a:xfrm>
+            <a:off x="338088" y="6059905"/>
+            <a:ext cx="1056372" cy="369332"/>
+          </a:xfrm>
+          <a:prstGeom prst="rect">
+            <a:avLst/>
+          </a:prstGeom>
+          <a:noFill/>
+        </p:spPr>
+        <p:txBody>
+          <a:bodyPr wrap="square" rtlCol="0">
+            <a:spAutoFit/>
+          </a:bodyPr>
+          <a:lstStyle/>
+          <a:p>
+            <a:r>
+              <a:rPr lang="en-US" dirty="0"/>
+              <a:t>0,0</a:t>
+            </a:r>
+          </a:p>
+        </p:txBody>
+      </p:sp>
+      <p:cxnSp>
+        <p:nvCxnSpPr>
+          <p:cNvPr id="15" name="Straight Connector 14">
+            <a:extLst>
+              <a:ext uri="{FF2B5EF4-FFF2-40B4-BE49-F238E27FC236}">
+                <a16:creationId xmlns:a16="http://schemas.microsoft.com/office/drawing/2014/main" id="{E8FE2B50-01DC-4CB9-9D34-4A8BCE8A47D2}"/>
+              </a:ext>
+            </a:extLst>
+          </p:cNvPr>
+          <p:cNvCxnSpPr>
+            <a:cxnSpLocks/>
+          </p:cNvCxnSpPr>
+          <p:nvPr/>
+        </p:nvCxnSpPr>
+        <p:spPr>
+          <a:xfrm flipH="1">
+            <a:off x="-130621" y="5497284"/>
+            <a:ext cx="1499672" cy="0"/>
+          </a:xfrm>
+          <a:prstGeom prst="line">
+            <a:avLst/>
+          </a:prstGeom>
+          <a:ln w="28575">
+            <a:prstDash val="lgDash"/>
+          </a:ln>
+        </p:spPr>
+        <p:style>
+          <a:lnRef idx="1">
+            <a:schemeClr val="dk1"/>
+          </a:lnRef>
+          <a:fillRef idx="0">
+            <a:schemeClr val="dk1"/>
+          </a:fillRef>
+          <a:effectRef idx="0">
+            <a:schemeClr val="dk1"/>
+          </a:effectRef>
+          <a:fontRef idx="minor">
+            <a:schemeClr val="tx1"/>
+          </a:fontRef>
+        </p:style>
+      </p:cxnSp>
+      <p:sp>
+        <p:nvSpPr>
+          <p:cNvPr id="17" name="TextBox 16">
+            <a:extLst>
+              <a:ext uri="{FF2B5EF4-FFF2-40B4-BE49-F238E27FC236}">
+                <a16:creationId xmlns:a16="http://schemas.microsoft.com/office/drawing/2014/main" id="{3825490F-D6D8-4D04-8275-77AA8CE98ED5}"/>
+              </a:ext>
+            </a:extLst>
+          </p:cNvPr>
+          <p:cNvSpPr txBox="1"/>
+          <p:nvPr/>
+        </p:nvSpPr>
+        <p:spPr>
+          <a:xfrm>
+            <a:off x="-1120132" y="5312618"/>
+            <a:ext cx="1708483" cy="369332"/>
+          </a:xfrm>
+          <a:prstGeom prst="rect">
+            <a:avLst/>
+          </a:prstGeom>
+          <a:noFill/>
+        </p:spPr>
+        <p:txBody>
+          <a:bodyPr wrap="square" rtlCol="0">
+            <a:spAutoFit/>
+          </a:bodyPr>
+          <a:lstStyle/>
+          <a:p>
+            <a:r>
+              <a:rPr lang="en-US" dirty="0"/>
+              <a:t>r/sqrt(2)</a:t>
+            </a:r>
+          </a:p>
+        </p:txBody>
+      </p:sp>
+      <p:cxnSp>
+        <p:nvCxnSpPr>
+          <p:cNvPr id="19" name="Straight Connector 18">
+            <a:extLst>
+              <a:ext uri="{FF2B5EF4-FFF2-40B4-BE49-F238E27FC236}">
+                <a16:creationId xmlns:a16="http://schemas.microsoft.com/office/drawing/2014/main" id="{7E138962-7035-4771-9F7D-38A521656B23}"/>
+              </a:ext>
+            </a:extLst>
+          </p:cNvPr>
+          <p:cNvCxnSpPr>
+            <a:cxnSpLocks/>
+          </p:cNvCxnSpPr>
+          <p:nvPr/>
+        </p:nvCxnSpPr>
+        <p:spPr>
+          <a:xfrm flipH="1">
+            <a:off x="-184475" y="3443036"/>
+            <a:ext cx="3619387" cy="0"/>
+          </a:xfrm>
+          <a:prstGeom prst="line">
+            <a:avLst/>
+          </a:prstGeom>
+          <a:ln w="28575">
+            <a:prstDash val="lgDash"/>
+          </a:ln>
+        </p:spPr>
+        <p:style>
+          <a:lnRef idx="1">
+            <a:schemeClr val="dk1"/>
+          </a:lnRef>
+          <a:fillRef idx="0">
+            <a:schemeClr val="dk1"/>
+          </a:fillRef>
+          <a:effectRef idx="0">
+            <a:schemeClr val="dk1"/>
+          </a:effectRef>
+          <a:fontRef idx="minor">
+            <a:schemeClr val="tx1"/>
+          </a:fontRef>
+        </p:style>
+      </p:cxnSp>
+      <p:sp>
+        <p:nvSpPr>
+          <p:cNvPr id="21" name="TextBox 20">
+            <a:extLst>
+              <a:ext uri="{FF2B5EF4-FFF2-40B4-BE49-F238E27FC236}">
+                <a16:creationId xmlns:a16="http://schemas.microsoft.com/office/drawing/2014/main" id="{52688E64-0D2E-4D51-9357-9B5083C162FC}"/>
+              </a:ext>
+            </a:extLst>
+          </p:cNvPr>
+          <p:cNvSpPr txBox="1"/>
+          <p:nvPr/>
+        </p:nvSpPr>
+        <p:spPr>
+          <a:xfrm>
+            <a:off x="-1119736" y="3244334"/>
+            <a:ext cx="1708483" cy="369332"/>
+          </a:xfrm>
+          <a:prstGeom prst="rect">
+            <a:avLst/>
+          </a:prstGeom>
+          <a:noFill/>
+        </p:spPr>
+        <p:txBody>
+          <a:bodyPr wrap="square" rtlCol="0">
+            <a:spAutoFit/>
+          </a:bodyPr>
+          <a:lstStyle/>
+          <a:p>
+            <a:r>
+              <a:rPr lang="en-US" dirty="0" err="1"/>
+              <a:t>maxX</a:t>
+            </a:r>
+            <a:r>
+              <a:rPr lang="en-US" dirty="0"/>
+              <a:t>/2</a:t>
+            </a:r>
+          </a:p>
+        </p:txBody>
+      </p:sp>
+      <p:cxnSp>
+        <p:nvCxnSpPr>
+          <p:cNvPr id="22" name="Straight Connector 21">
+            <a:extLst>
+              <a:ext uri="{FF2B5EF4-FFF2-40B4-BE49-F238E27FC236}">
+                <a16:creationId xmlns:a16="http://schemas.microsoft.com/office/drawing/2014/main" id="{28468721-B439-4D40-90B5-E2FFDC601FEA}"/>
+              </a:ext>
+            </a:extLst>
+          </p:cNvPr>
+          <p:cNvCxnSpPr>
+            <a:cxnSpLocks/>
+          </p:cNvCxnSpPr>
+          <p:nvPr/>
+        </p:nvCxnSpPr>
+        <p:spPr>
+          <a:xfrm flipH="1">
+            <a:off x="-158710" y="1452852"/>
+            <a:ext cx="1466246" cy="0"/>
+          </a:xfrm>
+          <a:prstGeom prst="line">
+            <a:avLst/>
+          </a:prstGeom>
+          <a:ln w="28575">
+            <a:prstDash val="lgDash"/>
+          </a:ln>
+        </p:spPr>
+        <p:style>
+          <a:lnRef idx="1">
+            <a:schemeClr val="dk1"/>
+          </a:lnRef>
+          <a:fillRef idx="0">
+            <a:schemeClr val="dk1"/>
+          </a:fillRef>
+          <a:effectRef idx="0">
+            <a:schemeClr val="dk1"/>
+          </a:effectRef>
+          <a:fontRef idx="minor">
+            <a:schemeClr val="tx1"/>
+          </a:fontRef>
+        </p:style>
+      </p:cxnSp>
+      <p:sp>
+        <p:nvSpPr>
+          <p:cNvPr id="24" name="TextBox 23">
+            <a:extLst>
+              <a:ext uri="{FF2B5EF4-FFF2-40B4-BE49-F238E27FC236}">
+                <a16:creationId xmlns:a16="http://schemas.microsoft.com/office/drawing/2014/main" id="{D992A7CF-2B9E-46F7-B1BF-5F826E31E575}"/>
+              </a:ext>
+            </a:extLst>
+          </p:cNvPr>
+          <p:cNvSpPr txBox="1"/>
+          <p:nvPr/>
+        </p:nvSpPr>
+        <p:spPr>
+          <a:xfrm>
+            <a:off x="6096000" y="421562"/>
+            <a:ext cx="1708483" cy="369332"/>
+          </a:xfrm>
+          <a:prstGeom prst="rect">
+            <a:avLst/>
+          </a:prstGeom>
+          <a:noFill/>
+        </p:spPr>
+        <p:txBody>
+          <a:bodyPr wrap="square" rtlCol="0">
+            <a:spAutoFit/>
+          </a:bodyPr>
+          <a:lstStyle/>
+          <a:p>
+            <a:r>
+              <a:rPr lang="en-US" dirty="0" err="1"/>
+              <a:t>maxX</a:t>
+            </a:r>
+            <a:r>
+              <a:rPr lang="en-US" dirty="0"/>
+              <a:t>, </a:t>
+            </a:r>
+            <a:r>
+              <a:rPr lang="en-US" dirty="0" err="1"/>
+              <a:t>maxY</a:t>
+            </a:r>
+            <a:endParaRPr lang="en-US" dirty="0"/>
+          </a:p>
+        </p:txBody>
+      </p:sp>
+      <p:sp>
+        <p:nvSpPr>
+          <p:cNvPr id="25" name="TextBox 24">
+            <a:extLst>
+              <a:ext uri="{FF2B5EF4-FFF2-40B4-BE49-F238E27FC236}">
+                <a16:creationId xmlns:a16="http://schemas.microsoft.com/office/drawing/2014/main" id="{189BCDA2-4974-4ACF-8707-EBF63F1EDD1E}"/>
+              </a:ext>
+            </a:extLst>
+          </p:cNvPr>
+          <p:cNvSpPr txBox="1"/>
+          <p:nvPr/>
+        </p:nvSpPr>
+        <p:spPr>
+          <a:xfrm>
+            <a:off x="-1696347" y="1242119"/>
+            <a:ext cx="1708483" cy="369332"/>
+          </a:xfrm>
+          <a:prstGeom prst="rect">
+            <a:avLst/>
+          </a:prstGeom>
+          <a:noFill/>
+        </p:spPr>
+        <p:txBody>
+          <a:bodyPr wrap="square" rtlCol="0">
+            <a:spAutoFit/>
+          </a:bodyPr>
+          <a:lstStyle/>
+          <a:p>
+            <a:r>
+              <a:rPr lang="en-US" dirty="0" err="1"/>
+              <a:t>maxX</a:t>
+            </a:r>
+            <a:r>
+              <a:rPr lang="en-US" dirty="0"/>
+              <a:t>-r/sqrt(2)</a:t>
+            </a:r>
+          </a:p>
+        </p:txBody>
+      </p:sp>
+      <p:grpSp>
+        <p:nvGrpSpPr>
+          <p:cNvPr id="6" name="Group 5">
+            <a:extLst>
+              <a:ext uri="{FF2B5EF4-FFF2-40B4-BE49-F238E27FC236}">
+                <a16:creationId xmlns:a16="http://schemas.microsoft.com/office/drawing/2014/main" id="{C2241BE6-E8F8-40FA-B5B8-4060636D9AAE}"/>
+              </a:ext>
+            </a:extLst>
+          </p:cNvPr>
+          <p:cNvGrpSpPr/>
+          <p:nvPr/>
+        </p:nvGrpSpPr>
+        <p:grpSpPr>
+          <a:xfrm>
+            <a:off x="4248227" y="978278"/>
+            <a:ext cx="1708482" cy="1744316"/>
+            <a:chOff x="3152272" y="2478497"/>
+            <a:chExt cx="3356811" cy="3356811"/>
+          </a:xfrm>
+        </p:grpSpPr>
+        <p:sp>
+          <p:nvSpPr>
+            <p:cNvPr id="12" name="Oval 11">
+              <a:extLst>
+                <a:ext uri="{FF2B5EF4-FFF2-40B4-BE49-F238E27FC236}">
+                  <a16:creationId xmlns:a16="http://schemas.microsoft.com/office/drawing/2014/main" id="{5B78EF13-D1C8-48A1-9DD0-7D7256440FBA}"/>
+                </a:ext>
+              </a:extLst>
+            </p:cNvPr>
+            <p:cNvSpPr/>
+            <p:nvPr/>
+          </p:nvSpPr>
+          <p:spPr>
+            <a:xfrm>
+              <a:off x="3152272" y="2478497"/>
+              <a:ext cx="3356811" cy="3356811"/>
+            </a:xfrm>
+            <a:prstGeom prst="ellipse">
+              <a:avLst/>
+            </a:prstGeom>
+            <a:noFill/>
+            <a:ln w="57150">
+              <a:solidFill>
+                <a:schemeClr val="accent6">
+                  <a:lumMod val="50000"/>
+                </a:schemeClr>
+              </a:solidFill>
+              <a:prstDash val="sysDot"/>
+            </a:ln>
+          </p:spPr>
+          <p:style>
+            <a:lnRef idx="2">
+              <a:schemeClr val="accent1">
+                <a:shade val="50000"/>
+              </a:schemeClr>
+            </a:lnRef>
+            <a:fillRef idx="1">
+              <a:schemeClr val="accent1"/>
+            </a:fillRef>
+            <a:effectRef idx="0">
+              <a:schemeClr val="accent1"/>
+            </a:effectRef>
+            <a:fontRef idx="minor">
+              <a:schemeClr val="lt1"/>
+            </a:fontRef>
+          </p:style>
+          <p:txBody>
+            <a:bodyPr rtlCol="0" anchor="ctr"/>
+            <a:lstStyle/>
+            <a:p>
+              <a:pPr algn="ctr"/>
+              <a:endParaRPr lang="en-US" dirty="0"/>
+            </a:p>
+          </p:txBody>
+        </p:sp>
+        <p:cxnSp>
+          <p:nvCxnSpPr>
+            <p:cNvPr id="27" name="Straight Connector 26">
+              <a:extLst>
+                <a:ext uri="{FF2B5EF4-FFF2-40B4-BE49-F238E27FC236}">
+                  <a16:creationId xmlns:a16="http://schemas.microsoft.com/office/drawing/2014/main" id="{C791E714-5472-4995-82F7-06DF1FECCBE5}"/>
+                </a:ext>
+              </a:extLst>
+            </p:cNvPr>
+            <p:cNvCxnSpPr/>
+            <p:nvPr/>
+          </p:nvCxnSpPr>
+          <p:spPr>
+            <a:xfrm>
+              <a:off x="4890837" y="4096748"/>
+              <a:ext cx="1598194" cy="0"/>
+            </a:xfrm>
+            <a:prstGeom prst="line">
+              <a:avLst/>
+            </a:prstGeom>
+            <a:ln w="38100">
+              <a:solidFill>
+                <a:schemeClr val="tx1"/>
+              </a:solidFill>
+            </a:ln>
+          </p:spPr>
+          <p:style>
+            <a:lnRef idx="1">
+              <a:schemeClr val="accent1"/>
+            </a:lnRef>
+            <a:fillRef idx="0">
+              <a:schemeClr val="accent1"/>
+            </a:fillRef>
+            <a:effectRef idx="0">
+              <a:schemeClr val="accent1"/>
+            </a:effectRef>
+            <a:fontRef idx="minor">
+              <a:schemeClr val="tx1"/>
+            </a:fontRef>
+          </p:style>
+        </p:cxnSp>
+        <p:sp>
+          <p:nvSpPr>
+            <p:cNvPr id="28" name="TextBox 27">
+              <a:extLst>
+                <a:ext uri="{FF2B5EF4-FFF2-40B4-BE49-F238E27FC236}">
+                  <a16:creationId xmlns:a16="http://schemas.microsoft.com/office/drawing/2014/main" id="{8CE2D5AC-8999-4A2A-87FB-0174A5F04D45}"/>
+                </a:ext>
+              </a:extLst>
+            </p:cNvPr>
+            <p:cNvSpPr txBox="1"/>
+            <p:nvPr/>
+          </p:nvSpPr>
+          <p:spPr>
+            <a:xfrm>
+              <a:off x="5555811" y="3530432"/>
+              <a:ext cx="914400" cy="710753"/>
+            </a:xfrm>
+            <a:prstGeom prst="rect">
+              <a:avLst/>
+            </a:prstGeom>
+            <a:noFill/>
+          </p:spPr>
+          <p:txBody>
+            <a:bodyPr wrap="square" rtlCol="0">
+              <a:spAutoFit/>
+            </a:bodyPr>
+            <a:lstStyle/>
+            <a:p>
+              <a:r>
+                <a:rPr lang="en-US" dirty="0"/>
+                <a:t>r</a:t>
+              </a:r>
+            </a:p>
+          </p:txBody>
+        </p:sp>
+      </p:grpSp>
+      <p:grpSp>
+        <p:nvGrpSpPr>
+          <p:cNvPr id="9" name="Group 8">
+            <a:extLst>
+              <a:ext uri="{FF2B5EF4-FFF2-40B4-BE49-F238E27FC236}">
+                <a16:creationId xmlns:a16="http://schemas.microsoft.com/office/drawing/2014/main" id="{2D589636-38C1-4DCF-80CA-EBAF6D96F908}"/>
+              </a:ext>
+            </a:extLst>
+          </p:cNvPr>
+          <p:cNvGrpSpPr/>
+          <p:nvPr/>
+        </p:nvGrpSpPr>
+        <p:grpSpPr>
+          <a:xfrm>
+            <a:off x="5586912" y="421562"/>
+            <a:ext cx="896180" cy="896180"/>
+            <a:chOff x="1666877" y="1108409"/>
+            <a:chExt cx="896180" cy="896180"/>
+          </a:xfrm>
+        </p:grpSpPr>
+        <p:grpSp>
+          <p:nvGrpSpPr>
+            <p:cNvPr id="3" name="Group 2">
+              <a:extLst>
+                <a:ext uri="{FF2B5EF4-FFF2-40B4-BE49-F238E27FC236}">
+                  <a16:creationId xmlns:a16="http://schemas.microsoft.com/office/drawing/2014/main" id="{8DF3BB45-8F95-4A79-8913-2BDB6228F55A}"/>
+                </a:ext>
+              </a:extLst>
+            </p:cNvPr>
+            <p:cNvGrpSpPr/>
+            <p:nvPr/>
+          </p:nvGrpSpPr>
+          <p:grpSpPr>
+            <a:xfrm>
+              <a:off x="1666877" y="1108409"/>
+              <a:ext cx="896180" cy="896180"/>
+              <a:chOff x="5015560" y="2202541"/>
+              <a:chExt cx="2171701" cy="2171701"/>
+            </a:xfrm>
+          </p:grpSpPr>
+          <p:sp>
+            <p:nvSpPr>
+              <p:cNvPr id="20" name="Oval 19">
+                <a:extLst>
+                  <a:ext uri="{FF2B5EF4-FFF2-40B4-BE49-F238E27FC236}">
+                    <a16:creationId xmlns:a16="http://schemas.microsoft.com/office/drawing/2014/main" id="{821314B7-82F3-4FCB-92DA-2BCB662673EB}"/>
+                  </a:ext>
+                </a:extLst>
+              </p:cNvPr>
+              <p:cNvSpPr/>
+              <p:nvPr/>
+            </p:nvSpPr>
+            <p:spPr>
+              <a:xfrm>
+                <a:off x="5015560" y="2202541"/>
+                <a:ext cx="2171701" cy="2171701"/>
+              </a:xfrm>
+              <a:prstGeom prst="ellipse">
+                <a:avLst/>
+              </a:prstGeom>
+              <a:noFill/>
+              <a:ln w="57150">
+                <a:solidFill>
+                  <a:schemeClr val="accent6"/>
+                </a:solidFill>
+                <a:prstDash val="sysDot"/>
+              </a:ln>
+            </p:spPr>
+            <p:style>
+              <a:lnRef idx="2">
+                <a:schemeClr val="accent1">
+                  <a:shade val="50000"/>
+                </a:schemeClr>
+              </a:lnRef>
+              <a:fillRef idx="1">
+                <a:schemeClr val="accent1"/>
+              </a:fillRef>
+              <a:effectRef idx="0">
+                <a:schemeClr val="accent1"/>
+              </a:effectRef>
+              <a:fontRef idx="minor">
+                <a:schemeClr val="lt1"/>
+              </a:fontRef>
+            </p:style>
+            <p:txBody>
+              <a:bodyPr rtlCol="0" anchor="ctr"/>
+              <a:lstStyle/>
+              <a:p>
+                <a:pPr algn="ctr"/>
+                <a:endParaRPr lang="en-US"/>
+              </a:p>
+            </p:txBody>
+          </p:sp>
+          <p:sp>
+            <p:nvSpPr>
+              <p:cNvPr id="23" name="Oval 22">
+                <a:extLst>
+                  <a:ext uri="{FF2B5EF4-FFF2-40B4-BE49-F238E27FC236}">
+                    <a16:creationId xmlns:a16="http://schemas.microsoft.com/office/drawing/2014/main" id="{2B528D38-621C-4DE2-9AE2-72AE8759570E}"/>
+                  </a:ext>
+                </a:extLst>
+              </p:cNvPr>
+              <p:cNvSpPr/>
+              <p:nvPr/>
+            </p:nvSpPr>
+            <p:spPr>
+              <a:xfrm>
+                <a:off x="5963848" y="3100957"/>
+                <a:ext cx="310817" cy="310817"/>
+              </a:xfrm>
+              <a:prstGeom prst="ellipse">
+                <a:avLst/>
+              </a:prstGeom>
+              <a:solidFill>
+                <a:schemeClr val="accent6"/>
+              </a:solidFill>
+              <a:ln w="57150">
+                <a:noFill/>
+                <a:prstDash val="sysDot"/>
+              </a:ln>
+            </p:spPr>
+            <p:style>
+              <a:lnRef idx="2">
+                <a:schemeClr val="accent1">
+                  <a:shade val="50000"/>
+                </a:schemeClr>
+              </a:lnRef>
+              <a:fillRef idx="1">
+                <a:schemeClr val="accent1"/>
+              </a:fillRef>
+              <a:effectRef idx="0">
+                <a:schemeClr val="accent1"/>
+              </a:effectRef>
+              <a:fontRef idx="minor">
+                <a:schemeClr val="lt1"/>
+              </a:fontRef>
+            </p:style>
+            <p:txBody>
+              <a:bodyPr rtlCol="0" anchor="ctr"/>
+              <a:lstStyle/>
+              <a:p>
+                <a:pPr algn="ctr"/>
+                <a:endParaRPr lang="en-US"/>
+              </a:p>
+            </p:txBody>
+          </p:sp>
+        </p:grpSp>
+        <p:sp>
+          <p:nvSpPr>
+            <p:cNvPr id="34" name="Oval 33">
+              <a:extLst>
+                <a:ext uri="{FF2B5EF4-FFF2-40B4-BE49-F238E27FC236}">
+                  <a16:creationId xmlns:a16="http://schemas.microsoft.com/office/drawing/2014/main" id="{E6152DB9-5A20-42B7-AC01-8FCA93C5782B}"/>
+                </a:ext>
+              </a:extLst>
+            </p:cNvPr>
+            <p:cNvSpPr/>
+            <p:nvPr/>
+          </p:nvSpPr>
+          <p:spPr>
+            <a:xfrm>
+              <a:off x="1945433" y="1386965"/>
+              <a:ext cx="339069" cy="339069"/>
+            </a:xfrm>
+            <a:prstGeom prst="ellipse">
+              <a:avLst/>
+            </a:prstGeom>
+            <a:solidFill>
+              <a:schemeClr val="accent6"/>
+            </a:solidFill>
+            <a:ln w="57150">
+              <a:noFill/>
+              <a:prstDash val="sysDot"/>
+            </a:ln>
+          </p:spPr>
+          <p:style>
+            <a:lnRef idx="2">
+              <a:schemeClr val="accent1">
+                <a:shade val="50000"/>
+              </a:schemeClr>
+            </a:lnRef>
+            <a:fillRef idx="1">
+              <a:schemeClr val="accent1"/>
+            </a:fillRef>
+            <a:effectRef idx="0">
+              <a:schemeClr val="accent1"/>
+            </a:effectRef>
+            <a:fontRef idx="minor">
+              <a:schemeClr val="lt1"/>
+            </a:fontRef>
+          </p:style>
+          <p:txBody>
+            <a:bodyPr rtlCol="0" anchor="ctr"/>
+            <a:lstStyle/>
+            <a:p>
+              <a:pPr algn="ctr"/>
+              <a:endParaRPr lang="en-US"/>
+            </a:p>
+          </p:txBody>
+        </p:sp>
+      </p:grpSp>
+      <p:cxnSp>
+        <p:nvCxnSpPr>
+          <p:cNvPr id="32" name="Straight Connector 31">
+            <a:extLst>
+              <a:ext uri="{FF2B5EF4-FFF2-40B4-BE49-F238E27FC236}">
+                <a16:creationId xmlns:a16="http://schemas.microsoft.com/office/drawing/2014/main" id="{FF4A436E-83D4-41F7-81EC-AA4756EA11B0}"/>
+              </a:ext>
+            </a:extLst>
+          </p:cNvPr>
+          <p:cNvCxnSpPr>
+            <a:cxnSpLocks/>
+          </p:cNvCxnSpPr>
+          <p:nvPr/>
+        </p:nvCxnSpPr>
+        <p:spPr>
+          <a:xfrm flipH="1">
+            <a:off x="283719" y="5075391"/>
+            <a:ext cx="1499672" cy="0"/>
+          </a:xfrm>
+          <a:prstGeom prst="line">
+            <a:avLst/>
+          </a:prstGeom>
+          <a:ln w="28575">
+            <a:prstDash val="lgDash"/>
+          </a:ln>
+        </p:spPr>
+        <p:style>
+          <a:lnRef idx="1">
+            <a:schemeClr val="dk1"/>
+          </a:lnRef>
+          <a:fillRef idx="0">
+            <a:schemeClr val="dk1"/>
+          </a:fillRef>
+          <a:effectRef idx="0">
+            <a:schemeClr val="dk1"/>
+          </a:effectRef>
+          <a:fontRef idx="minor">
+            <a:schemeClr val="tx1"/>
+          </a:fontRef>
+        </p:style>
+      </p:cxnSp>
+      <p:sp>
+        <p:nvSpPr>
+          <p:cNvPr id="33" name="TextBox 32">
+            <a:extLst>
+              <a:ext uri="{FF2B5EF4-FFF2-40B4-BE49-F238E27FC236}">
+                <a16:creationId xmlns:a16="http://schemas.microsoft.com/office/drawing/2014/main" id="{AA65C315-7629-484F-92AB-4ED5416D1CCA}"/>
+              </a:ext>
+            </a:extLst>
+          </p:cNvPr>
+          <p:cNvSpPr txBox="1"/>
+          <p:nvPr/>
+        </p:nvSpPr>
+        <p:spPr>
+          <a:xfrm>
+            <a:off x="-3319669" y="4846651"/>
+            <a:ext cx="4159980" cy="369332"/>
+          </a:xfrm>
+          <a:prstGeom prst="rect">
+            <a:avLst/>
+          </a:prstGeom>
+          <a:noFill/>
+        </p:spPr>
+        <p:txBody>
+          <a:bodyPr wrap="square" rtlCol="0">
+            <a:spAutoFit/>
+          </a:bodyPr>
+          <a:lstStyle/>
+          <a:p>
+            <a:r>
+              <a:rPr lang="en-US" dirty="0"/>
+              <a:t>(</a:t>
+            </a:r>
+            <a:r>
+              <a:rPr lang="en-US" dirty="0" err="1"/>
+              <a:t>capr</a:t>
+            </a:r>
+            <a:r>
+              <a:rPr lang="en-US" dirty="0"/>
+              <a:t>+(</a:t>
+            </a:r>
+            <a:r>
+              <a:rPr lang="en-US" dirty="0" err="1"/>
+              <a:t>preyr</a:t>
+            </a:r>
+            <a:r>
+              <a:rPr lang="en-US" dirty="0"/>
+              <a:t>/</a:t>
+            </a:r>
+            <a:r>
+              <a:rPr lang="en-US" dirty="0" err="1"/>
+              <a:t>maxVp</a:t>
+            </a:r>
+            <a:r>
+              <a:rPr lang="en-US" dirty="0"/>
+              <a:t>)*</a:t>
+            </a:r>
+            <a:r>
+              <a:rPr lang="en-US" dirty="0" err="1"/>
+              <a:t>maxVr</a:t>
+            </a:r>
+            <a:r>
+              <a:rPr lang="en-US" dirty="0"/>
+              <a:t>)/sqrt(2)</a:t>
+            </a:r>
+          </a:p>
+        </p:txBody>
+      </p:sp>
+      <p:cxnSp>
+        <p:nvCxnSpPr>
+          <p:cNvPr id="35" name="Straight Connector 34">
+            <a:extLst>
+              <a:ext uri="{FF2B5EF4-FFF2-40B4-BE49-F238E27FC236}">
+                <a16:creationId xmlns:a16="http://schemas.microsoft.com/office/drawing/2014/main" id="{7800ECD8-CE41-4AC1-884E-0931C13E4B93}"/>
+              </a:ext>
+            </a:extLst>
+          </p:cNvPr>
+          <p:cNvCxnSpPr>
+            <a:cxnSpLocks/>
+          </p:cNvCxnSpPr>
+          <p:nvPr/>
+        </p:nvCxnSpPr>
+        <p:spPr>
+          <a:xfrm flipH="1">
+            <a:off x="243962" y="1820427"/>
+            <a:ext cx="1499672" cy="0"/>
+          </a:xfrm>
+          <a:prstGeom prst="line">
+            <a:avLst/>
+          </a:prstGeom>
+          <a:ln w="28575">
+            <a:prstDash val="lgDash"/>
+          </a:ln>
+        </p:spPr>
+        <p:style>
+          <a:lnRef idx="1">
+            <a:schemeClr val="dk1"/>
+          </a:lnRef>
+          <a:fillRef idx="0">
+            <a:schemeClr val="dk1"/>
+          </a:fillRef>
+          <a:effectRef idx="0">
+            <a:schemeClr val="dk1"/>
+          </a:effectRef>
+          <a:fontRef idx="minor">
+            <a:schemeClr val="tx1"/>
+          </a:fontRef>
+        </p:style>
+      </p:cxnSp>
+      <p:sp>
+        <p:nvSpPr>
+          <p:cNvPr id="36" name="TextBox 35">
+            <a:extLst>
+              <a:ext uri="{FF2B5EF4-FFF2-40B4-BE49-F238E27FC236}">
+                <a16:creationId xmlns:a16="http://schemas.microsoft.com/office/drawing/2014/main" id="{E00D397E-23D1-4148-896C-0CB5DFD97C7B}"/>
+              </a:ext>
+            </a:extLst>
+          </p:cNvPr>
+          <p:cNvSpPr txBox="1"/>
+          <p:nvPr/>
+        </p:nvSpPr>
+        <p:spPr>
+          <a:xfrm>
+            <a:off x="-2902227" y="1608620"/>
+            <a:ext cx="3755833" cy="646331"/>
+          </a:xfrm>
+          <a:prstGeom prst="rect">
+            <a:avLst/>
+          </a:prstGeom>
+          <a:noFill/>
+        </p:spPr>
+        <p:txBody>
+          <a:bodyPr wrap="square" rtlCol="0">
+            <a:spAutoFit/>
+          </a:bodyPr>
+          <a:lstStyle/>
+          <a:p>
+            <a:r>
+              <a:rPr lang="en-US" dirty="0" err="1"/>
+              <a:t>maxX</a:t>
+            </a:r>
+            <a:r>
+              <a:rPr lang="en-US" dirty="0"/>
+              <a:t> - (</a:t>
+            </a:r>
+            <a:r>
+              <a:rPr lang="en-US" dirty="0" err="1"/>
+              <a:t>capr</a:t>
+            </a:r>
+            <a:r>
+              <a:rPr lang="en-US" dirty="0"/>
+              <a:t>+(</a:t>
+            </a:r>
+            <a:r>
+              <a:rPr lang="en-US" dirty="0" err="1"/>
+              <a:t>preyr</a:t>
+            </a:r>
+            <a:r>
+              <a:rPr lang="en-US" dirty="0"/>
+              <a:t>/</a:t>
+            </a:r>
+            <a:r>
+              <a:rPr lang="en-US" dirty="0" err="1"/>
+              <a:t>maxVp</a:t>
+            </a:r>
+            <a:r>
+              <a:rPr lang="en-US" dirty="0"/>
+              <a:t>)*</a:t>
+            </a:r>
+            <a:r>
+              <a:rPr lang="en-US" dirty="0" err="1"/>
+              <a:t>maxVr</a:t>
+            </a:r>
+            <a:r>
+              <a:rPr lang="en-US" dirty="0"/>
+              <a:t>)/sqrt(2)</a:t>
+            </a:r>
+          </a:p>
+        </p:txBody>
+      </p:sp>
+    </p:spTree>
+    <p:extLst>
+      <p:ext uri="{BB962C8B-B14F-4D97-AF65-F5344CB8AC3E}">
+        <p14:creationId xmlns:p14="http://schemas.microsoft.com/office/powerpoint/2010/main" val="1189300494"/>
+      </p:ext>
+    </p:extLst>
+  </p:cSld>
+  <p:clrMapOvr>
+    <a:masterClrMapping/>
+  </p:clrMapOvr>
+</p:sld>
+</file>
+
+<file path=ppt/slides/slide6.xml><?xml version="1.0" encoding="utf-8"?>
+<p:sld xmlns:a="http://schemas.openxmlformats.org/drawingml/2006/main" xmlns:r="http://schemas.openxmlformats.org/officeDocument/2006/relationships" xmlns:p="http://schemas.openxmlformats.org/presentationml/2006/main">
+  <p:cSld>
+    <p:spTree>
+      <p:nvGrpSpPr>
+        <p:cNvPr id="1" name=""/>
+        <p:cNvGrpSpPr/>
+        <p:nvPr/>
+      </p:nvGrpSpPr>
+      <p:grpSpPr>
+        <a:xfrm>
+          <a:off x="0" y="0"/>
+          <a:ext cx="0" cy="0"/>
+          <a:chOff x="0" y="0"/>
+          <a:chExt cx="0" cy="0"/>
+        </a:xfrm>
+      </p:grpSpPr>
+      <p:sp>
+        <p:nvSpPr>
+          <p:cNvPr id="4" name="Rectangle 3">
+            <a:extLst>
+              <a:ext uri="{FF2B5EF4-FFF2-40B4-BE49-F238E27FC236}">
+                <a16:creationId xmlns:a16="http://schemas.microsoft.com/office/drawing/2014/main" id="{39EE2A28-404B-4142-B3F9-2DA0FD9F6764}"/>
+              </a:ext>
+            </a:extLst>
+          </p:cNvPr>
+          <p:cNvSpPr/>
+          <p:nvPr/>
+        </p:nvSpPr>
+        <p:spPr>
+          <a:xfrm>
+            <a:off x="1496766" y="1407252"/>
+            <a:ext cx="3899245" cy="3959877"/>
+          </a:xfrm>
+          <a:prstGeom prst="rect">
+            <a:avLst/>
+          </a:prstGeom>
+          <a:solidFill>
+            <a:schemeClr val="accent1">
+              <a:lumMod val="20000"/>
+              <a:lumOff val="80000"/>
+            </a:schemeClr>
+          </a:solidFill>
+          <a:ln w="38100"/>
+        </p:spPr>
+        <p:style>
+          <a:lnRef idx="2">
+            <a:schemeClr val="accent1">
+              <a:shade val="50000"/>
+            </a:schemeClr>
+          </a:lnRef>
+          <a:fillRef idx="1">
+            <a:schemeClr val="accent1"/>
+          </a:fillRef>
+          <a:effectRef idx="0">
+            <a:schemeClr val="accent1"/>
+          </a:effectRef>
+          <a:fontRef idx="minor">
+            <a:schemeClr val="lt1"/>
+          </a:fontRef>
+        </p:style>
+        <p:txBody>
+          <a:bodyPr rtlCol="0" anchor="ctr"/>
+          <a:lstStyle/>
+          <a:p>
+            <a:pPr algn="ctr"/>
+            <a:endParaRPr lang="en-US"/>
+          </a:p>
+        </p:txBody>
+      </p:sp>
+      <p:sp>
+        <p:nvSpPr>
+          <p:cNvPr id="5" name="Rectangle 4">
+            <a:extLst>
+              <a:ext uri="{FF2B5EF4-FFF2-40B4-BE49-F238E27FC236}">
+                <a16:creationId xmlns:a16="http://schemas.microsoft.com/office/drawing/2014/main" id="{64F5CA3A-C0E5-4CC5-8EFE-C335C72A005D}"/>
+              </a:ext>
+            </a:extLst>
+          </p:cNvPr>
+          <p:cNvSpPr/>
+          <p:nvPr/>
+        </p:nvSpPr>
+        <p:spPr>
+          <a:xfrm>
+            <a:off x="2095500" y="2059405"/>
+            <a:ext cx="2771273" cy="2771273"/>
+          </a:xfrm>
+          <a:prstGeom prst="rect">
+            <a:avLst/>
+          </a:prstGeom>
+          <a:solidFill>
+            <a:schemeClr val="accent6">
+              <a:lumMod val="20000"/>
+              <a:lumOff val="80000"/>
+            </a:schemeClr>
+          </a:solidFill>
+          <a:ln w="38100">
+            <a:solidFill>
+              <a:schemeClr val="accent6">
+                <a:lumMod val="50000"/>
+              </a:schemeClr>
+            </a:solidFill>
+          </a:ln>
+        </p:spPr>
+        <p:style>
+          <a:lnRef idx="2">
+            <a:schemeClr val="accent1">
+              <a:shade val="50000"/>
+            </a:schemeClr>
+          </a:lnRef>
+          <a:fillRef idx="1">
+            <a:schemeClr val="accent1"/>
+          </a:fillRef>
+          <a:effectRef idx="0">
+            <a:schemeClr val="accent1"/>
+          </a:effectRef>
+          <a:fontRef idx="minor">
+            <a:schemeClr val="lt1"/>
+          </a:fontRef>
+        </p:style>
+        <p:txBody>
+          <a:bodyPr rtlCol="0" anchor="ctr"/>
+          <a:lstStyle/>
+          <a:p>
+            <a:pPr algn="ctr"/>
+            <a:endParaRPr lang="en-US"/>
+          </a:p>
+        </p:txBody>
+      </p:sp>
+      <p:cxnSp>
+        <p:nvCxnSpPr>
+          <p:cNvPr id="7" name="Straight Connector 6">
+            <a:extLst>
+              <a:ext uri="{FF2B5EF4-FFF2-40B4-BE49-F238E27FC236}">
+                <a16:creationId xmlns:a16="http://schemas.microsoft.com/office/drawing/2014/main" id="{26171733-5BA8-4D84-8B2B-8D0B50E54DE7}"/>
+              </a:ext>
+            </a:extLst>
+          </p:cNvPr>
+          <p:cNvCxnSpPr/>
+          <p:nvPr/>
+        </p:nvCxnSpPr>
+        <p:spPr>
+          <a:xfrm flipV="1">
+            <a:off x="866274" y="830179"/>
+            <a:ext cx="5229726" cy="5229726"/>
+          </a:xfrm>
+          <a:prstGeom prst="line">
+            <a:avLst/>
+          </a:prstGeom>
+          <a:ln w="76200">
+            <a:solidFill>
+              <a:srgbClr val="FF0000"/>
+            </a:solidFill>
+          </a:ln>
+        </p:spPr>
+        <p:style>
+          <a:lnRef idx="1">
+            <a:schemeClr val="accent1"/>
+          </a:lnRef>
+          <a:fillRef idx="0">
+            <a:schemeClr val="accent1"/>
+          </a:fillRef>
+          <a:effectRef idx="0">
+            <a:schemeClr val="accent1"/>
+          </a:effectRef>
+          <a:fontRef idx="minor">
+            <a:schemeClr val="tx1"/>
+          </a:fontRef>
+        </p:style>
+      </p:cxnSp>
+      <p:cxnSp>
+        <p:nvCxnSpPr>
+          <p:cNvPr id="10" name="Straight Connector 9">
+            <a:extLst>
+              <a:ext uri="{FF2B5EF4-FFF2-40B4-BE49-F238E27FC236}">
+                <a16:creationId xmlns:a16="http://schemas.microsoft.com/office/drawing/2014/main" id="{8986D81B-5368-4625-9B70-978CA656AB98}"/>
+              </a:ext>
+            </a:extLst>
+          </p:cNvPr>
+          <p:cNvCxnSpPr>
+            <a:cxnSpLocks/>
+          </p:cNvCxnSpPr>
+          <p:nvPr/>
+        </p:nvCxnSpPr>
+        <p:spPr>
+          <a:xfrm>
+            <a:off x="2095500" y="2059405"/>
+            <a:ext cx="2771273" cy="2771273"/>
+          </a:xfrm>
+          <a:prstGeom prst="line">
+            <a:avLst/>
+          </a:prstGeom>
+          <a:ln w="76200">
+            <a:solidFill>
+              <a:schemeClr val="accent6">
+                <a:lumMod val="50000"/>
+              </a:schemeClr>
+            </a:solidFill>
+          </a:ln>
+        </p:spPr>
+        <p:style>
+          <a:lnRef idx="1">
+            <a:schemeClr val="accent1"/>
+          </a:lnRef>
+          <a:fillRef idx="0">
+            <a:schemeClr val="accent1"/>
+          </a:fillRef>
+          <a:effectRef idx="0">
+            <a:schemeClr val="accent1"/>
+          </a:effectRef>
+          <a:fontRef idx="minor">
+            <a:schemeClr val="tx1"/>
+          </a:fontRef>
+        </p:style>
+      </p:cxnSp>
+      <p:sp>
+        <p:nvSpPr>
+          <p:cNvPr id="13" name="TextBox 12">
+            <a:extLst>
+              <a:ext uri="{FF2B5EF4-FFF2-40B4-BE49-F238E27FC236}">
+                <a16:creationId xmlns:a16="http://schemas.microsoft.com/office/drawing/2014/main" id="{7CF133E3-6E66-429A-A45E-B79D3B5EAFE1}"/>
+              </a:ext>
+            </a:extLst>
+          </p:cNvPr>
+          <p:cNvSpPr txBox="1"/>
+          <p:nvPr/>
+        </p:nvSpPr>
+        <p:spPr>
+          <a:xfrm>
+            <a:off x="338088" y="6059905"/>
+            <a:ext cx="1056372" cy="369332"/>
+          </a:xfrm>
+          <a:prstGeom prst="rect">
+            <a:avLst/>
+          </a:prstGeom>
+          <a:noFill/>
+        </p:spPr>
+        <p:txBody>
+          <a:bodyPr wrap="square" rtlCol="0">
+            <a:spAutoFit/>
+          </a:bodyPr>
+          <a:lstStyle/>
+          <a:p>
+            <a:r>
+              <a:rPr lang="en-US" dirty="0"/>
+              <a:t>0,0</a:t>
+            </a:r>
+          </a:p>
+        </p:txBody>
+      </p:sp>
+      <p:cxnSp>
+        <p:nvCxnSpPr>
+          <p:cNvPr id="15" name="Straight Connector 14">
+            <a:extLst>
+              <a:ext uri="{FF2B5EF4-FFF2-40B4-BE49-F238E27FC236}">
+                <a16:creationId xmlns:a16="http://schemas.microsoft.com/office/drawing/2014/main" id="{E8FE2B50-01DC-4CB9-9D34-4A8BCE8A47D2}"/>
+              </a:ext>
+            </a:extLst>
+          </p:cNvPr>
+          <p:cNvCxnSpPr>
+            <a:cxnSpLocks/>
+          </p:cNvCxnSpPr>
+          <p:nvPr/>
+        </p:nvCxnSpPr>
+        <p:spPr>
+          <a:xfrm flipH="1">
+            <a:off x="624595" y="4830678"/>
+            <a:ext cx="1361574" cy="0"/>
+          </a:xfrm>
+          <a:prstGeom prst="line">
+            <a:avLst/>
+          </a:prstGeom>
+          <a:ln w="28575">
+            <a:prstDash val="lgDash"/>
+          </a:ln>
+        </p:spPr>
+        <p:style>
+          <a:lnRef idx="1">
+            <a:schemeClr val="dk1"/>
+          </a:lnRef>
+          <a:fillRef idx="0">
+            <a:schemeClr val="dk1"/>
+          </a:fillRef>
+          <a:effectRef idx="0">
+            <a:schemeClr val="dk1"/>
+          </a:effectRef>
+          <a:fontRef idx="minor">
+            <a:schemeClr val="tx1"/>
+          </a:fontRef>
+        </p:style>
+      </p:cxnSp>
+      <p:sp>
+        <p:nvSpPr>
+          <p:cNvPr id="17" name="TextBox 16">
+            <a:extLst>
+              <a:ext uri="{FF2B5EF4-FFF2-40B4-BE49-F238E27FC236}">
+                <a16:creationId xmlns:a16="http://schemas.microsoft.com/office/drawing/2014/main" id="{3825490F-D6D8-4D04-8275-77AA8CE98ED5}"/>
+              </a:ext>
+            </a:extLst>
+          </p:cNvPr>
+          <p:cNvSpPr txBox="1"/>
+          <p:nvPr/>
+        </p:nvSpPr>
+        <p:spPr>
+          <a:xfrm>
+            <a:off x="-224987" y="4646012"/>
+            <a:ext cx="1708483" cy="369332"/>
+          </a:xfrm>
+          <a:prstGeom prst="rect">
+            <a:avLst/>
+          </a:prstGeom>
+          <a:noFill/>
+        </p:spPr>
+        <p:txBody>
+          <a:bodyPr wrap="square" rtlCol="0">
+            <a:spAutoFit/>
+          </a:bodyPr>
+          <a:lstStyle/>
+          <a:p>
+            <a:r>
+              <a:rPr lang="en-US" dirty="0"/>
+              <a:t>r/sqrt(2)</a:t>
+            </a:r>
+          </a:p>
+        </p:txBody>
+      </p:sp>
+      <p:cxnSp>
+        <p:nvCxnSpPr>
+          <p:cNvPr id="19" name="Straight Connector 18">
+            <a:extLst>
+              <a:ext uri="{FF2B5EF4-FFF2-40B4-BE49-F238E27FC236}">
+                <a16:creationId xmlns:a16="http://schemas.microsoft.com/office/drawing/2014/main" id="{7E138962-7035-4771-9F7D-38A521656B23}"/>
+              </a:ext>
+            </a:extLst>
+          </p:cNvPr>
+          <p:cNvCxnSpPr>
+            <a:cxnSpLocks/>
+            <a:endCxn id="4" idx="1"/>
+          </p:cNvCxnSpPr>
+          <p:nvPr/>
+        </p:nvCxnSpPr>
+        <p:spPr>
+          <a:xfrm flipH="1" flipV="1">
+            <a:off x="1496766" y="3387191"/>
+            <a:ext cx="1885242" cy="55844"/>
+          </a:xfrm>
+          <a:prstGeom prst="line">
+            <a:avLst/>
+          </a:prstGeom>
+          <a:ln w="28575">
+            <a:prstDash val="lgDash"/>
+          </a:ln>
+        </p:spPr>
+        <p:style>
+          <a:lnRef idx="1">
+            <a:schemeClr val="dk1"/>
+          </a:lnRef>
+          <a:fillRef idx="0">
+            <a:schemeClr val="dk1"/>
+          </a:fillRef>
+          <a:effectRef idx="0">
+            <a:schemeClr val="dk1"/>
+          </a:effectRef>
+          <a:fontRef idx="minor">
+            <a:schemeClr val="tx1"/>
+          </a:fontRef>
+        </p:style>
+      </p:cxnSp>
+      <p:sp>
+        <p:nvSpPr>
+          <p:cNvPr id="21" name="TextBox 20">
+            <a:extLst>
+              <a:ext uri="{FF2B5EF4-FFF2-40B4-BE49-F238E27FC236}">
+                <a16:creationId xmlns:a16="http://schemas.microsoft.com/office/drawing/2014/main" id="{52688E64-0D2E-4D51-9357-9B5083C162FC}"/>
+              </a:ext>
+            </a:extLst>
+          </p:cNvPr>
+          <p:cNvSpPr txBox="1"/>
+          <p:nvPr/>
+        </p:nvSpPr>
+        <p:spPr>
+          <a:xfrm>
+            <a:off x="-224987" y="3244334"/>
+            <a:ext cx="1708483" cy="369332"/>
+          </a:xfrm>
+          <a:prstGeom prst="rect">
+            <a:avLst/>
+          </a:prstGeom>
+          <a:noFill/>
+        </p:spPr>
+        <p:txBody>
+          <a:bodyPr wrap="square" rtlCol="0">
+            <a:spAutoFit/>
+          </a:bodyPr>
+          <a:lstStyle/>
+          <a:p>
+            <a:r>
+              <a:rPr lang="en-US" dirty="0" err="1"/>
+              <a:t>maxX</a:t>
+            </a:r>
+            <a:r>
+              <a:rPr lang="en-US" dirty="0"/>
+              <a:t>/2</a:t>
+            </a:r>
+          </a:p>
+        </p:txBody>
+      </p:sp>
+      <p:cxnSp>
+        <p:nvCxnSpPr>
+          <p:cNvPr id="22" name="Straight Connector 21">
+            <a:extLst>
+              <a:ext uri="{FF2B5EF4-FFF2-40B4-BE49-F238E27FC236}">
+                <a16:creationId xmlns:a16="http://schemas.microsoft.com/office/drawing/2014/main" id="{28468721-B439-4D40-90B5-E2FFDC601FEA}"/>
+              </a:ext>
+            </a:extLst>
+          </p:cNvPr>
+          <p:cNvCxnSpPr>
+            <a:cxnSpLocks/>
+          </p:cNvCxnSpPr>
+          <p:nvPr/>
+        </p:nvCxnSpPr>
+        <p:spPr>
+          <a:xfrm flipH="1">
+            <a:off x="629254" y="2085472"/>
+            <a:ext cx="1466246" cy="0"/>
+          </a:xfrm>
+          <a:prstGeom prst="line">
+            <a:avLst/>
+          </a:prstGeom>
+          <a:ln w="28575">
+            <a:prstDash val="lgDash"/>
+          </a:ln>
+        </p:spPr>
+        <p:style>
+          <a:lnRef idx="1">
+            <a:schemeClr val="dk1"/>
+          </a:lnRef>
+          <a:fillRef idx="0">
+            <a:schemeClr val="dk1"/>
+          </a:fillRef>
+          <a:effectRef idx="0">
+            <a:schemeClr val="dk1"/>
+          </a:effectRef>
+          <a:fontRef idx="minor">
+            <a:schemeClr val="tx1"/>
+          </a:fontRef>
+        </p:style>
+      </p:cxnSp>
+      <p:sp>
+        <p:nvSpPr>
+          <p:cNvPr id="24" name="TextBox 23">
+            <a:extLst>
+              <a:ext uri="{FF2B5EF4-FFF2-40B4-BE49-F238E27FC236}">
+                <a16:creationId xmlns:a16="http://schemas.microsoft.com/office/drawing/2014/main" id="{D992A7CF-2B9E-46F7-B1BF-5F826E31E575}"/>
+              </a:ext>
+            </a:extLst>
+          </p:cNvPr>
+          <p:cNvSpPr txBox="1"/>
+          <p:nvPr/>
+        </p:nvSpPr>
+        <p:spPr>
+          <a:xfrm>
+            <a:off x="6096000" y="421562"/>
+            <a:ext cx="1708483" cy="369332"/>
+          </a:xfrm>
+          <a:prstGeom prst="rect">
+            <a:avLst/>
+          </a:prstGeom>
+          <a:noFill/>
+        </p:spPr>
+        <p:txBody>
+          <a:bodyPr wrap="square" rtlCol="0">
+            <a:spAutoFit/>
+          </a:bodyPr>
+          <a:lstStyle/>
+          <a:p>
+            <a:r>
+              <a:rPr lang="en-US" dirty="0" err="1"/>
+              <a:t>maxX</a:t>
+            </a:r>
+            <a:r>
+              <a:rPr lang="en-US" dirty="0"/>
+              <a:t>, </a:t>
+            </a:r>
+            <a:r>
+              <a:rPr lang="en-US" dirty="0" err="1"/>
+              <a:t>maxY</a:t>
+            </a:r>
+            <a:endParaRPr lang="en-US" dirty="0"/>
+          </a:p>
+        </p:txBody>
+      </p:sp>
+      <p:sp>
+        <p:nvSpPr>
+          <p:cNvPr id="25" name="TextBox 24">
+            <a:extLst>
+              <a:ext uri="{FF2B5EF4-FFF2-40B4-BE49-F238E27FC236}">
+                <a16:creationId xmlns:a16="http://schemas.microsoft.com/office/drawing/2014/main" id="{189BCDA2-4974-4ACF-8707-EBF63F1EDD1E}"/>
+              </a:ext>
+            </a:extLst>
+          </p:cNvPr>
+          <p:cNvSpPr txBox="1"/>
+          <p:nvPr/>
+        </p:nvSpPr>
+        <p:spPr>
+          <a:xfrm>
+            <a:off x="-908383" y="1874739"/>
+            <a:ext cx="1708483" cy="369332"/>
+          </a:xfrm>
+          <a:prstGeom prst="rect">
+            <a:avLst/>
+          </a:prstGeom>
+          <a:noFill/>
+        </p:spPr>
+        <p:txBody>
+          <a:bodyPr wrap="square" rtlCol="0">
+            <a:spAutoFit/>
+          </a:bodyPr>
+          <a:lstStyle/>
+          <a:p>
+            <a:r>
+              <a:rPr lang="en-US" dirty="0" err="1"/>
+              <a:t>maxX</a:t>
+            </a:r>
+            <a:r>
+              <a:rPr lang="en-US" dirty="0"/>
+              <a:t>-r/sqrt(2)</a:t>
+            </a:r>
+          </a:p>
+        </p:txBody>
+      </p:sp>
+      <p:grpSp>
+        <p:nvGrpSpPr>
+          <p:cNvPr id="6" name="Group 5">
+            <a:extLst>
+              <a:ext uri="{FF2B5EF4-FFF2-40B4-BE49-F238E27FC236}">
+                <a16:creationId xmlns:a16="http://schemas.microsoft.com/office/drawing/2014/main" id="{C2241BE6-E8F8-40FA-B5B8-4060636D9AAE}"/>
+              </a:ext>
+            </a:extLst>
+          </p:cNvPr>
+          <p:cNvGrpSpPr/>
+          <p:nvPr/>
+        </p:nvGrpSpPr>
+        <p:grpSpPr>
+          <a:xfrm>
+            <a:off x="3217758" y="3183896"/>
+            <a:ext cx="1525967" cy="1557971"/>
+            <a:chOff x="3152272" y="2478497"/>
+            <a:chExt cx="3356811" cy="3356811"/>
+          </a:xfrm>
+        </p:grpSpPr>
+        <p:sp>
+          <p:nvSpPr>
+            <p:cNvPr id="12" name="Oval 11">
+              <a:extLst>
+                <a:ext uri="{FF2B5EF4-FFF2-40B4-BE49-F238E27FC236}">
+                  <a16:creationId xmlns:a16="http://schemas.microsoft.com/office/drawing/2014/main" id="{5B78EF13-D1C8-48A1-9DD0-7D7256440FBA}"/>
+                </a:ext>
+              </a:extLst>
+            </p:cNvPr>
+            <p:cNvSpPr/>
+            <p:nvPr/>
+          </p:nvSpPr>
+          <p:spPr>
+            <a:xfrm>
+              <a:off x="3152272" y="2478497"/>
+              <a:ext cx="3356811" cy="3356811"/>
+            </a:xfrm>
+            <a:prstGeom prst="ellipse">
+              <a:avLst/>
+            </a:prstGeom>
+            <a:noFill/>
+            <a:ln w="57150">
+              <a:solidFill>
+                <a:schemeClr val="accent6">
+                  <a:lumMod val="50000"/>
+                </a:schemeClr>
+              </a:solidFill>
+              <a:prstDash val="sysDot"/>
+            </a:ln>
+          </p:spPr>
+          <p:style>
+            <a:lnRef idx="2">
+              <a:schemeClr val="accent1">
+                <a:shade val="50000"/>
+              </a:schemeClr>
+            </a:lnRef>
+            <a:fillRef idx="1">
+              <a:schemeClr val="accent1"/>
+            </a:fillRef>
+            <a:effectRef idx="0">
+              <a:schemeClr val="accent1"/>
+            </a:effectRef>
+            <a:fontRef idx="minor">
+              <a:schemeClr val="lt1"/>
+            </a:fontRef>
+          </p:style>
+          <p:txBody>
+            <a:bodyPr rtlCol="0" anchor="ctr"/>
+            <a:lstStyle/>
+            <a:p>
+              <a:pPr algn="ctr"/>
+              <a:endParaRPr lang="en-US" dirty="0"/>
+            </a:p>
+          </p:txBody>
+        </p:sp>
+        <p:cxnSp>
+          <p:nvCxnSpPr>
+            <p:cNvPr id="27" name="Straight Connector 26">
+              <a:extLst>
+                <a:ext uri="{FF2B5EF4-FFF2-40B4-BE49-F238E27FC236}">
+                  <a16:creationId xmlns:a16="http://schemas.microsoft.com/office/drawing/2014/main" id="{C791E714-5472-4995-82F7-06DF1FECCBE5}"/>
+                </a:ext>
+              </a:extLst>
+            </p:cNvPr>
+            <p:cNvCxnSpPr/>
+            <p:nvPr/>
+          </p:nvCxnSpPr>
+          <p:spPr>
+            <a:xfrm>
+              <a:off x="4890837" y="4096748"/>
+              <a:ext cx="1598194" cy="0"/>
+            </a:xfrm>
+            <a:prstGeom prst="line">
+              <a:avLst/>
+            </a:prstGeom>
+            <a:ln w="38100">
+              <a:solidFill>
+                <a:schemeClr val="tx1"/>
+              </a:solidFill>
+            </a:ln>
+          </p:spPr>
+          <p:style>
+            <a:lnRef idx="1">
+              <a:schemeClr val="accent1"/>
+            </a:lnRef>
+            <a:fillRef idx="0">
+              <a:schemeClr val="accent1"/>
+            </a:fillRef>
+            <a:effectRef idx="0">
+              <a:schemeClr val="accent1"/>
+            </a:effectRef>
+            <a:fontRef idx="minor">
+              <a:schemeClr val="tx1"/>
+            </a:fontRef>
+          </p:style>
+        </p:cxnSp>
+        <p:sp>
+          <p:nvSpPr>
+            <p:cNvPr id="28" name="TextBox 27">
+              <a:extLst>
+                <a:ext uri="{FF2B5EF4-FFF2-40B4-BE49-F238E27FC236}">
+                  <a16:creationId xmlns:a16="http://schemas.microsoft.com/office/drawing/2014/main" id="{8CE2D5AC-8999-4A2A-87FB-0174A5F04D45}"/>
+                </a:ext>
+              </a:extLst>
+            </p:cNvPr>
+            <p:cNvSpPr txBox="1"/>
+            <p:nvPr/>
+          </p:nvSpPr>
+          <p:spPr>
+            <a:xfrm>
+              <a:off x="5466345" y="3656945"/>
+              <a:ext cx="914400" cy="369332"/>
+            </a:xfrm>
+            <a:prstGeom prst="rect">
+              <a:avLst/>
+            </a:prstGeom>
+            <a:noFill/>
+          </p:spPr>
+          <p:txBody>
+            <a:bodyPr wrap="square" rtlCol="0">
+              <a:spAutoFit/>
+            </a:bodyPr>
+            <a:lstStyle/>
+            <a:p>
+              <a:r>
+                <a:rPr lang="en-US" dirty="0"/>
+                <a:t>r</a:t>
+              </a:r>
+            </a:p>
+          </p:txBody>
+        </p:sp>
+      </p:grpSp>
+      <p:sp>
+        <p:nvSpPr>
+          <p:cNvPr id="30" name="Oval 29">
+            <a:extLst>
+              <a:ext uri="{FF2B5EF4-FFF2-40B4-BE49-F238E27FC236}">
+                <a16:creationId xmlns:a16="http://schemas.microsoft.com/office/drawing/2014/main" id="{D603B500-B3F2-472C-B055-F596106B143A}"/>
+              </a:ext>
+            </a:extLst>
+          </p:cNvPr>
+          <p:cNvSpPr/>
+          <p:nvPr/>
+        </p:nvSpPr>
+        <p:spPr>
+          <a:xfrm>
+            <a:off x="3740471" y="805786"/>
+            <a:ext cx="166594" cy="166594"/>
+          </a:xfrm>
+          <a:prstGeom prst="ellipse">
+            <a:avLst/>
+          </a:prstGeom>
+          <a:solidFill>
+            <a:srgbClr val="FF0000"/>
+          </a:solidFill>
+          <a:ln>
+            <a:solidFill>
+              <a:srgbClr val="FF0000"/>
+            </a:solidFill>
+          </a:ln>
+        </p:spPr>
+        <p:style>
+          <a:lnRef idx="2">
+            <a:schemeClr val="accent1">
+              <a:shade val="50000"/>
+            </a:schemeClr>
+          </a:lnRef>
+          <a:fillRef idx="1">
+            <a:schemeClr val="accent1"/>
+          </a:fillRef>
+          <a:effectRef idx="0">
+            <a:schemeClr val="accent1"/>
+          </a:effectRef>
+          <a:fontRef idx="minor">
+            <a:schemeClr val="lt1"/>
+          </a:fontRef>
+        </p:style>
+        <p:txBody>
+          <a:bodyPr rtlCol="0" anchor="ctr"/>
+          <a:lstStyle/>
+          <a:p>
+            <a:pPr algn="ctr"/>
+            <a:endParaRPr lang="en-US"/>
+          </a:p>
+        </p:txBody>
+      </p:sp>
+      <p:grpSp>
+        <p:nvGrpSpPr>
+          <p:cNvPr id="9" name="Group 8">
+            <a:extLst>
+              <a:ext uri="{FF2B5EF4-FFF2-40B4-BE49-F238E27FC236}">
+                <a16:creationId xmlns:a16="http://schemas.microsoft.com/office/drawing/2014/main" id="{2D589636-38C1-4DCF-80CA-EBAF6D96F908}"/>
+              </a:ext>
+            </a:extLst>
+          </p:cNvPr>
+          <p:cNvGrpSpPr/>
+          <p:nvPr/>
+        </p:nvGrpSpPr>
+        <p:grpSpPr>
+          <a:xfrm>
+            <a:off x="3049257" y="3043971"/>
+            <a:ext cx="1212529" cy="1212529"/>
+            <a:chOff x="1666877" y="1108409"/>
+            <a:chExt cx="896180" cy="896180"/>
+          </a:xfrm>
+        </p:grpSpPr>
+        <p:grpSp>
+          <p:nvGrpSpPr>
+            <p:cNvPr id="3" name="Group 2">
+              <a:extLst>
+                <a:ext uri="{FF2B5EF4-FFF2-40B4-BE49-F238E27FC236}">
+                  <a16:creationId xmlns:a16="http://schemas.microsoft.com/office/drawing/2014/main" id="{8DF3BB45-8F95-4A79-8913-2BDB6228F55A}"/>
+                </a:ext>
+              </a:extLst>
+            </p:cNvPr>
+            <p:cNvGrpSpPr/>
+            <p:nvPr/>
+          </p:nvGrpSpPr>
+          <p:grpSpPr>
+            <a:xfrm>
+              <a:off x="1666877" y="1108409"/>
+              <a:ext cx="896180" cy="896180"/>
+              <a:chOff x="5015560" y="2202541"/>
+              <a:chExt cx="2171701" cy="2171701"/>
+            </a:xfrm>
+          </p:grpSpPr>
+          <p:sp>
+            <p:nvSpPr>
+              <p:cNvPr id="20" name="Oval 19">
+                <a:extLst>
+                  <a:ext uri="{FF2B5EF4-FFF2-40B4-BE49-F238E27FC236}">
+                    <a16:creationId xmlns:a16="http://schemas.microsoft.com/office/drawing/2014/main" id="{821314B7-82F3-4FCB-92DA-2BCB662673EB}"/>
+                  </a:ext>
+                </a:extLst>
+              </p:cNvPr>
+              <p:cNvSpPr/>
+              <p:nvPr/>
+            </p:nvSpPr>
+            <p:spPr>
+              <a:xfrm>
+                <a:off x="5015560" y="2202541"/>
+                <a:ext cx="2171701" cy="2171701"/>
+              </a:xfrm>
+              <a:prstGeom prst="ellipse">
+                <a:avLst/>
+              </a:prstGeom>
+              <a:noFill/>
+              <a:ln w="57150">
+                <a:solidFill>
+                  <a:schemeClr val="accent6"/>
+                </a:solidFill>
+                <a:prstDash val="sysDot"/>
+              </a:ln>
+            </p:spPr>
+            <p:style>
+              <a:lnRef idx="2">
+                <a:schemeClr val="accent1">
+                  <a:shade val="50000"/>
+                </a:schemeClr>
+              </a:lnRef>
+              <a:fillRef idx="1">
+                <a:schemeClr val="accent1"/>
+              </a:fillRef>
+              <a:effectRef idx="0">
+                <a:schemeClr val="accent1"/>
+              </a:effectRef>
+              <a:fontRef idx="minor">
+                <a:schemeClr val="lt1"/>
+              </a:fontRef>
+            </p:style>
+            <p:txBody>
+              <a:bodyPr rtlCol="0" anchor="ctr"/>
+              <a:lstStyle/>
+              <a:p>
+                <a:pPr algn="ctr"/>
+                <a:endParaRPr lang="en-US"/>
+              </a:p>
+            </p:txBody>
+          </p:sp>
+          <p:sp>
+            <p:nvSpPr>
+              <p:cNvPr id="23" name="Oval 22">
+                <a:extLst>
+                  <a:ext uri="{FF2B5EF4-FFF2-40B4-BE49-F238E27FC236}">
+                    <a16:creationId xmlns:a16="http://schemas.microsoft.com/office/drawing/2014/main" id="{2B528D38-621C-4DE2-9AE2-72AE8759570E}"/>
+                  </a:ext>
+                </a:extLst>
+              </p:cNvPr>
+              <p:cNvSpPr/>
+              <p:nvPr/>
+            </p:nvSpPr>
+            <p:spPr>
+              <a:xfrm>
+                <a:off x="5963848" y="3100957"/>
+                <a:ext cx="310817" cy="310817"/>
+              </a:xfrm>
+              <a:prstGeom prst="ellipse">
+                <a:avLst/>
+              </a:prstGeom>
+              <a:solidFill>
+                <a:schemeClr val="accent6"/>
+              </a:solidFill>
+              <a:ln w="57150">
+                <a:noFill/>
+                <a:prstDash val="sysDot"/>
+              </a:ln>
+            </p:spPr>
+            <p:style>
+              <a:lnRef idx="2">
+                <a:schemeClr val="accent1">
+                  <a:shade val="50000"/>
+                </a:schemeClr>
+              </a:lnRef>
+              <a:fillRef idx="1">
+                <a:schemeClr val="accent1"/>
+              </a:fillRef>
+              <a:effectRef idx="0">
+                <a:schemeClr val="accent1"/>
+              </a:effectRef>
+              <a:fontRef idx="minor">
+                <a:schemeClr val="lt1"/>
+              </a:fontRef>
+            </p:style>
+            <p:txBody>
+              <a:bodyPr rtlCol="0" anchor="ctr"/>
+              <a:lstStyle/>
+              <a:p>
+                <a:pPr algn="ctr"/>
+                <a:endParaRPr lang="en-US"/>
+              </a:p>
+            </p:txBody>
+          </p:sp>
+        </p:grpSp>
+        <p:sp>
+          <p:nvSpPr>
+            <p:cNvPr id="34" name="Oval 33">
+              <a:extLst>
+                <a:ext uri="{FF2B5EF4-FFF2-40B4-BE49-F238E27FC236}">
+                  <a16:creationId xmlns:a16="http://schemas.microsoft.com/office/drawing/2014/main" id="{E6152DB9-5A20-42B7-AC01-8FCA93C5782B}"/>
+                </a:ext>
+              </a:extLst>
+            </p:cNvPr>
+            <p:cNvSpPr/>
+            <p:nvPr/>
+          </p:nvSpPr>
+          <p:spPr>
+            <a:xfrm>
+              <a:off x="1945433" y="1386965"/>
+              <a:ext cx="339069" cy="339069"/>
+            </a:xfrm>
+            <a:prstGeom prst="ellipse">
+              <a:avLst/>
+            </a:prstGeom>
+            <a:solidFill>
+              <a:schemeClr val="accent6"/>
+            </a:solidFill>
+            <a:ln w="57150">
+              <a:noFill/>
+              <a:prstDash val="sysDot"/>
+            </a:ln>
+          </p:spPr>
+          <p:style>
+            <a:lnRef idx="2">
+              <a:schemeClr val="accent1">
+                <a:shade val="50000"/>
+              </a:schemeClr>
+            </a:lnRef>
+            <a:fillRef idx="1">
+              <a:schemeClr val="accent1"/>
+            </a:fillRef>
+            <a:effectRef idx="0">
+              <a:schemeClr val="accent1"/>
+            </a:effectRef>
+            <a:fontRef idx="minor">
+              <a:schemeClr val="lt1"/>
+            </a:fontRef>
+          </p:style>
+          <p:txBody>
+            <a:bodyPr rtlCol="0" anchor="ctr"/>
+            <a:lstStyle/>
+            <a:p>
+              <a:pPr algn="ctr"/>
+              <a:endParaRPr lang="en-US"/>
+            </a:p>
+          </p:txBody>
+        </p:sp>
+      </p:grpSp>
+      <p:sp>
+        <p:nvSpPr>
+          <p:cNvPr id="11" name="TextBox 10">
+            <a:extLst>
+              <a:ext uri="{FF2B5EF4-FFF2-40B4-BE49-F238E27FC236}">
+                <a16:creationId xmlns:a16="http://schemas.microsoft.com/office/drawing/2014/main" id="{D110BC64-48D2-4F22-9549-67884C230D70}"/>
+              </a:ext>
+            </a:extLst>
+          </p:cNvPr>
+          <p:cNvSpPr txBox="1"/>
+          <p:nvPr/>
+        </p:nvSpPr>
+        <p:spPr>
+          <a:xfrm>
+            <a:off x="6539948" y="2773017"/>
+            <a:ext cx="6460435" cy="923330"/>
+          </a:xfrm>
+          <a:prstGeom prst="rect">
+            <a:avLst/>
+          </a:prstGeom>
+          <a:noFill/>
+        </p:spPr>
+        <p:txBody>
+          <a:bodyPr wrap="square" rtlCol="0">
+            <a:spAutoFit/>
+          </a:bodyPr>
+          <a:lstStyle/>
+          <a:p>
+            <a:r>
+              <a:rPr lang="en-US" dirty="0"/>
+              <a:t>distance(</a:t>
+            </a:r>
+            <a:r>
+              <a:rPr lang="en-US" dirty="0" err="1"/>
+              <a:t>t,p</a:t>
+            </a:r>
+            <a:r>
+              <a:rPr lang="en-US" dirty="0"/>
+              <a:t>)/(</a:t>
+            </a:r>
+            <a:r>
+              <a:rPr lang="en-US" dirty="0" err="1"/>
+              <a:t>maxVp-maxVt</a:t>
+            </a:r>
+            <a:r>
+              <a:rPr lang="en-US" dirty="0"/>
+              <a:t>) &gt;= distance(</a:t>
+            </a:r>
+            <a:r>
+              <a:rPr lang="en-US" dirty="0" err="1"/>
+              <a:t>proj</a:t>
+            </a:r>
+            <a:r>
+              <a:rPr lang="en-US" dirty="0"/>
+              <a:t>(</a:t>
+            </a:r>
+            <a:r>
+              <a:rPr lang="en-US" dirty="0" err="1"/>
+              <a:t>tfinal</a:t>
+            </a:r>
+            <a:r>
+              <a:rPr lang="en-US" dirty="0"/>
+              <a:t>),r)/(</a:t>
+            </a:r>
+            <a:r>
+              <a:rPr lang="en-US" dirty="0" err="1"/>
+              <a:t>maxVr</a:t>
+            </a:r>
+            <a:r>
+              <a:rPr lang="en-US" dirty="0"/>
+              <a:t>-x)</a:t>
+            </a:r>
+          </a:p>
+          <a:p>
+            <a:r>
+              <a:rPr lang="en-US" dirty="0"/>
+              <a:t>where x depends on how much intersection between </a:t>
+            </a:r>
+            <a:r>
+              <a:rPr lang="en-US" dirty="0" err="1"/>
+              <a:t>capr</a:t>
+            </a:r>
+            <a:r>
+              <a:rPr lang="en-US" dirty="0"/>
+              <a:t> and </a:t>
+            </a:r>
+            <a:r>
+              <a:rPr lang="en-US" dirty="0" err="1"/>
+              <a:t>preyr</a:t>
+            </a:r>
+            <a:r>
+              <a:rPr lang="en-US" dirty="0"/>
+              <a:t> is invariant</a:t>
+            </a:r>
+          </a:p>
+        </p:txBody>
+      </p:sp>
+    </p:spTree>
+    <p:extLst>
+      <p:ext uri="{BB962C8B-B14F-4D97-AF65-F5344CB8AC3E}">
+        <p14:creationId xmlns:p14="http://schemas.microsoft.com/office/powerpoint/2010/main" val="1254089067"/>
+      </p:ext>
+    </p:extLst>
+  </p:cSld>
+  <p:clrMapOvr>
+    <a:masterClrMapping/>
+  </p:clrMapOvr>
+</p:sld>
+</file>
+
+<file path=ppt/slides/slide7.xml><?xml version="1.0" encoding="utf-8"?>
+<p:sld xmlns:a="http://schemas.openxmlformats.org/drawingml/2006/main" xmlns:r="http://schemas.openxmlformats.org/officeDocument/2006/relationships" xmlns:p="http://schemas.openxmlformats.org/presentationml/2006/main">
+  <p:cSld>
+    <p:spTree>
+      <p:nvGrpSpPr>
+        <p:cNvPr id="1" name=""/>
+        <p:cNvGrpSpPr/>
+        <p:nvPr/>
+      </p:nvGrpSpPr>
+      <p:grpSpPr>
+        <a:xfrm>
+          <a:off x="0" y="0"/>
+          <a:ext cx="0" cy="0"/>
+          <a:chOff x="0" y="0"/>
+          <a:chExt cx="0" cy="0"/>
+        </a:xfrm>
+      </p:grpSpPr>
+      <p:sp>
+        <p:nvSpPr>
+          <p:cNvPr id="4" name="Oval 3">
+            <a:extLst>
+              <a:ext uri="{FF2B5EF4-FFF2-40B4-BE49-F238E27FC236}">
+                <a16:creationId xmlns:a16="http://schemas.microsoft.com/office/drawing/2014/main" id="{5BE1BE23-629A-47A9-87BB-BD68A7CC9677}"/>
+              </a:ext>
+            </a:extLst>
+          </p:cNvPr>
+          <p:cNvSpPr/>
+          <p:nvPr/>
+        </p:nvSpPr>
+        <p:spPr>
+          <a:xfrm>
+            <a:off x="1510748" y="785191"/>
+            <a:ext cx="3707295" cy="3707295"/>
+          </a:xfrm>
+          <a:prstGeom prst="ellipse">
+            <a:avLst/>
+          </a:prstGeom>
+          <a:noFill/>
+          <a:ln w="38100">
+            <a:solidFill>
+              <a:srgbClr val="92D050"/>
+            </a:solidFill>
+          </a:ln>
+        </p:spPr>
+        <p:style>
+          <a:lnRef idx="2">
+            <a:schemeClr val="accent1">
+              <a:shade val="50000"/>
+            </a:schemeClr>
+          </a:lnRef>
+          <a:fillRef idx="1">
+            <a:schemeClr val="accent1"/>
+          </a:fillRef>
+          <a:effectRef idx="0">
+            <a:schemeClr val="accent1"/>
+          </a:effectRef>
+          <a:fontRef idx="minor">
+            <a:schemeClr val="lt1"/>
+          </a:fontRef>
+        </p:style>
+        <p:txBody>
+          <a:bodyPr rtlCol="0" anchor="ctr"/>
+          <a:lstStyle/>
+          <a:p>
+            <a:pPr algn="ctr"/>
+            <a:endParaRPr lang="en-US"/>
+          </a:p>
+        </p:txBody>
+      </p:sp>
+      <p:sp>
+        <p:nvSpPr>
+          <p:cNvPr id="5" name="Oval 4">
+            <a:extLst>
+              <a:ext uri="{FF2B5EF4-FFF2-40B4-BE49-F238E27FC236}">
+                <a16:creationId xmlns:a16="http://schemas.microsoft.com/office/drawing/2014/main" id="{52AD09E3-BD4F-437C-B32E-D6AB12AE0265}"/>
+              </a:ext>
+            </a:extLst>
+          </p:cNvPr>
+          <p:cNvSpPr/>
+          <p:nvPr/>
+        </p:nvSpPr>
+        <p:spPr>
+          <a:xfrm>
+            <a:off x="1898374" y="1321904"/>
+            <a:ext cx="218661" cy="218661"/>
+          </a:xfrm>
+          <a:prstGeom prst="ellipse">
+            <a:avLst/>
+          </a:prstGeom>
+          <a:solidFill>
+            <a:srgbClr val="FF0000"/>
+          </a:solidFill>
+          <a:ln>
+            <a:solidFill>
+              <a:srgbClr val="FF0000"/>
+            </a:solidFill>
+          </a:ln>
+        </p:spPr>
+        <p:style>
+          <a:lnRef idx="2">
+            <a:schemeClr val="accent1">
+              <a:shade val="50000"/>
+            </a:schemeClr>
+          </a:lnRef>
+          <a:fillRef idx="1">
+            <a:schemeClr val="accent1"/>
+          </a:fillRef>
+          <a:effectRef idx="0">
+            <a:schemeClr val="accent1"/>
+          </a:effectRef>
+          <a:fontRef idx="minor">
+            <a:schemeClr val="lt1"/>
+          </a:fontRef>
+        </p:style>
+        <p:txBody>
+          <a:bodyPr rtlCol="0" anchor="ctr"/>
+          <a:lstStyle/>
+          <a:p>
+            <a:pPr algn="ctr"/>
+            <a:endParaRPr lang="en-US"/>
+          </a:p>
+        </p:txBody>
+      </p:sp>
+      <p:sp>
+        <p:nvSpPr>
+          <p:cNvPr id="6" name="Oval 5">
+            <a:extLst>
+              <a:ext uri="{FF2B5EF4-FFF2-40B4-BE49-F238E27FC236}">
+                <a16:creationId xmlns:a16="http://schemas.microsoft.com/office/drawing/2014/main" id="{D35E9AAA-EA54-440F-97EE-E92A289AB92D}"/>
+              </a:ext>
+            </a:extLst>
+          </p:cNvPr>
+          <p:cNvSpPr/>
+          <p:nvPr/>
+        </p:nvSpPr>
+        <p:spPr>
+          <a:xfrm>
+            <a:off x="3255064" y="2529507"/>
+            <a:ext cx="218661" cy="218661"/>
+          </a:xfrm>
+          <a:prstGeom prst="ellipse">
+            <a:avLst/>
+          </a:prstGeom>
+          <a:solidFill>
+            <a:schemeClr val="accent6">
+              <a:lumMod val="75000"/>
+            </a:schemeClr>
+          </a:solidFill>
+          <a:ln>
+            <a:solidFill>
+              <a:schemeClr val="accent6">
+                <a:lumMod val="75000"/>
+              </a:schemeClr>
+            </a:solidFill>
+          </a:ln>
+        </p:spPr>
+        <p:style>
+          <a:lnRef idx="2">
+            <a:schemeClr val="accent1">
+              <a:shade val="50000"/>
+            </a:schemeClr>
+          </a:lnRef>
+          <a:fillRef idx="1">
+            <a:schemeClr val="accent1"/>
+          </a:fillRef>
+          <a:effectRef idx="0">
+            <a:schemeClr val="accent1"/>
+          </a:effectRef>
+          <a:fontRef idx="minor">
+            <a:schemeClr val="lt1"/>
+          </a:fontRef>
+        </p:style>
+        <p:txBody>
+          <a:bodyPr rtlCol="0" anchor="ctr"/>
+          <a:lstStyle/>
+          <a:p>
+            <a:pPr algn="ctr"/>
+            <a:endParaRPr lang="en-US"/>
+          </a:p>
+        </p:txBody>
+      </p:sp>
+      <p:cxnSp>
+        <p:nvCxnSpPr>
+          <p:cNvPr id="8" name="Straight Arrow Connector 7">
+            <a:extLst>
+              <a:ext uri="{FF2B5EF4-FFF2-40B4-BE49-F238E27FC236}">
+                <a16:creationId xmlns:a16="http://schemas.microsoft.com/office/drawing/2014/main" id="{E0082622-15EF-46E2-8655-5864D25A95A1}"/>
+              </a:ext>
+            </a:extLst>
+          </p:cNvPr>
+          <p:cNvCxnSpPr>
+            <a:cxnSpLocks/>
+            <a:endCxn id="6" idx="1"/>
+          </p:cNvCxnSpPr>
+          <p:nvPr/>
+        </p:nvCxnSpPr>
+        <p:spPr>
+          <a:xfrm>
+            <a:off x="2007704" y="1421914"/>
+            <a:ext cx="1279382" cy="1139615"/>
+          </a:xfrm>
+          <a:prstGeom prst="straightConnector1">
+            <a:avLst/>
+          </a:prstGeom>
+          <a:ln w="38100">
+            <a:solidFill>
+              <a:schemeClr val="tx1"/>
+            </a:solidFill>
+            <a:tailEnd type="triangle"/>
+          </a:ln>
+        </p:spPr>
+        <p:style>
+          <a:lnRef idx="1">
+            <a:schemeClr val="accent1"/>
+          </a:lnRef>
+          <a:fillRef idx="0">
+            <a:schemeClr val="accent1"/>
+          </a:fillRef>
+          <a:effectRef idx="0">
+            <a:schemeClr val="accent1"/>
+          </a:effectRef>
+          <a:fontRef idx="minor">
+            <a:schemeClr val="tx1"/>
+          </a:fontRef>
+        </p:style>
+      </p:cxnSp>
+      <p:cxnSp>
+        <p:nvCxnSpPr>
+          <p:cNvPr id="12" name="Straight Arrow Connector 11">
+            <a:extLst>
+              <a:ext uri="{FF2B5EF4-FFF2-40B4-BE49-F238E27FC236}">
+                <a16:creationId xmlns:a16="http://schemas.microsoft.com/office/drawing/2014/main" id="{F4DBBFBD-9761-4247-BAAA-3721E568681C}"/>
+              </a:ext>
+            </a:extLst>
+          </p:cNvPr>
+          <p:cNvCxnSpPr>
+            <a:cxnSpLocks/>
+          </p:cNvCxnSpPr>
+          <p:nvPr/>
+        </p:nvCxnSpPr>
+        <p:spPr>
+          <a:xfrm>
+            <a:off x="2007704" y="1421913"/>
+            <a:ext cx="1279382" cy="9321"/>
+          </a:xfrm>
+          <a:prstGeom prst="straightConnector1">
+            <a:avLst/>
+          </a:prstGeom>
+          <a:ln w="38100">
+            <a:solidFill>
+              <a:schemeClr val="tx1"/>
+            </a:solidFill>
+            <a:tailEnd type="triangle"/>
+          </a:ln>
+        </p:spPr>
+        <p:style>
+          <a:lnRef idx="1">
+            <a:schemeClr val="accent1"/>
+          </a:lnRef>
+          <a:fillRef idx="0">
+            <a:schemeClr val="accent1"/>
+          </a:fillRef>
+          <a:effectRef idx="0">
+            <a:schemeClr val="accent1"/>
+          </a:effectRef>
+          <a:fontRef idx="minor">
+            <a:schemeClr val="tx1"/>
+          </a:fontRef>
+        </p:style>
+      </p:cxnSp>
+      <p:cxnSp>
+        <p:nvCxnSpPr>
+          <p:cNvPr id="14" name="Straight Arrow Connector 13">
+            <a:extLst>
+              <a:ext uri="{FF2B5EF4-FFF2-40B4-BE49-F238E27FC236}">
+                <a16:creationId xmlns:a16="http://schemas.microsoft.com/office/drawing/2014/main" id="{6545FF72-2E12-4654-B988-9F70193EFD7B}"/>
+              </a:ext>
+            </a:extLst>
+          </p:cNvPr>
+          <p:cNvCxnSpPr>
+            <a:cxnSpLocks/>
+            <a:endCxn id="6" idx="1"/>
+          </p:cNvCxnSpPr>
+          <p:nvPr/>
+        </p:nvCxnSpPr>
+        <p:spPr>
+          <a:xfrm>
+            <a:off x="3287086" y="1426573"/>
+            <a:ext cx="0" cy="1134956"/>
+          </a:xfrm>
+          <a:prstGeom prst="straightConnector1">
+            <a:avLst/>
+          </a:prstGeom>
+          <a:ln w="38100">
+            <a:solidFill>
+              <a:schemeClr val="tx1"/>
+            </a:solidFill>
+            <a:tailEnd type="triangle"/>
+          </a:ln>
+        </p:spPr>
+        <p:style>
+          <a:lnRef idx="1">
+            <a:schemeClr val="accent1"/>
+          </a:lnRef>
+          <a:fillRef idx="0">
+            <a:schemeClr val="accent1"/>
+          </a:fillRef>
+          <a:effectRef idx="0">
+            <a:schemeClr val="accent1"/>
+          </a:effectRef>
+          <a:fontRef idx="minor">
+            <a:schemeClr val="tx1"/>
+          </a:fontRef>
+        </p:style>
+      </p:cxnSp>
+      <p:sp>
+        <p:nvSpPr>
+          <p:cNvPr id="16" name="TextBox 15">
+            <a:extLst>
+              <a:ext uri="{FF2B5EF4-FFF2-40B4-BE49-F238E27FC236}">
+                <a16:creationId xmlns:a16="http://schemas.microsoft.com/office/drawing/2014/main" id="{192B7AF2-5806-4E5B-99AC-059BF6A29A8D}"/>
+              </a:ext>
+            </a:extLst>
+          </p:cNvPr>
+          <p:cNvSpPr txBox="1"/>
+          <p:nvPr/>
+        </p:nvSpPr>
+        <p:spPr>
+          <a:xfrm>
+            <a:off x="2252932" y="1137238"/>
+            <a:ext cx="1002132" cy="369332"/>
+          </a:xfrm>
+          <a:prstGeom prst="rect">
+            <a:avLst/>
+          </a:prstGeom>
+          <a:noFill/>
+        </p:spPr>
+        <p:txBody>
+          <a:bodyPr wrap="square" rtlCol="0">
+            <a:spAutoFit/>
+          </a:bodyPr>
+          <a:lstStyle/>
+          <a:p>
+            <a:r>
+              <a:rPr lang="en-US" dirty="0"/>
+              <a:t>xT1-xP1</a:t>
+            </a:r>
+          </a:p>
+        </p:txBody>
+      </p:sp>
+      <p:sp>
+        <p:nvSpPr>
+          <p:cNvPr id="17" name="TextBox 16">
+            <a:extLst>
+              <a:ext uri="{FF2B5EF4-FFF2-40B4-BE49-F238E27FC236}">
+                <a16:creationId xmlns:a16="http://schemas.microsoft.com/office/drawing/2014/main" id="{83F2A044-099B-4261-B8CD-0FD3E1581B98}"/>
+              </a:ext>
+            </a:extLst>
+          </p:cNvPr>
+          <p:cNvSpPr txBox="1"/>
+          <p:nvPr/>
+        </p:nvSpPr>
+        <p:spPr>
+          <a:xfrm rot="5400000">
+            <a:off x="3007912" y="1822970"/>
+            <a:ext cx="1002132" cy="369332"/>
+          </a:xfrm>
+          <a:prstGeom prst="rect">
+            <a:avLst/>
+          </a:prstGeom>
+          <a:noFill/>
+        </p:spPr>
+        <p:txBody>
+          <a:bodyPr wrap="square" rtlCol="0">
+            <a:spAutoFit/>
+          </a:bodyPr>
+          <a:lstStyle/>
+          <a:p>
+            <a:r>
+              <a:rPr lang="en-US" dirty="0"/>
+              <a:t>yT1-yP1</a:t>
+            </a:r>
+          </a:p>
+        </p:txBody>
+      </p:sp>
+      <p:cxnSp>
+        <p:nvCxnSpPr>
+          <p:cNvPr id="18" name="Straight Arrow Connector 17">
+            <a:extLst>
+              <a:ext uri="{FF2B5EF4-FFF2-40B4-BE49-F238E27FC236}">
+                <a16:creationId xmlns:a16="http://schemas.microsoft.com/office/drawing/2014/main" id="{BC21D2E2-A645-4DC3-80C2-5EC2707AB062}"/>
+              </a:ext>
+            </a:extLst>
+          </p:cNvPr>
+          <p:cNvCxnSpPr>
+            <a:cxnSpLocks/>
+          </p:cNvCxnSpPr>
+          <p:nvPr/>
+        </p:nvCxnSpPr>
+        <p:spPr>
+          <a:xfrm>
+            <a:off x="3364394" y="2631490"/>
+            <a:ext cx="852674" cy="759523"/>
+          </a:xfrm>
+          <a:prstGeom prst="straightConnector1">
+            <a:avLst/>
+          </a:prstGeom>
+          <a:ln w="38100">
+            <a:solidFill>
+              <a:schemeClr val="accent6">
+                <a:lumMod val="50000"/>
+              </a:schemeClr>
+            </a:solidFill>
+            <a:tailEnd type="triangle"/>
+          </a:ln>
+        </p:spPr>
+        <p:style>
+          <a:lnRef idx="1">
+            <a:schemeClr val="accent1"/>
+          </a:lnRef>
+          <a:fillRef idx="0">
+            <a:schemeClr val="accent1"/>
+          </a:fillRef>
+          <a:effectRef idx="0">
+            <a:schemeClr val="accent1"/>
+          </a:effectRef>
+          <a:fontRef idx="minor">
+            <a:schemeClr val="tx1"/>
+          </a:fontRef>
+        </p:style>
+      </p:cxnSp>
+      <p:sp>
+        <p:nvSpPr>
+          <p:cNvPr id="20" name="TextBox 19">
+            <a:extLst>
+              <a:ext uri="{FF2B5EF4-FFF2-40B4-BE49-F238E27FC236}">
+                <a16:creationId xmlns:a16="http://schemas.microsoft.com/office/drawing/2014/main" id="{C6B5718F-2BBE-4E39-B10B-658ADA20E88F}"/>
+              </a:ext>
+            </a:extLst>
+          </p:cNvPr>
+          <p:cNvSpPr txBox="1"/>
+          <p:nvPr/>
+        </p:nvSpPr>
+        <p:spPr>
+          <a:xfrm>
+            <a:off x="5775158" y="1353652"/>
+            <a:ext cx="4409138" cy="1200329"/>
+          </a:xfrm>
+          <a:prstGeom prst="rect">
+            <a:avLst/>
+          </a:prstGeom>
+          <a:noFill/>
+        </p:spPr>
+        <p:txBody>
+          <a:bodyPr wrap="square" rtlCol="0">
+            <a:spAutoFit/>
+          </a:bodyPr>
+          <a:lstStyle/>
+          <a:p>
+            <a:r>
+              <a:rPr lang="en-US" dirty="0"/>
+              <a:t>dyT1/dxT1 = (yT1-yP1)/(xT1-xP1)</a:t>
+            </a:r>
+          </a:p>
+          <a:p>
+            <a:r>
+              <a:rPr lang="en-US" dirty="0"/>
+              <a:t>dyT1(xT1-xP1) = dxT1(yT1-yP1)</a:t>
+            </a:r>
+          </a:p>
+          <a:p>
+            <a:r>
+              <a:rPr lang="en-US" dirty="0"/>
+              <a:t> &amp; (not at wall -&gt; dxT1^2+dyT1^2 = maxVt^2)</a:t>
+            </a:r>
+          </a:p>
+          <a:p>
+            <a:endParaRPr lang="en-US" dirty="0"/>
+          </a:p>
+        </p:txBody>
+      </p:sp>
+      <p:cxnSp>
+        <p:nvCxnSpPr>
+          <p:cNvPr id="21" name="Straight Arrow Connector 20">
+            <a:extLst>
+              <a:ext uri="{FF2B5EF4-FFF2-40B4-BE49-F238E27FC236}">
+                <a16:creationId xmlns:a16="http://schemas.microsoft.com/office/drawing/2014/main" id="{0F159910-3126-42C2-B024-94E298FB1CA1}"/>
+              </a:ext>
+            </a:extLst>
+          </p:cNvPr>
+          <p:cNvCxnSpPr>
+            <a:cxnSpLocks/>
+          </p:cNvCxnSpPr>
+          <p:nvPr/>
+        </p:nvCxnSpPr>
+        <p:spPr>
+          <a:xfrm>
+            <a:off x="4217068" y="2656974"/>
+            <a:ext cx="0" cy="734039"/>
+          </a:xfrm>
+          <a:prstGeom prst="straightConnector1">
+            <a:avLst/>
+          </a:prstGeom>
+          <a:ln w="38100">
+            <a:solidFill>
+              <a:schemeClr val="accent6">
+                <a:lumMod val="50000"/>
+              </a:schemeClr>
+            </a:solidFill>
+            <a:tailEnd type="triangle"/>
+          </a:ln>
+        </p:spPr>
+        <p:style>
+          <a:lnRef idx="1">
+            <a:schemeClr val="accent1"/>
+          </a:lnRef>
+          <a:fillRef idx="0">
+            <a:schemeClr val="accent1"/>
+          </a:fillRef>
+          <a:effectRef idx="0">
+            <a:schemeClr val="accent1"/>
+          </a:effectRef>
+          <a:fontRef idx="minor">
+            <a:schemeClr val="tx1"/>
+          </a:fontRef>
+        </p:style>
+      </p:cxnSp>
+      <p:cxnSp>
+        <p:nvCxnSpPr>
+          <p:cNvPr id="23" name="Straight Arrow Connector 22">
+            <a:extLst>
+              <a:ext uri="{FF2B5EF4-FFF2-40B4-BE49-F238E27FC236}">
+                <a16:creationId xmlns:a16="http://schemas.microsoft.com/office/drawing/2014/main" id="{5E3D0F11-5B58-4EF2-BD0F-F70A59FA616C}"/>
+              </a:ext>
+            </a:extLst>
+          </p:cNvPr>
+          <p:cNvCxnSpPr>
+            <a:cxnSpLocks/>
+          </p:cNvCxnSpPr>
+          <p:nvPr/>
+        </p:nvCxnSpPr>
+        <p:spPr>
+          <a:xfrm>
+            <a:off x="3364394" y="2630069"/>
+            <a:ext cx="852674" cy="0"/>
+          </a:xfrm>
+          <a:prstGeom prst="straightConnector1">
+            <a:avLst/>
+          </a:prstGeom>
+          <a:ln w="38100">
+            <a:solidFill>
+              <a:schemeClr val="accent6">
+                <a:lumMod val="50000"/>
+              </a:schemeClr>
+            </a:solidFill>
+            <a:tailEnd type="triangle"/>
+          </a:ln>
+        </p:spPr>
+        <p:style>
+          <a:lnRef idx="1">
+            <a:schemeClr val="accent1"/>
+          </a:lnRef>
+          <a:fillRef idx="0">
+            <a:schemeClr val="accent1"/>
+          </a:fillRef>
+          <a:effectRef idx="0">
+            <a:schemeClr val="accent1"/>
+          </a:effectRef>
+          <a:fontRef idx="minor">
+            <a:schemeClr val="tx1"/>
+          </a:fontRef>
+        </p:style>
+      </p:cxnSp>
+      <p:sp>
+        <p:nvSpPr>
+          <p:cNvPr id="26" name="TextBox 25">
+            <a:extLst>
+              <a:ext uri="{FF2B5EF4-FFF2-40B4-BE49-F238E27FC236}">
+                <a16:creationId xmlns:a16="http://schemas.microsoft.com/office/drawing/2014/main" id="{AF4C0FED-F475-4245-A49B-9981E9880FFE}"/>
+              </a:ext>
+            </a:extLst>
+          </p:cNvPr>
+          <p:cNvSpPr txBox="1"/>
+          <p:nvPr/>
+        </p:nvSpPr>
+        <p:spPr>
+          <a:xfrm>
+            <a:off x="3505747" y="2276982"/>
+            <a:ext cx="763493" cy="369332"/>
+          </a:xfrm>
+          <a:prstGeom prst="rect">
+            <a:avLst/>
+          </a:prstGeom>
+          <a:noFill/>
+        </p:spPr>
+        <p:txBody>
+          <a:bodyPr wrap="square" rtlCol="0">
+            <a:spAutoFit/>
+          </a:bodyPr>
+          <a:lstStyle/>
+          <a:p>
+            <a:r>
+              <a:rPr lang="en-US" dirty="0"/>
+              <a:t>dxT1</a:t>
+            </a:r>
+          </a:p>
+        </p:txBody>
+      </p:sp>
+      <p:sp>
+        <p:nvSpPr>
+          <p:cNvPr id="28" name="TextBox 27">
+            <a:extLst>
+              <a:ext uri="{FF2B5EF4-FFF2-40B4-BE49-F238E27FC236}">
+                <a16:creationId xmlns:a16="http://schemas.microsoft.com/office/drawing/2014/main" id="{58FA0666-6727-42B1-A6EB-2950101064D5}"/>
+              </a:ext>
+            </a:extLst>
+          </p:cNvPr>
+          <p:cNvSpPr txBox="1"/>
+          <p:nvPr/>
+        </p:nvSpPr>
+        <p:spPr>
+          <a:xfrm rot="5400000">
+            <a:off x="4044683" y="2843395"/>
+            <a:ext cx="763493" cy="369332"/>
+          </a:xfrm>
+          <a:prstGeom prst="rect">
+            <a:avLst/>
+          </a:prstGeom>
+          <a:noFill/>
+        </p:spPr>
+        <p:txBody>
+          <a:bodyPr wrap="square" rtlCol="0">
+            <a:spAutoFit/>
+          </a:bodyPr>
+          <a:lstStyle/>
+          <a:p>
+            <a:r>
+              <a:rPr lang="en-US" dirty="0"/>
+              <a:t>dyT1</a:t>
+            </a:r>
+          </a:p>
+        </p:txBody>
+      </p:sp>
+      <p:cxnSp>
+        <p:nvCxnSpPr>
+          <p:cNvPr id="30" name="Straight Connector 29">
+            <a:extLst>
+              <a:ext uri="{FF2B5EF4-FFF2-40B4-BE49-F238E27FC236}">
+                <a16:creationId xmlns:a16="http://schemas.microsoft.com/office/drawing/2014/main" id="{32CABAEA-3859-453D-A13D-B0D677D63DC0}"/>
+              </a:ext>
+            </a:extLst>
+          </p:cNvPr>
+          <p:cNvCxnSpPr>
+            <a:cxnSpLocks/>
+          </p:cNvCxnSpPr>
+          <p:nvPr/>
+        </p:nvCxnSpPr>
+        <p:spPr>
+          <a:xfrm flipH="1">
+            <a:off x="3786100" y="1648306"/>
+            <a:ext cx="9261" cy="3127449"/>
+          </a:xfrm>
+          <a:prstGeom prst="line">
+            <a:avLst/>
+          </a:prstGeom>
+        </p:spPr>
+        <p:style>
+          <a:lnRef idx="1">
+            <a:schemeClr val="accent1"/>
+          </a:lnRef>
+          <a:fillRef idx="0">
+            <a:schemeClr val="accent1"/>
+          </a:fillRef>
+          <a:effectRef idx="0">
+            <a:schemeClr val="accent1"/>
+          </a:effectRef>
+          <a:fontRef idx="minor">
+            <a:schemeClr val="tx1"/>
+          </a:fontRef>
+        </p:style>
+      </p:cxnSp>
+      <p:sp>
+        <p:nvSpPr>
+          <p:cNvPr id="2" name="TextBox 1">
+            <a:extLst>
+              <a:ext uri="{FF2B5EF4-FFF2-40B4-BE49-F238E27FC236}">
+                <a16:creationId xmlns:a16="http://schemas.microsoft.com/office/drawing/2014/main" id="{6DEEA951-7800-4B51-A9A9-27C3220B54E9}"/>
+              </a:ext>
+            </a:extLst>
+          </p:cNvPr>
+          <p:cNvSpPr txBox="1"/>
+          <p:nvPr/>
+        </p:nvSpPr>
+        <p:spPr>
+          <a:xfrm>
+            <a:off x="6172200" y="3212030"/>
+            <a:ext cx="4850296" cy="2585323"/>
+          </a:xfrm>
+          <a:prstGeom prst="rect">
+            <a:avLst/>
+          </a:prstGeom>
+          <a:noFill/>
+        </p:spPr>
+        <p:txBody>
+          <a:bodyPr wrap="square" rtlCol="0">
+            <a:spAutoFit/>
+          </a:bodyPr>
+          <a:lstStyle/>
+          <a:p>
+            <a:r>
+              <a:rPr lang="en-US" dirty="0"/>
+              <a:t>Two cases:  </a:t>
+            </a:r>
+          </a:p>
+          <a:p>
+            <a:r>
+              <a:rPr lang="en-US" dirty="0"/>
+              <a:t> - Prey does not hit wall before getting caught</a:t>
+            </a:r>
+          </a:p>
+          <a:p>
+            <a:r>
+              <a:rPr lang="en-US" dirty="0"/>
+              <a:t>    - measure how long It takes for poacher to catch prey (travel at </a:t>
+            </a:r>
+            <a:r>
+              <a:rPr lang="en-US" dirty="0" err="1"/>
+              <a:t>vP-vT</a:t>
+            </a:r>
+            <a:r>
+              <a:rPr lang="en-US" dirty="0"/>
+              <a:t> for exact </a:t>
+            </a:r>
+            <a:r>
+              <a:rPr lang="en-US" dirty="0" err="1"/>
+              <a:t>dist</a:t>
+            </a:r>
+            <a:r>
+              <a:rPr lang="en-US" dirty="0"/>
+              <a:t>)</a:t>
+            </a:r>
+          </a:p>
+          <a:p>
+            <a:r>
+              <a:rPr lang="en-US" dirty="0"/>
+              <a:t> - Prey does hit wall in before getting caught</a:t>
+            </a:r>
+          </a:p>
+          <a:p>
+            <a:r>
+              <a:rPr lang="en-US" dirty="0"/>
+              <a:t>    - first calculate time for prey to hit wall</a:t>
+            </a:r>
+          </a:p>
+          <a:p>
+            <a:r>
+              <a:rPr lang="en-US" dirty="0"/>
+              <a:t>    - then can calculate where prey hits wall</a:t>
+            </a:r>
+          </a:p>
+          <a:p>
+            <a:r>
+              <a:rPr lang="en-US" dirty="0"/>
+              <a:t>    - then can calculate time for poacher to hit that point</a:t>
+            </a:r>
+          </a:p>
+        </p:txBody>
+      </p:sp>
+    </p:spTree>
+    <p:extLst>
+      <p:ext uri="{BB962C8B-B14F-4D97-AF65-F5344CB8AC3E}">
+        <p14:creationId xmlns:p14="http://schemas.microsoft.com/office/powerpoint/2010/main" val="2841635319"/>
+      </p:ext>
+    </p:extLst>
+  </p:cSld>
+  <p:clrMapOvr>
+    <a:masterClrMapping/>
+  </p:clrMapOvr>
+</p:sld>
+</file>
+
+<file path=ppt/slides/slide8.xml><?xml version="1.0" encoding="utf-8"?>
+<p:sld xmlns:a="http://schemas.openxmlformats.org/drawingml/2006/main" xmlns:r="http://schemas.openxmlformats.org/officeDocument/2006/relationships" xmlns:p="http://schemas.openxmlformats.org/presentationml/2006/main">
+  <p:cSld>
+    <p:spTree>
+      <p:nvGrpSpPr>
+        <p:cNvPr id="1" name=""/>
+        <p:cNvGrpSpPr/>
+        <p:nvPr/>
+      </p:nvGrpSpPr>
+      <p:grpSpPr>
+        <a:xfrm>
+          <a:off x="0" y="0"/>
+          <a:ext cx="0" cy="0"/>
+          <a:chOff x="0" y="0"/>
+          <a:chExt cx="0" cy="0"/>
+        </a:xfrm>
+      </p:grpSpPr>
+      <p:sp>
+        <p:nvSpPr>
+          <p:cNvPr id="20" name="TextBox 19">
+            <a:extLst>
+              <a:ext uri="{FF2B5EF4-FFF2-40B4-BE49-F238E27FC236}">
+                <a16:creationId xmlns:a16="http://schemas.microsoft.com/office/drawing/2014/main" id="{C6B5718F-2BBE-4E39-B10B-658ADA20E88F}"/>
+              </a:ext>
+            </a:extLst>
+          </p:cNvPr>
+          <p:cNvSpPr txBox="1"/>
+          <p:nvPr/>
+        </p:nvSpPr>
+        <p:spPr>
+          <a:xfrm>
+            <a:off x="-944187" y="514317"/>
+            <a:ext cx="4409138" cy="1200329"/>
+          </a:xfrm>
+          <a:prstGeom prst="rect">
+            <a:avLst/>
+          </a:prstGeom>
+          <a:noFill/>
+        </p:spPr>
+        <p:txBody>
+          <a:bodyPr wrap="square" rtlCol="0">
+            <a:spAutoFit/>
+          </a:bodyPr>
+          <a:lstStyle/>
+          <a:p>
+            <a:r>
+              <a:rPr lang="en-US" dirty="0"/>
+              <a:t>dyT1/dxT1 = (yT1-yP1)/(xT1-xP1)</a:t>
+            </a:r>
+          </a:p>
+          <a:p>
+            <a:r>
+              <a:rPr lang="en-US" dirty="0"/>
+              <a:t>dyT1(xT1-xP1) = dxT1(yT1-yP1)</a:t>
+            </a:r>
+          </a:p>
+          <a:p>
+            <a:r>
+              <a:rPr lang="en-US" dirty="0"/>
+              <a:t> &amp; (not at wall -&gt; dxT1^2+dyT1^2 = maxVt^2)</a:t>
+            </a:r>
+          </a:p>
+          <a:p>
+            <a:endParaRPr lang="en-US" dirty="0"/>
+          </a:p>
+        </p:txBody>
+      </p:sp>
+      <p:sp>
+        <p:nvSpPr>
+          <p:cNvPr id="2" name="TextBox 1">
+            <a:extLst>
+              <a:ext uri="{FF2B5EF4-FFF2-40B4-BE49-F238E27FC236}">
+                <a16:creationId xmlns:a16="http://schemas.microsoft.com/office/drawing/2014/main" id="{6DEEA951-7800-4B51-A9A9-27C3220B54E9}"/>
+              </a:ext>
+            </a:extLst>
+          </p:cNvPr>
+          <p:cNvSpPr txBox="1"/>
+          <p:nvPr/>
+        </p:nvSpPr>
+        <p:spPr>
+          <a:xfrm>
+            <a:off x="6172200" y="3212030"/>
+            <a:ext cx="4850296" cy="2585323"/>
+          </a:xfrm>
+          <a:prstGeom prst="rect">
+            <a:avLst/>
+          </a:prstGeom>
+          <a:noFill/>
+        </p:spPr>
+        <p:txBody>
+          <a:bodyPr wrap="square" rtlCol="0">
+            <a:spAutoFit/>
+          </a:bodyPr>
+          <a:lstStyle/>
+          <a:p>
+            <a:r>
+              <a:rPr lang="en-US" dirty="0"/>
+              <a:t>Two cases:  </a:t>
+            </a:r>
+          </a:p>
+          <a:p>
+            <a:r>
+              <a:rPr lang="en-US" dirty="0"/>
+              <a:t> - Prey does not hit wall before getting caught</a:t>
+            </a:r>
+          </a:p>
+          <a:p>
+            <a:r>
+              <a:rPr lang="en-US" dirty="0"/>
+              <a:t>    - measure how long It takes for poacher to catch prey (travel at </a:t>
+            </a:r>
+            <a:r>
+              <a:rPr lang="en-US" dirty="0" err="1"/>
+              <a:t>vP-vT</a:t>
+            </a:r>
+            <a:r>
+              <a:rPr lang="en-US" dirty="0"/>
+              <a:t> for exact </a:t>
+            </a:r>
+            <a:r>
+              <a:rPr lang="en-US" dirty="0" err="1"/>
+              <a:t>dist</a:t>
+            </a:r>
+            <a:r>
+              <a:rPr lang="en-US" dirty="0"/>
+              <a:t>)</a:t>
+            </a:r>
+          </a:p>
+          <a:p>
+            <a:r>
+              <a:rPr lang="en-US" dirty="0"/>
+              <a:t> - Prey does hit wall in before getting caught</a:t>
+            </a:r>
+          </a:p>
+          <a:p>
+            <a:r>
+              <a:rPr lang="en-US" dirty="0"/>
+              <a:t>    - first calculate time for prey to hit wall</a:t>
+            </a:r>
+          </a:p>
+          <a:p>
+            <a:r>
+              <a:rPr lang="en-US" dirty="0"/>
+              <a:t>    - then can calculate where prey hits wall</a:t>
+            </a:r>
+          </a:p>
+          <a:p>
+            <a:r>
+              <a:rPr lang="en-US" dirty="0"/>
+              <a:t>    - then can calculate time for poacher to hit that point</a:t>
+            </a:r>
+          </a:p>
+        </p:txBody>
+      </p:sp>
+      <p:grpSp>
+        <p:nvGrpSpPr>
+          <p:cNvPr id="19" name="Group 18">
+            <a:extLst>
+              <a:ext uri="{FF2B5EF4-FFF2-40B4-BE49-F238E27FC236}">
+                <a16:creationId xmlns:a16="http://schemas.microsoft.com/office/drawing/2014/main" id="{098E0782-8488-42D6-B6A7-497C1DEE8B02}"/>
+              </a:ext>
+            </a:extLst>
+          </p:cNvPr>
+          <p:cNvGrpSpPr/>
+          <p:nvPr/>
+        </p:nvGrpSpPr>
+        <p:grpSpPr>
+          <a:xfrm>
+            <a:off x="927289" y="1852390"/>
+            <a:ext cx="3356811" cy="3356811"/>
+            <a:chOff x="3152272" y="2478497"/>
+            <a:chExt cx="3356811" cy="3356811"/>
+          </a:xfrm>
+        </p:grpSpPr>
+        <p:sp>
+          <p:nvSpPr>
+            <p:cNvPr id="22" name="Oval 21">
+              <a:extLst>
+                <a:ext uri="{FF2B5EF4-FFF2-40B4-BE49-F238E27FC236}">
+                  <a16:creationId xmlns:a16="http://schemas.microsoft.com/office/drawing/2014/main" id="{FE03B709-8BD9-4DCC-9E9D-71F862F410D7}"/>
+                </a:ext>
+              </a:extLst>
+            </p:cNvPr>
+            <p:cNvSpPr/>
+            <p:nvPr/>
+          </p:nvSpPr>
+          <p:spPr>
+            <a:xfrm>
+              <a:off x="3152272" y="2478497"/>
+              <a:ext cx="3356811" cy="3356811"/>
+            </a:xfrm>
+            <a:prstGeom prst="ellipse">
+              <a:avLst/>
+            </a:prstGeom>
+            <a:noFill/>
+            <a:ln w="57150">
+              <a:solidFill>
+                <a:schemeClr val="accent6">
+                  <a:lumMod val="50000"/>
+                </a:schemeClr>
+              </a:solidFill>
+              <a:prstDash val="sysDot"/>
+            </a:ln>
+          </p:spPr>
+          <p:style>
+            <a:lnRef idx="2">
+              <a:schemeClr val="accent1">
+                <a:shade val="50000"/>
+              </a:schemeClr>
+            </a:lnRef>
+            <a:fillRef idx="1">
+              <a:schemeClr val="accent1"/>
+            </a:fillRef>
+            <a:effectRef idx="0">
+              <a:schemeClr val="accent1"/>
+            </a:effectRef>
+            <a:fontRef idx="minor">
+              <a:schemeClr val="lt1"/>
+            </a:fontRef>
+          </p:style>
+          <p:txBody>
+            <a:bodyPr rtlCol="0" anchor="ctr"/>
+            <a:lstStyle/>
+            <a:p>
+              <a:pPr algn="ctr"/>
+              <a:endParaRPr lang="en-US"/>
+            </a:p>
+          </p:txBody>
+        </p:sp>
+        <p:cxnSp>
+          <p:nvCxnSpPr>
+            <p:cNvPr id="24" name="Straight Connector 23">
+              <a:extLst>
+                <a:ext uri="{FF2B5EF4-FFF2-40B4-BE49-F238E27FC236}">
+                  <a16:creationId xmlns:a16="http://schemas.microsoft.com/office/drawing/2014/main" id="{5F8E9F1A-520E-4843-8404-7297A53C3BCD}"/>
+                </a:ext>
+              </a:extLst>
+            </p:cNvPr>
+            <p:cNvCxnSpPr/>
+            <p:nvPr/>
+          </p:nvCxnSpPr>
+          <p:spPr>
+            <a:xfrm>
+              <a:off x="4890837" y="4096748"/>
+              <a:ext cx="1598194" cy="0"/>
+            </a:xfrm>
+            <a:prstGeom prst="line">
+              <a:avLst/>
+            </a:prstGeom>
+            <a:ln w="38100">
+              <a:solidFill>
+                <a:schemeClr val="tx1"/>
+              </a:solidFill>
+            </a:ln>
+          </p:spPr>
+          <p:style>
+            <a:lnRef idx="1">
+              <a:schemeClr val="accent1"/>
+            </a:lnRef>
+            <a:fillRef idx="0">
+              <a:schemeClr val="accent1"/>
+            </a:fillRef>
+            <a:effectRef idx="0">
+              <a:schemeClr val="accent1"/>
+            </a:effectRef>
+            <a:fontRef idx="minor">
+              <a:schemeClr val="tx1"/>
+            </a:fontRef>
+          </p:style>
+        </p:cxnSp>
+        <p:sp>
+          <p:nvSpPr>
+            <p:cNvPr id="25" name="TextBox 24">
+              <a:extLst>
+                <a:ext uri="{FF2B5EF4-FFF2-40B4-BE49-F238E27FC236}">
+                  <a16:creationId xmlns:a16="http://schemas.microsoft.com/office/drawing/2014/main" id="{03360973-D85A-4B3F-86A0-2857360DB25F}"/>
+                </a:ext>
+              </a:extLst>
+            </p:cNvPr>
+            <p:cNvSpPr txBox="1"/>
+            <p:nvPr/>
+          </p:nvSpPr>
+          <p:spPr>
+            <a:xfrm>
+              <a:off x="5466345" y="3656945"/>
+              <a:ext cx="914400" cy="369332"/>
+            </a:xfrm>
+            <a:prstGeom prst="rect">
+              <a:avLst/>
+            </a:prstGeom>
+            <a:noFill/>
+          </p:spPr>
+          <p:txBody>
+            <a:bodyPr wrap="square" rtlCol="0">
+              <a:spAutoFit/>
+            </a:bodyPr>
+            <a:lstStyle/>
+            <a:p>
+              <a:r>
+                <a:rPr lang="en-US" dirty="0" err="1"/>
+                <a:t>capr</a:t>
+              </a:r>
+              <a:endParaRPr lang="en-US" dirty="0"/>
+            </a:p>
+          </p:txBody>
+        </p:sp>
+      </p:grpSp>
+      <p:grpSp>
+        <p:nvGrpSpPr>
+          <p:cNvPr id="27" name="Group 26">
+            <a:extLst>
+              <a:ext uri="{FF2B5EF4-FFF2-40B4-BE49-F238E27FC236}">
+                <a16:creationId xmlns:a16="http://schemas.microsoft.com/office/drawing/2014/main" id="{5789E704-A8D0-4FAB-8279-64BF21AB4C9B}"/>
+              </a:ext>
+            </a:extLst>
+          </p:cNvPr>
+          <p:cNvGrpSpPr/>
+          <p:nvPr/>
+        </p:nvGrpSpPr>
+        <p:grpSpPr>
+          <a:xfrm>
+            <a:off x="2938282" y="750383"/>
+            <a:ext cx="2171701" cy="2171701"/>
+            <a:chOff x="5015560" y="2202541"/>
+            <a:chExt cx="2171701" cy="2171701"/>
+          </a:xfrm>
+        </p:grpSpPr>
+        <p:sp>
+          <p:nvSpPr>
+            <p:cNvPr id="29" name="Oval 28">
+              <a:extLst>
+                <a:ext uri="{FF2B5EF4-FFF2-40B4-BE49-F238E27FC236}">
+                  <a16:creationId xmlns:a16="http://schemas.microsoft.com/office/drawing/2014/main" id="{116286C0-79D6-494B-9925-F56F14E2CACA}"/>
+                </a:ext>
+              </a:extLst>
+            </p:cNvPr>
+            <p:cNvSpPr/>
+            <p:nvPr/>
+          </p:nvSpPr>
+          <p:spPr>
+            <a:xfrm>
+              <a:off x="5015560" y="2202541"/>
+              <a:ext cx="2171701" cy="2171701"/>
+            </a:xfrm>
+            <a:prstGeom prst="ellipse">
+              <a:avLst/>
+            </a:prstGeom>
+            <a:noFill/>
+            <a:ln w="57150">
+              <a:solidFill>
+                <a:schemeClr val="accent6"/>
+              </a:solidFill>
+              <a:prstDash val="sysDot"/>
+            </a:ln>
+          </p:spPr>
+          <p:style>
+            <a:lnRef idx="2">
+              <a:schemeClr val="accent1">
+                <a:shade val="50000"/>
+              </a:schemeClr>
+            </a:lnRef>
+            <a:fillRef idx="1">
+              <a:schemeClr val="accent1"/>
+            </a:fillRef>
+            <a:effectRef idx="0">
+              <a:schemeClr val="accent1"/>
+            </a:effectRef>
+            <a:fontRef idx="minor">
+              <a:schemeClr val="lt1"/>
+            </a:fontRef>
+          </p:style>
+          <p:txBody>
+            <a:bodyPr rtlCol="0" anchor="ctr"/>
+            <a:lstStyle/>
+            <a:p>
+              <a:pPr algn="ctr"/>
+              <a:endParaRPr lang="en-US"/>
+            </a:p>
+          </p:txBody>
+        </p:sp>
+        <p:sp>
+          <p:nvSpPr>
+            <p:cNvPr id="31" name="Oval 30">
+              <a:extLst>
+                <a:ext uri="{FF2B5EF4-FFF2-40B4-BE49-F238E27FC236}">
+                  <a16:creationId xmlns:a16="http://schemas.microsoft.com/office/drawing/2014/main" id="{0486CF4D-9D8B-44FA-8722-6EB864EADA20}"/>
+                </a:ext>
+              </a:extLst>
+            </p:cNvPr>
+            <p:cNvSpPr/>
+            <p:nvPr/>
+          </p:nvSpPr>
+          <p:spPr>
+            <a:xfrm>
+              <a:off x="5963848" y="3100957"/>
+              <a:ext cx="310817" cy="310817"/>
+            </a:xfrm>
+            <a:prstGeom prst="ellipse">
+              <a:avLst/>
+            </a:prstGeom>
+            <a:solidFill>
+              <a:schemeClr val="accent6"/>
+            </a:solidFill>
+            <a:ln w="57150">
+              <a:noFill/>
+              <a:prstDash val="sysDot"/>
+            </a:ln>
+          </p:spPr>
+          <p:style>
+            <a:lnRef idx="2">
+              <a:schemeClr val="accent1">
+                <a:shade val="50000"/>
+              </a:schemeClr>
+            </a:lnRef>
+            <a:fillRef idx="1">
+              <a:schemeClr val="accent1"/>
+            </a:fillRef>
+            <a:effectRef idx="0">
+              <a:schemeClr val="accent1"/>
+            </a:effectRef>
+            <a:fontRef idx="minor">
+              <a:schemeClr val="lt1"/>
+            </a:fontRef>
+          </p:style>
+          <p:txBody>
+            <a:bodyPr rtlCol="0" anchor="ctr"/>
+            <a:lstStyle/>
+            <a:p>
+              <a:pPr algn="ctr"/>
+              <a:endParaRPr lang="en-US"/>
+            </a:p>
+          </p:txBody>
+        </p:sp>
+      </p:grpSp>
+      <p:sp>
+        <p:nvSpPr>
+          <p:cNvPr id="7" name="Oval 6">
+            <a:extLst>
+              <a:ext uri="{FF2B5EF4-FFF2-40B4-BE49-F238E27FC236}">
+                <a16:creationId xmlns:a16="http://schemas.microsoft.com/office/drawing/2014/main" id="{11648534-6A18-428F-8012-999954EDC0DE}"/>
+              </a:ext>
+            </a:extLst>
+          </p:cNvPr>
+          <p:cNvSpPr/>
+          <p:nvPr/>
+        </p:nvSpPr>
+        <p:spPr>
+          <a:xfrm>
+            <a:off x="2938282" y="1057829"/>
+            <a:ext cx="329922" cy="329922"/>
+          </a:xfrm>
+          <a:prstGeom prst="ellipse">
+            <a:avLst/>
+          </a:prstGeom>
+          <a:solidFill>
+            <a:srgbClr val="FF0000"/>
+          </a:solidFill>
+          <a:ln>
+            <a:solidFill>
+              <a:srgbClr val="FF0000"/>
+            </a:solidFill>
+          </a:ln>
+        </p:spPr>
+        <p:style>
+          <a:lnRef idx="2">
+            <a:schemeClr val="accent1">
+              <a:shade val="50000"/>
+            </a:schemeClr>
+          </a:lnRef>
+          <a:fillRef idx="1">
+            <a:schemeClr val="accent1"/>
+          </a:fillRef>
+          <a:effectRef idx="0">
+            <a:schemeClr val="accent1"/>
+          </a:effectRef>
+          <a:fontRef idx="minor">
+            <a:schemeClr val="lt1"/>
+          </a:fontRef>
+        </p:style>
+        <p:txBody>
+          <a:bodyPr rtlCol="0" anchor="ctr"/>
+          <a:lstStyle/>
+          <a:p>
+            <a:pPr algn="ctr"/>
+            <a:endParaRPr lang="en-US"/>
+          </a:p>
+        </p:txBody>
+      </p:sp>
+      <p:sp>
+        <p:nvSpPr>
+          <p:cNvPr id="32" name="TextBox 31">
+            <a:extLst>
+              <a:ext uri="{FF2B5EF4-FFF2-40B4-BE49-F238E27FC236}">
+                <a16:creationId xmlns:a16="http://schemas.microsoft.com/office/drawing/2014/main" id="{6B10FC81-DA2A-4369-82A0-15301B0C9B83}"/>
+              </a:ext>
+            </a:extLst>
+          </p:cNvPr>
+          <p:cNvSpPr txBox="1"/>
+          <p:nvPr/>
+        </p:nvSpPr>
+        <p:spPr>
+          <a:xfrm>
+            <a:off x="5982485" y="-59361"/>
+            <a:ext cx="5229726" cy="3416320"/>
+          </a:xfrm>
+          <a:prstGeom prst="rect">
+            <a:avLst/>
+          </a:prstGeom>
+          <a:noFill/>
+        </p:spPr>
+        <p:txBody>
+          <a:bodyPr wrap="square" rtlCol="0">
+            <a:spAutoFit/>
+          </a:bodyPr>
+          <a:lstStyle/>
+          <a:p>
+            <a:r>
+              <a:rPr lang="en-US" dirty="0" err="1"/>
+              <a:t>Adversarially</a:t>
+            </a:r>
+            <a:r>
+              <a:rPr lang="en-US" dirty="0"/>
+              <a:t>, target can move to opposite corner</a:t>
+            </a:r>
+          </a:p>
+          <a:p>
+            <a:endParaRPr lang="en-US" dirty="0"/>
+          </a:p>
+          <a:p>
+            <a:r>
+              <a:rPr lang="en-US" dirty="0"/>
+              <a:t>Want green/red &lt;= </a:t>
+            </a:r>
+            <a:r>
+              <a:rPr lang="en-US" dirty="0" err="1"/>
+              <a:t>rangerMaxV</a:t>
+            </a:r>
+            <a:r>
+              <a:rPr lang="en-US" dirty="0"/>
+              <a:t>/</a:t>
+            </a:r>
+            <a:r>
+              <a:rPr lang="en-US" dirty="0" err="1"/>
+              <a:t>targetMaxV</a:t>
+            </a:r>
+            <a:endParaRPr lang="en-US" dirty="0"/>
+          </a:p>
+          <a:p>
+            <a:r>
+              <a:rPr lang="en-US" dirty="0"/>
+              <a:t>Green/</a:t>
+            </a:r>
+            <a:r>
+              <a:rPr lang="en-US" dirty="0" err="1"/>
+              <a:t>rangerMaxV</a:t>
+            </a:r>
+            <a:r>
+              <a:rPr lang="en-US" dirty="0"/>
+              <a:t> &lt;= red/</a:t>
+            </a:r>
+            <a:r>
+              <a:rPr lang="en-US" dirty="0" err="1"/>
+              <a:t>targetMaxV</a:t>
+            </a:r>
+            <a:endParaRPr lang="en-US" dirty="0"/>
+          </a:p>
+          <a:p>
+            <a:r>
+              <a:rPr lang="en-US" dirty="0"/>
+              <a:t>Time for ranger to travel &lt;= time for target to travel</a:t>
+            </a:r>
+          </a:p>
+          <a:p>
+            <a:endParaRPr lang="en-US" dirty="0"/>
+          </a:p>
+          <a:p>
+            <a:r>
+              <a:rPr lang="en-US" dirty="0"/>
+              <a:t>Length of side of green = maxX-rsqrt2</a:t>
+            </a:r>
+          </a:p>
+          <a:p>
+            <a:r>
+              <a:rPr lang="en-US" dirty="0"/>
+              <a:t>Length of </a:t>
+            </a:r>
+            <a:r>
+              <a:rPr lang="en-US" dirty="0" err="1"/>
+              <a:t>diag</a:t>
+            </a:r>
+            <a:r>
+              <a:rPr lang="en-US" dirty="0"/>
+              <a:t> of green = maxXsqrt2 – 2r</a:t>
+            </a:r>
+          </a:p>
+          <a:p>
+            <a:endParaRPr lang="en-US" dirty="0"/>
+          </a:p>
+          <a:p>
+            <a:r>
+              <a:rPr lang="en-US" dirty="0"/>
+              <a:t>Length of </a:t>
+            </a:r>
+            <a:r>
+              <a:rPr lang="en-US" dirty="0" err="1"/>
+              <a:t>diag</a:t>
+            </a:r>
+            <a:r>
+              <a:rPr lang="en-US" dirty="0"/>
+              <a:t> of red = maxXsqrt2</a:t>
+            </a:r>
+          </a:p>
+          <a:p>
+            <a:endParaRPr lang="en-US" dirty="0"/>
+          </a:p>
+          <a:p>
+            <a:endParaRPr lang="en-US" dirty="0"/>
+          </a:p>
+        </p:txBody>
+      </p:sp>
+    </p:spTree>
+    <p:extLst>
+      <p:ext uri="{BB962C8B-B14F-4D97-AF65-F5344CB8AC3E}">
+        <p14:creationId xmlns:p14="http://schemas.microsoft.com/office/powerpoint/2010/main" val="595612118"/>
+      </p:ext>
+    </p:extLst>
+  </p:cSld>
+  <p:clrMapOvr>
+    <a:masterClrMapping/>
+  </p:clrMapOvr>
+</p:sld>
+</file>
+
+<file path=ppt/slides/slide9.xml><?xml version="1.0" encoding="utf-8"?>
+<p:sld xmlns:a="http://schemas.openxmlformats.org/drawingml/2006/main" xmlns:r="http://schemas.openxmlformats.org/officeDocument/2006/relationships" xmlns:p="http://schemas.openxmlformats.org/presentationml/2006/main">
+  <p:cSld>
+    <p:spTree>
+      <p:nvGrpSpPr>
+        <p:cNvPr id="1" name=""/>
+        <p:cNvGrpSpPr/>
+        <p:nvPr/>
+      </p:nvGrpSpPr>
+      <p:grpSpPr>
+        <a:xfrm>
+          <a:off x="0" y="0"/>
+          <a:ext cx="0" cy="0"/>
+          <a:chOff x="0" y="0"/>
+          <a:chExt cx="0" cy="0"/>
+        </a:xfrm>
+      </p:grpSpPr>
+      <p:grpSp>
+        <p:nvGrpSpPr>
+          <p:cNvPr id="19" name="Group 18">
+            <a:extLst>
+              <a:ext uri="{FF2B5EF4-FFF2-40B4-BE49-F238E27FC236}">
+                <a16:creationId xmlns:a16="http://schemas.microsoft.com/office/drawing/2014/main" id="{098E0782-8488-42D6-B6A7-497C1DEE8B02}"/>
+              </a:ext>
+            </a:extLst>
+          </p:cNvPr>
+          <p:cNvGrpSpPr/>
+          <p:nvPr/>
+        </p:nvGrpSpPr>
+        <p:grpSpPr>
+          <a:xfrm>
+            <a:off x="927289" y="1852390"/>
+            <a:ext cx="3356811" cy="3356811"/>
+            <a:chOff x="3152272" y="2478497"/>
+            <a:chExt cx="3356811" cy="3356811"/>
+          </a:xfrm>
+        </p:grpSpPr>
+        <p:sp>
+          <p:nvSpPr>
+            <p:cNvPr id="22" name="Oval 21">
+              <a:extLst>
+                <a:ext uri="{FF2B5EF4-FFF2-40B4-BE49-F238E27FC236}">
+                  <a16:creationId xmlns:a16="http://schemas.microsoft.com/office/drawing/2014/main" id="{FE03B709-8BD9-4DCC-9E9D-71F862F410D7}"/>
+                </a:ext>
+              </a:extLst>
+            </p:cNvPr>
+            <p:cNvSpPr/>
+            <p:nvPr/>
+          </p:nvSpPr>
+          <p:spPr>
+            <a:xfrm>
+              <a:off x="3152272" y="2478497"/>
+              <a:ext cx="3356811" cy="3356811"/>
+            </a:xfrm>
+            <a:prstGeom prst="ellipse">
+              <a:avLst/>
+            </a:prstGeom>
+            <a:noFill/>
+            <a:ln w="57150">
+              <a:solidFill>
+                <a:schemeClr val="accent6">
+                  <a:lumMod val="50000"/>
+                </a:schemeClr>
+              </a:solidFill>
+              <a:prstDash val="sysDot"/>
+            </a:ln>
+          </p:spPr>
+          <p:style>
+            <a:lnRef idx="2">
+              <a:schemeClr val="accent1">
+                <a:shade val="50000"/>
+              </a:schemeClr>
+            </a:lnRef>
+            <a:fillRef idx="1">
+              <a:schemeClr val="accent1"/>
+            </a:fillRef>
+            <a:effectRef idx="0">
+              <a:schemeClr val="accent1"/>
+            </a:effectRef>
+            <a:fontRef idx="minor">
+              <a:schemeClr val="lt1"/>
+            </a:fontRef>
+          </p:style>
+          <p:txBody>
+            <a:bodyPr rtlCol="0" anchor="ctr"/>
+            <a:lstStyle/>
+            <a:p>
+              <a:pPr algn="ctr"/>
+              <a:endParaRPr lang="en-US"/>
+            </a:p>
+          </p:txBody>
+        </p:sp>
+        <p:cxnSp>
+          <p:nvCxnSpPr>
+            <p:cNvPr id="24" name="Straight Connector 23">
+              <a:extLst>
+                <a:ext uri="{FF2B5EF4-FFF2-40B4-BE49-F238E27FC236}">
+                  <a16:creationId xmlns:a16="http://schemas.microsoft.com/office/drawing/2014/main" id="{5F8E9F1A-520E-4843-8404-7297A53C3BCD}"/>
+                </a:ext>
+              </a:extLst>
+            </p:cNvPr>
+            <p:cNvCxnSpPr/>
+            <p:nvPr/>
+          </p:nvCxnSpPr>
+          <p:spPr>
+            <a:xfrm>
+              <a:off x="4890837" y="4096748"/>
+              <a:ext cx="1598194" cy="0"/>
+            </a:xfrm>
+            <a:prstGeom prst="line">
+              <a:avLst/>
+            </a:prstGeom>
+            <a:ln w="38100">
+              <a:solidFill>
+                <a:schemeClr val="tx1"/>
+              </a:solidFill>
+            </a:ln>
+          </p:spPr>
+          <p:style>
+            <a:lnRef idx="1">
+              <a:schemeClr val="accent1"/>
+            </a:lnRef>
+            <a:fillRef idx="0">
+              <a:schemeClr val="accent1"/>
+            </a:fillRef>
+            <a:effectRef idx="0">
+              <a:schemeClr val="accent1"/>
+            </a:effectRef>
+            <a:fontRef idx="minor">
+              <a:schemeClr val="tx1"/>
+            </a:fontRef>
+          </p:style>
+        </p:cxnSp>
+        <p:sp>
+          <p:nvSpPr>
+            <p:cNvPr id="25" name="TextBox 24">
+              <a:extLst>
+                <a:ext uri="{FF2B5EF4-FFF2-40B4-BE49-F238E27FC236}">
+                  <a16:creationId xmlns:a16="http://schemas.microsoft.com/office/drawing/2014/main" id="{03360973-D85A-4B3F-86A0-2857360DB25F}"/>
+                </a:ext>
+              </a:extLst>
+            </p:cNvPr>
+            <p:cNvSpPr txBox="1"/>
+            <p:nvPr/>
+          </p:nvSpPr>
+          <p:spPr>
+            <a:xfrm>
+              <a:off x="5466345" y="3656945"/>
+              <a:ext cx="914400" cy="369332"/>
+            </a:xfrm>
+            <a:prstGeom prst="rect">
+              <a:avLst/>
+            </a:prstGeom>
+            <a:noFill/>
+          </p:spPr>
+          <p:txBody>
+            <a:bodyPr wrap="square" rtlCol="0">
+              <a:spAutoFit/>
+            </a:bodyPr>
+            <a:lstStyle/>
+            <a:p>
+              <a:r>
+                <a:rPr lang="en-US" dirty="0" err="1"/>
+                <a:t>capr</a:t>
+              </a:r>
+              <a:endParaRPr lang="en-US" dirty="0"/>
+            </a:p>
+          </p:txBody>
+        </p:sp>
+      </p:grpSp>
+      <p:grpSp>
+        <p:nvGrpSpPr>
+          <p:cNvPr id="27" name="Group 26">
+            <a:extLst>
+              <a:ext uri="{FF2B5EF4-FFF2-40B4-BE49-F238E27FC236}">
+                <a16:creationId xmlns:a16="http://schemas.microsoft.com/office/drawing/2014/main" id="{5789E704-A8D0-4FAB-8279-64BF21AB4C9B}"/>
+              </a:ext>
+            </a:extLst>
+          </p:cNvPr>
+          <p:cNvGrpSpPr/>
+          <p:nvPr/>
+        </p:nvGrpSpPr>
+        <p:grpSpPr>
+          <a:xfrm>
+            <a:off x="2938282" y="750383"/>
+            <a:ext cx="2171701" cy="2171701"/>
+            <a:chOff x="5015560" y="2202541"/>
+            <a:chExt cx="2171701" cy="2171701"/>
+          </a:xfrm>
+        </p:grpSpPr>
+        <p:sp>
+          <p:nvSpPr>
+            <p:cNvPr id="29" name="Oval 28">
+              <a:extLst>
+                <a:ext uri="{FF2B5EF4-FFF2-40B4-BE49-F238E27FC236}">
+                  <a16:creationId xmlns:a16="http://schemas.microsoft.com/office/drawing/2014/main" id="{116286C0-79D6-494B-9925-F56F14E2CACA}"/>
+                </a:ext>
+              </a:extLst>
+            </p:cNvPr>
+            <p:cNvSpPr/>
+            <p:nvPr/>
+          </p:nvSpPr>
+          <p:spPr>
+            <a:xfrm>
+              <a:off x="5015560" y="2202541"/>
+              <a:ext cx="2171701" cy="2171701"/>
+            </a:xfrm>
+            <a:prstGeom prst="ellipse">
+              <a:avLst/>
+            </a:prstGeom>
+            <a:noFill/>
+            <a:ln w="57150">
+              <a:solidFill>
+                <a:schemeClr val="accent6"/>
+              </a:solidFill>
+              <a:prstDash val="sysDot"/>
+            </a:ln>
+          </p:spPr>
+          <p:style>
+            <a:lnRef idx="2">
+              <a:schemeClr val="accent1">
+                <a:shade val="50000"/>
+              </a:schemeClr>
+            </a:lnRef>
+            <a:fillRef idx="1">
+              <a:schemeClr val="accent1"/>
+            </a:fillRef>
+            <a:effectRef idx="0">
+              <a:schemeClr val="accent1"/>
+            </a:effectRef>
+            <a:fontRef idx="minor">
+              <a:schemeClr val="lt1"/>
+            </a:fontRef>
+          </p:style>
+          <p:txBody>
+            <a:bodyPr rtlCol="0" anchor="ctr"/>
+            <a:lstStyle/>
+            <a:p>
+              <a:pPr algn="ctr"/>
+              <a:endParaRPr lang="en-US"/>
+            </a:p>
+          </p:txBody>
+        </p:sp>
+        <p:sp>
+          <p:nvSpPr>
+            <p:cNvPr id="31" name="Oval 30">
+              <a:extLst>
+                <a:ext uri="{FF2B5EF4-FFF2-40B4-BE49-F238E27FC236}">
+                  <a16:creationId xmlns:a16="http://schemas.microsoft.com/office/drawing/2014/main" id="{0486CF4D-9D8B-44FA-8722-6EB864EADA20}"/>
+                </a:ext>
+              </a:extLst>
+            </p:cNvPr>
+            <p:cNvSpPr/>
+            <p:nvPr/>
+          </p:nvSpPr>
+          <p:spPr>
+            <a:xfrm>
+              <a:off x="5963848" y="3100957"/>
+              <a:ext cx="310817" cy="310817"/>
+            </a:xfrm>
+            <a:prstGeom prst="ellipse">
+              <a:avLst/>
+            </a:prstGeom>
+            <a:solidFill>
+              <a:schemeClr val="accent6"/>
+            </a:solidFill>
+            <a:ln w="57150">
+              <a:noFill/>
+              <a:prstDash val="sysDot"/>
+            </a:ln>
+          </p:spPr>
+          <p:style>
+            <a:lnRef idx="2">
+              <a:schemeClr val="accent1">
+                <a:shade val="50000"/>
+              </a:schemeClr>
+            </a:lnRef>
+            <a:fillRef idx="1">
+              <a:schemeClr val="accent1"/>
+            </a:fillRef>
+            <a:effectRef idx="0">
+              <a:schemeClr val="accent1"/>
+            </a:effectRef>
+            <a:fontRef idx="minor">
+              <a:schemeClr val="lt1"/>
+            </a:fontRef>
+          </p:style>
+          <p:txBody>
+            <a:bodyPr rtlCol="0" anchor="ctr"/>
+            <a:lstStyle/>
+            <a:p>
+              <a:pPr algn="ctr"/>
+              <a:endParaRPr lang="en-US"/>
+            </a:p>
+          </p:txBody>
+        </p:sp>
+      </p:grpSp>
+    </p:spTree>
+    <p:extLst>
+      <p:ext uri="{BB962C8B-B14F-4D97-AF65-F5344CB8AC3E}">
+        <p14:creationId xmlns:p14="http://schemas.microsoft.com/office/powerpoint/2010/main" val="1737344315"/>
       </p:ext>
     </p:extLst>
   </p:cSld>
